--- a/cosmas/slides.pptx
+++ b/cosmas/slides.pptx
@@ -2,16 +2,21 @@
 <file path=ppt/presentation.xml><?xml version="1.0" encoding="utf-8"?>
 <p:presentation xmlns:a="http://schemas.openxmlformats.org/drawingml/2006/main" xmlns:r="http://schemas.openxmlformats.org/officeDocument/2006/relationships" xmlns:p="http://schemas.openxmlformats.org/presentationml/2006/main" saveSubsetFonts="1" autoCompressPictures="0">
   <p:sldMasterIdLst>
-    <p:sldMasterId id="2147483648" r:id="rId1"/>
+    <p:sldMasterId id="2147483660" r:id="rId1"/>
   </p:sldMasterIdLst>
+  <p:notesMasterIdLst>
+    <p:notesMasterId r:id="rId9"/>
+  </p:notesMasterIdLst>
   <p:sldIdLst>
     <p:sldId id="256" r:id="rId2"/>
     <p:sldId id="257" r:id="rId3"/>
     <p:sldId id="259" r:id="rId4"/>
     <p:sldId id="258" r:id="rId5"/>
-    <p:sldId id="260" r:id="rId6"/>
+    <p:sldId id="261" r:id="rId6"/>
+    <p:sldId id="262" r:id="rId7"/>
+    <p:sldId id="263" r:id="rId8"/>
   </p:sldIdLst>
-  <p:sldSz cx="12192000" cy="6858000"/>
+  <p:sldSz cx="9144000" cy="6858000" type="screen4x3"/>
   <p:notesSz cx="6858000" cy="9144000"/>
   <p:defaultTextStyle>
     <a:defPPr>
@@ -111,6 +116,3021 @@
 </p:presentation>
 </file>
 
+<file path=ppt/charts/chart1.xml><?xml version="1.0" encoding="utf-8"?>
+<c:chartSpace xmlns:c="http://schemas.openxmlformats.org/drawingml/2006/chart" xmlns:a="http://schemas.openxmlformats.org/drawingml/2006/main" xmlns:r="http://schemas.openxmlformats.org/officeDocument/2006/relationships">
+  <c:date1904 val="0"/>
+  <c:lang val="en-US"/>
+  <c:roundedCorners val="0"/>
+  <mc:AlternateContent xmlns:mc="http://schemas.openxmlformats.org/markup-compatibility/2006">
+    <mc:Choice xmlns:c14="http://schemas.microsoft.com/office/drawing/2007/8/2/chart" Requires="c14">
+      <c14:style val="102"/>
+    </mc:Choice>
+    <mc:Fallback>
+      <c:style val="2"/>
+    </mc:Fallback>
+  </mc:AlternateContent>
+  <c:chart>
+    <c:autoTitleDeleted val="1"/>
+    <c:plotArea>
+      <c:layout/>
+      <c:barChart>
+        <c:barDir val="col"/>
+        <c:grouping val="clustered"/>
+        <c:varyColors val="0"/>
+        <c:ser>
+          <c:idx val="0"/>
+          <c:order val="0"/>
+          <c:tx>
+            <c:strRef>
+              <c:f>Sheet1!$B$1</c:f>
+              <c:strCache>
+                <c:ptCount val="1"/>
+                <c:pt idx="0">
+                  <c:v>Passenger Vehicle</c:v>
+                </c:pt>
+              </c:strCache>
+            </c:strRef>
+          </c:tx>
+          <c:spPr>
+            <a:solidFill>
+              <a:schemeClr val="accent1"/>
+            </a:solidFill>
+            <a:ln>
+              <a:noFill/>
+            </a:ln>
+            <a:effectLst/>
+          </c:spPr>
+          <c:invertIfNegative val="0"/>
+          <c:cat>
+            <c:strRef>
+              <c:f>Sheet1!$A$2:$A$9</c:f>
+              <c:strCache>
+                <c:ptCount val="8"/>
+                <c:pt idx="0">
+                  <c:v>Following Too Closely</c:v>
+                </c:pt>
+                <c:pt idx="1">
+                  <c:v>Driver Inattention/Distraction</c:v>
+                </c:pt>
+                <c:pt idx="2">
+                  <c:v>Passing or Lane Usage Improper</c:v>
+                </c:pt>
+                <c:pt idx="3">
+                  <c:v>Failure to Yield Right-of-Way</c:v>
+                </c:pt>
+                <c:pt idx="4">
+                  <c:v>Glare</c:v>
+                </c:pt>
+                <c:pt idx="5">
+                  <c:v>Reaction to Other Uninvolved Vehicle</c:v>
+                </c:pt>
+                <c:pt idx="6">
+                  <c:v>Unsafe Lane Changing</c:v>
+                </c:pt>
+                <c:pt idx="7">
+                  <c:v>Other Vehicular</c:v>
+                </c:pt>
+              </c:strCache>
+            </c:strRef>
+          </c:cat>
+          <c:val>
+            <c:numRef>
+              <c:f>Sheet1!$B$2:$B$9</c:f>
+              <c:numCache>
+                <c:formatCode>General</c:formatCode>
+                <c:ptCount val="8"/>
+                <c:pt idx="0">
+                  <c:v>4.490942</c:v>
+                </c:pt>
+                <c:pt idx="1">
+                  <c:v>28.564054</c:v>
+                </c:pt>
+                <c:pt idx="2">
+                  <c:v>2.02978</c:v>
+                </c:pt>
+                <c:pt idx="3">
+                  <c:v>9.436495</c:v>
+                </c:pt>
+                <c:pt idx="4">
+                  <c:v>0.428477</c:v>
+                </c:pt>
+                <c:pt idx="5">
+                  <c:v>0.92471</c:v>
+                </c:pt>
+                <c:pt idx="6">
+                  <c:v>1.83361</c:v>
+                </c:pt>
+                <c:pt idx="7">
+                  <c:v>5.586655</c:v>
+                </c:pt>
+              </c:numCache>
+            </c:numRef>
+          </c:val>
+        </c:ser>
+        <c:ser>
+          <c:idx val="1"/>
+          <c:order val="1"/>
+          <c:tx>
+            <c:strRef>
+              <c:f>Sheet1!$C$1</c:f>
+              <c:strCache>
+                <c:ptCount val="1"/>
+                <c:pt idx="0">
+                  <c:v>Passenger Vehicle_m10_1518</c:v>
+                </c:pt>
+              </c:strCache>
+            </c:strRef>
+          </c:tx>
+          <c:spPr>
+            <a:solidFill>
+              <a:schemeClr val="accent2"/>
+            </a:solidFill>
+            <a:ln>
+              <a:noFill/>
+            </a:ln>
+            <a:effectLst/>
+          </c:spPr>
+          <c:invertIfNegative val="0"/>
+          <c:cat>
+            <c:strRef>
+              <c:f>Sheet1!$A$2:$A$9</c:f>
+              <c:strCache>
+                <c:ptCount val="8"/>
+                <c:pt idx="0">
+                  <c:v>Following Too Closely</c:v>
+                </c:pt>
+                <c:pt idx="1">
+                  <c:v>Driver Inattention/Distraction</c:v>
+                </c:pt>
+                <c:pt idx="2">
+                  <c:v>Passing or Lane Usage Improper</c:v>
+                </c:pt>
+                <c:pt idx="3">
+                  <c:v>Failure to Yield Right-of-Way</c:v>
+                </c:pt>
+                <c:pt idx="4">
+                  <c:v>Glare</c:v>
+                </c:pt>
+                <c:pt idx="5">
+                  <c:v>Reaction to Other Uninvolved Vehicle</c:v>
+                </c:pt>
+                <c:pt idx="6">
+                  <c:v>Unsafe Lane Changing</c:v>
+                </c:pt>
+                <c:pt idx="7">
+                  <c:v>Other Vehicular</c:v>
+                </c:pt>
+              </c:strCache>
+            </c:strRef>
+          </c:cat>
+          <c:val>
+            <c:numRef>
+              <c:f>Sheet1!$C$2:$C$9</c:f>
+              <c:numCache>
+                <c:formatCode>General</c:formatCode>
+                <c:ptCount val="8"/>
+                <c:pt idx="0">
+                  <c:v>6.701785</c:v>
+                </c:pt>
+                <c:pt idx="1">
+                  <c:v>30.655546</c:v>
+                </c:pt>
+                <c:pt idx="2">
+                  <c:v>2.970442</c:v>
+                </c:pt>
+                <c:pt idx="3">
+                  <c:v>10.00878</c:v>
+                </c:pt>
+                <c:pt idx="4">
+                  <c:v>0.995025</c:v>
+                </c:pt>
+                <c:pt idx="5">
+                  <c:v>1.360843</c:v>
+                </c:pt>
+                <c:pt idx="6">
+                  <c:v>2.268071</c:v>
+                </c:pt>
+                <c:pt idx="7">
+                  <c:v>5.823822</c:v>
+                </c:pt>
+              </c:numCache>
+            </c:numRef>
+          </c:val>
+        </c:ser>
+        <c:dLbls>
+          <c:showLegendKey val="0"/>
+          <c:showVal val="0"/>
+          <c:showCatName val="0"/>
+          <c:showSerName val="0"/>
+          <c:showPercent val="0"/>
+          <c:showBubbleSize val="0"/>
+        </c:dLbls>
+        <c:gapWidth val="219"/>
+        <c:overlap val="-27"/>
+        <c:axId val="1824330928"/>
+        <c:axId val="1808872944"/>
+      </c:barChart>
+      <c:catAx>
+        <c:axId val="1824330928"/>
+        <c:scaling>
+          <c:orientation val="minMax"/>
+        </c:scaling>
+        <c:delete val="0"/>
+        <c:axPos val="b"/>
+        <c:numFmt formatCode="General" sourceLinked="1"/>
+        <c:majorTickMark val="none"/>
+        <c:minorTickMark val="none"/>
+        <c:tickLblPos val="nextTo"/>
+        <c:spPr>
+          <a:noFill/>
+          <a:ln w="9525" cap="flat" cmpd="sng" algn="ctr">
+            <a:solidFill>
+              <a:schemeClr val="tx1">
+                <a:lumMod val="15000"/>
+                <a:lumOff val="85000"/>
+              </a:schemeClr>
+            </a:solidFill>
+            <a:round/>
+          </a:ln>
+          <a:effectLst/>
+        </c:spPr>
+        <c:txPr>
+          <a:bodyPr rot="-60000000" spcFirstLastPara="1" vertOverflow="ellipsis" vert="horz" wrap="square" anchor="ctr" anchorCtr="1"/>
+          <a:lstStyle/>
+          <a:p>
+            <a:pPr>
+              <a:defRPr sz="1100" b="1" i="0" u="none" strike="noStrike" kern="1200" baseline="0">
+                <a:solidFill>
+                  <a:schemeClr val="tx1">
+                    <a:lumMod val="65000"/>
+                    <a:lumOff val="35000"/>
+                  </a:schemeClr>
+                </a:solidFill>
+                <a:latin typeface="+mn-lt"/>
+                <a:ea typeface="+mn-ea"/>
+                <a:cs typeface="+mn-cs"/>
+              </a:defRPr>
+            </a:pPr>
+            <a:endParaRPr lang="en-US"/>
+          </a:p>
+        </c:txPr>
+        <c:crossAx val="1808872944"/>
+        <c:crosses val="autoZero"/>
+        <c:auto val="1"/>
+        <c:lblAlgn val="ctr"/>
+        <c:lblOffset val="100"/>
+        <c:noMultiLvlLbl val="0"/>
+      </c:catAx>
+      <c:valAx>
+        <c:axId val="1808872944"/>
+        <c:scaling>
+          <c:orientation val="minMax"/>
+        </c:scaling>
+        <c:delete val="0"/>
+        <c:axPos val="l"/>
+        <c:majorGridlines>
+          <c:spPr>
+            <a:ln w="9525" cap="flat" cmpd="sng" algn="ctr">
+              <a:solidFill>
+                <a:schemeClr val="tx1">
+                  <a:lumMod val="15000"/>
+                  <a:lumOff val="85000"/>
+                </a:schemeClr>
+              </a:solidFill>
+              <a:round/>
+            </a:ln>
+            <a:effectLst/>
+          </c:spPr>
+        </c:majorGridlines>
+        <c:title>
+          <c:tx>
+            <c:rich>
+              <a:bodyPr rot="-5400000" spcFirstLastPara="1" vertOverflow="ellipsis" vert="horz" wrap="square" anchor="ctr" anchorCtr="1"/>
+              <a:lstStyle/>
+              <a:p>
+                <a:pPr>
+                  <a:defRPr sz="1100" b="0" i="0" u="none" strike="noStrike" kern="1200" baseline="0">
+                    <a:solidFill>
+                      <a:schemeClr val="tx1">
+                        <a:lumMod val="65000"/>
+                        <a:lumOff val="35000"/>
+                      </a:schemeClr>
+                    </a:solidFill>
+                    <a:latin typeface="+mn-lt"/>
+                    <a:ea typeface="+mn-ea"/>
+                    <a:cs typeface="+mn-cs"/>
+                  </a:defRPr>
+                </a:pPr>
+                <a:r>
+                  <a:rPr lang="en-US" sz="1100"/>
+                  <a:t>Percentage</a:t>
+                </a:r>
+              </a:p>
+            </c:rich>
+          </c:tx>
+          <c:layout/>
+          <c:overlay val="0"/>
+          <c:spPr>
+            <a:noFill/>
+            <a:ln>
+              <a:noFill/>
+            </a:ln>
+            <a:effectLst/>
+          </c:spPr>
+          <c:txPr>
+            <a:bodyPr rot="-5400000" spcFirstLastPara="1" vertOverflow="ellipsis" vert="horz" wrap="square" anchor="ctr" anchorCtr="1"/>
+            <a:lstStyle/>
+            <a:p>
+              <a:pPr>
+                <a:defRPr sz="1100" b="0" i="0" u="none" strike="noStrike" kern="1200" baseline="0">
+                  <a:solidFill>
+                    <a:schemeClr val="tx1">
+                      <a:lumMod val="65000"/>
+                      <a:lumOff val="35000"/>
+                    </a:schemeClr>
+                  </a:solidFill>
+                  <a:latin typeface="+mn-lt"/>
+                  <a:ea typeface="+mn-ea"/>
+                  <a:cs typeface="+mn-cs"/>
+                </a:defRPr>
+              </a:pPr>
+              <a:endParaRPr lang="en-US"/>
+            </a:p>
+          </c:txPr>
+        </c:title>
+        <c:numFmt formatCode="General" sourceLinked="1"/>
+        <c:majorTickMark val="none"/>
+        <c:minorTickMark val="none"/>
+        <c:tickLblPos val="nextTo"/>
+        <c:spPr>
+          <a:noFill/>
+          <a:ln>
+            <a:noFill/>
+          </a:ln>
+          <a:effectLst/>
+        </c:spPr>
+        <c:txPr>
+          <a:bodyPr rot="-60000000" spcFirstLastPara="1" vertOverflow="ellipsis" vert="horz" wrap="square" anchor="ctr" anchorCtr="1"/>
+          <a:lstStyle/>
+          <a:p>
+            <a:pPr>
+              <a:defRPr sz="1100" b="0" i="0" u="none" strike="noStrike" kern="1200" baseline="0">
+                <a:solidFill>
+                  <a:schemeClr val="tx1">
+                    <a:lumMod val="65000"/>
+                    <a:lumOff val="35000"/>
+                  </a:schemeClr>
+                </a:solidFill>
+                <a:latin typeface="+mn-lt"/>
+                <a:ea typeface="+mn-ea"/>
+                <a:cs typeface="+mn-cs"/>
+              </a:defRPr>
+            </a:pPr>
+            <a:endParaRPr lang="en-US"/>
+          </a:p>
+        </c:txPr>
+        <c:crossAx val="1824330928"/>
+        <c:crosses val="autoZero"/>
+        <c:crossBetween val="between"/>
+      </c:valAx>
+      <c:spPr>
+        <a:noFill/>
+        <a:ln>
+          <a:noFill/>
+        </a:ln>
+        <a:effectLst/>
+      </c:spPr>
+    </c:plotArea>
+    <c:legend>
+      <c:legendPos val="b"/>
+      <c:layout/>
+      <c:overlay val="0"/>
+      <c:spPr>
+        <a:noFill/>
+        <a:ln>
+          <a:noFill/>
+        </a:ln>
+        <a:effectLst/>
+      </c:spPr>
+      <c:txPr>
+        <a:bodyPr rot="0" spcFirstLastPara="1" vertOverflow="ellipsis" vert="horz" wrap="square" anchor="ctr" anchorCtr="1"/>
+        <a:lstStyle/>
+        <a:p>
+          <a:pPr>
+            <a:defRPr sz="1400" b="0" i="0" u="none" strike="noStrike" kern="1200" baseline="0">
+              <a:solidFill>
+                <a:schemeClr val="tx1">
+                  <a:lumMod val="65000"/>
+                  <a:lumOff val="35000"/>
+                </a:schemeClr>
+              </a:solidFill>
+              <a:latin typeface="+mn-lt"/>
+              <a:ea typeface="+mn-ea"/>
+              <a:cs typeface="+mn-cs"/>
+            </a:defRPr>
+          </a:pPr>
+          <a:endParaRPr lang="en-US"/>
+        </a:p>
+      </c:txPr>
+    </c:legend>
+    <c:plotVisOnly val="1"/>
+    <c:dispBlanksAs val="gap"/>
+    <c:showDLblsOverMax val="0"/>
+  </c:chart>
+  <c:spPr>
+    <a:noFill/>
+    <a:ln>
+      <a:noFill/>
+    </a:ln>
+    <a:effectLst/>
+  </c:spPr>
+  <c:txPr>
+    <a:bodyPr/>
+    <a:lstStyle/>
+    <a:p>
+      <a:pPr>
+        <a:defRPr/>
+      </a:pPr>
+      <a:endParaRPr lang="en-US"/>
+    </a:p>
+  </c:txPr>
+  <c:externalData r:id="rId3">
+    <c:autoUpdate val="0"/>
+  </c:externalData>
+</c:chartSpace>
+</file>
+
+<file path=ppt/charts/chart2.xml><?xml version="1.0" encoding="utf-8"?>
+<c:chartSpace xmlns:c="http://schemas.openxmlformats.org/drawingml/2006/chart" xmlns:a="http://schemas.openxmlformats.org/drawingml/2006/main" xmlns:r="http://schemas.openxmlformats.org/officeDocument/2006/relationships">
+  <c:date1904 val="0"/>
+  <c:lang val="en-US"/>
+  <c:roundedCorners val="0"/>
+  <mc:AlternateContent xmlns:mc="http://schemas.openxmlformats.org/markup-compatibility/2006">
+    <mc:Choice xmlns:c14="http://schemas.microsoft.com/office/drawing/2007/8/2/chart" Requires="c14">
+      <c14:style val="102"/>
+    </mc:Choice>
+    <mc:Fallback>
+      <c:style val="2"/>
+    </mc:Fallback>
+  </mc:AlternateContent>
+  <c:chart>
+    <c:autoTitleDeleted val="1"/>
+    <c:plotArea>
+      <c:layout/>
+      <c:barChart>
+        <c:barDir val="col"/>
+        <c:grouping val="clustered"/>
+        <c:varyColors val="0"/>
+        <c:ser>
+          <c:idx val="0"/>
+          <c:order val="0"/>
+          <c:tx>
+            <c:strRef>
+              <c:f>Sheet1!$B$12</c:f>
+              <c:strCache>
+                <c:ptCount val="1"/>
+                <c:pt idx="0">
+                  <c:v>Passenger Vehicle</c:v>
+                </c:pt>
+              </c:strCache>
+            </c:strRef>
+          </c:tx>
+          <c:spPr>
+            <a:solidFill>
+              <a:schemeClr val="accent1"/>
+            </a:solidFill>
+            <a:ln>
+              <a:noFill/>
+            </a:ln>
+            <a:effectLst/>
+          </c:spPr>
+          <c:invertIfNegative val="0"/>
+          <c:cat>
+            <c:strRef>
+              <c:f>Sheet1!$A$13:$A$20</c:f>
+              <c:strCache>
+                <c:ptCount val="8"/>
+                <c:pt idx="0">
+                  <c:v>Fatigued/Drowsy</c:v>
+                </c:pt>
+                <c:pt idx="1">
+                  <c:v>Driver Inattention/Distraction</c:v>
+                </c:pt>
+                <c:pt idx="2">
+                  <c:v>Lost Consciousness</c:v>
+                </c:pt>
+                <c:pt idx="3">
+                  <c:v>Prescription Medication</c:v>
+                </c:pt>
+                <c:pt idx="4">
+                  <c:v>Failure to Yield Right-of-Way</c:v>
+                </c:pt>
+                <c:pt idx="5">
+                  <c:v>Driver Inexperience</c:v>
+                </c:pt>
+                <c:pt idx="6">
+                  <c:v>Turning Improperly</c:v>
+                </c:pt>
+                <c:pt idx="7">
+                  <c:v>Illness</c:v>
+                </c:pt>
+              </c:strCache>
+            </c:strRef>
+          </c:cat>
+          <c:val>
+            <c:numRef>
+              <c:f>Sheet1!$B$13:$B$20</c:f>
+              <c:numCache>
+                <c:formatCode>General</c:formatCode>
+                <c:ptCount val="8"/>
+                <c:pt idx="0">
+                  <c:v>8.609870000000001</c:v>
+                </c:pt>
+                <c:pt idx="1">
+                  <c:v>28.564054</c:v>
+                </c:pt>
+                <c:pt idx="2">
+                  <c:v>3.18712</c:v>
+                </c:pt>
+                <c:pt idx="3">
+                  <c:v>2.638295</c:v>
+                </c:pt>
+                <c:pt idx="4">
+                  <c:v>9.436495</c:v>
+                </c:pt>
+                <c:pt idx="5">
+                  <c:v>2.616678</c:v>
+                </c:pt>
+                <c:pt idx="6">
+                  <c:v>4.609031</c:v>
+                </c:pt>
+                <c:pt idx="7">
+                  <c:v>0.392663</c:v>
+                </c:pt>
+              </c:numCache>
+            </c:numRef>
+          </c:val>
+        </c:ser>
+        <c:ser>
+          <c:idx val="1"/>
+          <c:order val="1"/>
+          <c:tx>
+            <c:strRef>
+              <c:f>Sheet1!$C$12</c:f>
+              <c:strCache>
+                <c:ptCount val="1"/>
+                <c:pt idx="0">
+                  <c:v>Passenger Vehicle_m4_1518</c:v>
+                </c:pt>
+              </c:strCache>
+            </c:strRef>
+          </c:tx>
+          <c:spPr>
+            <a:solidFill>
+              <a:schemeClr val="accent2"/>
+            </a:solidFill>
+            <a:ln>
+              <a:noFill/>
+            </a:ln>
+            <a:effectLst/>
+          </c:spPr>
+          <c:invertIfNegative val="0"/>
+          <c:cat>
+            <c:strRef>
+              <c:f>Sheet1!$A$13:$A$20</c:f>
+              <c:strCache>
+                <c:ptCount val="8"/>
+                <c:pt idx="0">
+                  <c:v>Fatigued/Drowsy</c:v>
+                </c:pt>
+                <c:pt idx="1">
+                  <c:v>Driver Inattention/Distraction</c:v>
+                </c:pt>
+                <c:pt idx="2">
+                  <c:v>Lost Consciousness</c:v>
+                </c:pt>
+                <c:pt idx="3">
+                  <c:v>Prescription Medication</c:v>
+                </c:pt>
+                <c:pt idx="4">
+                  <c:v>Failure to Yield Right-of-Way</c:v>
+                </c:pt>
+                <c:pt idx="5">
+                  <c:v>Driver Inexperience</c:v>
+                </c:pt>
+                <c:pt idx="6">
+                  <c:v>Turning Improperly</c:v>
+                </c:pt>
+                <c:pt idx="7">
+                  <c:v>Illness</c:v>
+                </c:pt>
+              </c:strCache>
+            </c:strRef>
+          </c:cat>
+          <c:val>
+            <c:numRef>
+              <c:f>Sheet1!$C$13:$C$20</c:f>
+              <c:numCache>
+                <c:formatCode>General</c:formatCode>
+                <c:ptCount val="8"/>
+                <c:pt idx="0">
+                  <c:v>12.382998</c:v>
+                </c:pt>
+                <c:pt idx="1">
+                  <c:v>30.167255</c:v>
+                </c:pt>
+                <c:pt idx="2">
+                  <c:v>4.066288</c:v>
+                </c:pt>
+                <c:pt idx="3">
+                  <c:v>3.206997</c:v>
+                </c:pt>
+                <c:pt idx="4">
+                  <c:v>9.789781</c:v>
+                </c:pt>
+                <c:pt idx="5">
+                  <c:v>2.823385</c:v>
+                </c:pt>
+                <c:pt idx="6">
+                  <c:v>4.75679</c:v>
+                </c:pt>
+                <c:pt idx="7">
+                  <c:v>0.521712</c:v>
+                </c:pt>
+              </c:numCache>
+            </c:numRef>
+          </c:val>
+        </c:ser>
+        <c:dLbls>
+          <c:showLegendKey val="0"/>
+          <c:showVal val="0"/>
+          <c:showCatName val="0"/>
+          <c:showSerName val="0"/>
+          <c:showPercent val="0"/>
+          <c:showBubbleSize val="0"/>
+        </c:dLbls>
+        <c:gapWidth val="219"/>
+        <c:overlap val="-27"/>
+        <c:axId val="1837876672"/>
+        <c:axId val="1837505776"/>
+      </c:barChart>
+      <c:catAx>
+        <c:axId val="1837876672"/>
+        <c:scaling>
+          <c:orientation val="minMax"/>
+        </c:scaling>
+        <c:delete val="0"/>
+        <c:axPos val="b"/>
+        <c:numFmt formatCode="General" sourceLinked="1"/>
+        <c:majorTickMark val="none"/>
+        <c:minorTickMark val="none"/>
+        <c:tickLblPos val="nextTo"/>
+        <c:spPr>
+          <a:noFill/>
+          <a:ln w="9525" cap="flat" cmpd="sng" algn="ctr">
+            <a:solidFill>
+              <a:schemeClr val="tx1">
+                <a:lumMod val="15000"/>
+                <a:lumOff val="85000"/>
+              </a:schemeClr>
+            </a:solidFill>
+            <a:round/>
+          </a:ln>
+          <a:effectLst/>
+        </c:spPr>
+        <c:txPr>
+          <a:bodyPr rot="-60000000" spcFirstLastPara="1" vertOverflow="ellipsis" vert="horz" wrap="square" anchor="ctr" anchorCtr="1"/>
+          <a:lstStyle/>
+          <a:p>
+            <a:pPr>
+              <a:defRPr sz="1100" b="1" i="0" u="none" strike="noStrike" kern="1200" baseline="0">
+                <a:solidFill>
+                  <a:schemeClr val="tx1">
+                    <a:lumMod val="65000"/>
+                    <a:lumOff val="35000"/>
+                  </a:schemeClr>
+                </a:solidFill>
+                <a:latin typeface="+mn-lt"/>
+                <a:ea typeface="+mn-ea"/>
+                <a:cs typeface="+mn-cs"/>
+              </a:defRPr>
+            </a:pPr>
+            <a:endParaRPr lang="en-US"/>
+          </a:p>
+        </c:txPr>
+        <c:crossAx val="1837505776"/>
+        <c:crosses val="autoZero"/>
+        <c:auto val="1"/>
+        <c:lblAlgn val="ctr"/>
+        <c:lblOffset val="100"/>
+        <c:noMultiLvlLbl val="0"/>
+      </c:catAx>
+      <c:valAx>
+        <c:axId val="1837505776"/>
+        <c:scaling>
+          <c:orientation val="minMax"/>
+        </c:scaling>
+        <c:delete val="0"/>
+        <c:axPos val="l"/>
+        <c:majorGridlines>
+          <c:spPr>
+            <a:ln w="9525" cap="flat" cmpd="sng" algn="ctr">
+              <a:solidFill>
+                <a:schemeClr val="tx1">
+                  <a:lumMod val="15000"/>
+                  <a:lumOff val="85000"/>
+                </a:schemeClr>
+              </a:solidFill>
+              <a:round/>
+            </a:ln>
+            <a:effectLst/>
+          </c:spPr>
+        </c:majorGridlines>
+        <c:title>
+          <c:tx>
+            <c:rich>
+              <a:bodyPr rot="-5400000" spcFirstLastPara="1" vertOverflow="ellipsis" vert="horz" wrap="square" anchor="ctr" anchorCtr="1"/>
+              <a:lstStyle/>
+              <a:p>
+                <a:pPr>
+                  <a:defRPr sz="1100" b="0" i="0" u="none" strike="noStrike" kern="1200" baseline="0">
+                    <a:solidFill>
+                      <a:schemeClr val="tx1">
+                        <a:lumMod val="65000"/>
+                        <a:lumOff val="35000"/>
+                      </a:schemeClr>
+                    </a:solidFill>
+                    <a:latin typeface="+mn-lt"/>
+                    <a:ea typeface="+mn-ea"/>
+                    <a:cs typeface="+mn-cs"/>
+                  </a:defRPr>
+                </a:pPr>
+                <a:r>
+                  <a:rPr lang="en-US" sz="1100"/>
+                  <a:t>Percentage</a:t>
+                </a:r>
+              </a:p>
+            </c:rich>
+          </c:tx>
+          <c:layout/>
+          <c:overlay val="0"/>
+          <c:spPr>
+            <a:noFill/>
+            <a:ln>
+              <a:noFill/>
+            </a:ln>
+            <a:effectLst/>
+          </c:spPr>
+          <c:txPr>
+            <a:bodyPr rot="-5400000" spcFirstLastPara="1" vertOverflow="ellipsis" vert="horz" wrap="square" anchor="ctr" anchorCtr="1"/>
+            <a:lstStyle/>
+            <a:p>
+              <a:pPr>
+                <a:defRPr sz="1100" b="0" i="0" u="none" strike="noStrike" kern="1200" baseline="0">
+                  <a:solidFill>
+                    <a:schemeClr val="tx1">
+                      <a:lumMod val="65000"/>
+                      <a:lumOff val="35000"/>
+                    </a:schemeClr>
+                  </a:solidFill>
+                  <a:latin typeface="+mn-lt"/>
+                  <a:ea typeface="+mn-ea"/>
+                  <a:cs typeface="+mn-cs"/>
+                </a:defRPr>
+              </a:pPr>
+              <a:endParaRPr lang="en-US"/>
+            </a:p>
+          </c:txPr>
+        </c:title>
+        <c:majorTickMark val="none"/>
+        <c:minorTickMark val="none"/>
+        <c:tickLblPos val="nextTo"/>
+        <c:spPr>
+          <a:noFill/>
+          <a:ln>
+            <a:noFill/>
+          </a:ln>
+          <a:effectLst/>
+        </c:spPr>
+        <c:txPr>
+          <a:bodyPr rot="-60000000" spcFirstLastPara="1" vertOverflow="ellipsis" vert="horz" wrap="square" anchor="ctr" anchorCtr="1"/>
+          <a:lstStyle/>
+          <a:p>
+            <a:pPr>
+              <a:defRPr sz="1100" b="0" i="0" u="none" strike="noStrike" kern="1200" baseline="0">
+                <a:solidFill>
+                  <a:schemeClr val="tx1">
+                    <a:lumMod val="65000"/>
+                    <a:lumOff val="35000"/>
+                  </a:schemeClr>
+                </a:solidFill>
+                <a:latin typeface="+mn-lt"/>
+                <a:ea typeface="+mn-ea"/>
+                <a:cs typeface="+mn-cs"/>
+              </a:defRPr>
+            </a:pPr>
+            <a:endParaRPr lang="en-US"/>
+          </a:p>
+        </c:txPr>
+        <c:crossAx val="1837876672"/>
+        <c:crosses val="autoZero"/>
+        <c:crossBetween val="between"/>
+      </c:valAx>
+      <c:spPr>
+        <a:noFill/>
+        <a:ln>
+          <a:noFill/>
+        </a:ln>
+        <a:effectLst/>
+      </c:spPr>
+    </c:plotArea>
+    <c:legend>
+      <c:legendPos val="b"/>
+      <c:layout/>
+      <c:overlay val="0"/>
+      <c:spPr>
+        <a:noFill/>
+        <a:ln>
+          <a:noFill/>
+        </a:ln>
+        <a:effectLst/>
+      </c:spPr>
+      <c:txPr>
+        <a:bodyPr rot="0" spcFirstLastPara="1" vertOverflow="ellipsis" vert="horz" wrap="square" anchor="ctr" anchorCtr="1"/>
+        <a:lstStyle/>
+        <a:p>
+          <a:pPr>
+            <a:defRPr sz="1400" b="0" i="0" u="none" strike="noStrike" kern="1200" baseline="0">
+              <a:solidFill>
+                <a:schemeClr val="tx1">
+                  <a:lumMod val="65000"/>
+                  <a:lumOff val="35000"/>
+                </a:schemeClr>
+              </a:solidFill>
+              <a:latin typeface="+mn-lt"/>
+              <a:ea typeface="+mn-ea"/>
+              <a:cs typeface="+mn-cs"/>
+            </a:defRPr>
+          </a:pPr>
+          <a:endParaRPr lang="en-US"/>
+        </a:p>
+      </c:txPr>
+    </c:legend>
+    <c:plotVisOnly val="1"/>
+    <c:dispBlanksAs val="gap"/>
+    <c:showDLblsOverMax val="0"/>
+  </c:chart>
+  <c:spPr>
+    <a:noFill/>
+    <a:ln>
+      <a:noFill/>
+    </a:ln>
+    <a:effectLst/>
+  </c:spPr>
+  <c:txPr>
+    <a:bodyPr/>
+    <a:lstStyle/>
+    <a:p>
+      <a:pPr>
+        <a:defRPr/>
+      </a:pPr>
+      <a:endParaRPr lang="en-US"/>
+    </a:p>
+  </c:txPr>
+  <c:externalData r:id="rId3">
+    <c:autoUpdate val="0"/>
+  </c:externalData>
+</c:chartSpace>
+</file>
+
+<file path=ppt/charts/colors1.xml><?xml version="1.0" encoding="utf-8"?>
+<cs:colorStyle xmlns:cs="http://schemas.microsoft.com/office/drawing/2012/chartStyle" xmlns:a="http://schemas.openxmlformats.org/drawingml/2006/main" meth="cycle" id="10">
+  <a:schemeClr val="accent1"/>
+  <a:schemeClr val="accent2"/>
+  <a:schemeClr val="accent3"/>
+  <a:schemeClr val="accent4"/>
+  <a:schemeClr val="accent5"/>
+  <a:schemeClr val="accent6"/>
+  <cs:variation/>
+  <cs:variation>
+    <a:lumMod val="60000"/>
+  </cs:variation>
+  <cs:variation>
+    <a:lumMod val="80000"/>
+    <a:lumOff val="20000"/>
+  </cs:variation>
+  <cs:variation>
+    <a:lumMod val="80000"/>
+  </cs:variation>
+  <cs:variation>
+    <a:lumMod val="60000"/>
+    <a:lumOff val="40000"/>
+  </cs:variation>
+  <cs:variation>
+    <a:lumMod val="50000"/>
+  </cs:variation>
+  <cs:variation>
+    <a:lumMod val="70000"/>
+    <a:lumOff val="30000"/>
+  </cs:variation>
+  <cs:variation>
+    <a:lumMod val="70000"/>
+  </cs:variation>
+  <cs:variation>
+    <a:lumMod val="50000"/>
+    <a:lumOff val="50000"/>
+  </cs:variation>
+</cs:colorStyle>
+</file>
+
+<file path=ppt/charts/colors2.xml><?xml version="1.0" encoding="utf-8"?>
+<cs:colorStyle xmlns:cs="http://schemas.microsoft.com/office/drawing/2012/chartStyle" xmlns:a="http://schemas.openxmlformats.org/drawingml/2006/main" meth="cycle" id="10">
+  <a:schemeClr val="accent1"/>
+  <a:schemeClr val="accent2"/>
+  <a:schemeClr val="accent3"/>
+  <a:schemeClr val="accent4"/>
+  <a:schemeClr val="accent5"/>
+  <a:schemeClr val="accent6"/>
+  <cs:variation/>
+  <cs:variation>
+    <a:lumMod val="60000"/>
+  </cs:variation>
+  <cs:variation>
+    <a:lumMod val="80000"/>
+    <a:lumOff val="20000"/>
+  </cs:variation>
+  <cs:variation>
+    <a:lumMod val="80000"/>
+  </cs:variation>
+  <cs:variation>
+    <a:lumMod val="60000"/>
+    <a:lumOff val="40000"/>
+  </cs:variation>
+  <cs:variation>
+    <a:lumMod val="50000"/>
+  </cs:variation>
+  <cs:variation>
+    <a:lumMod val="70000"/>
+    <a:lumOff val="30000"/>
+  </cs:variation>
+  <cs:variation>
+    <a:lumMod val="70000"/>
+  </cs:variation>
+  <cs:variation>
+    <a:lumMod val="50000"/>
+    <a:lumOff val="50000"/>
+  </cs:variation>
+</cs:colorStyle>
+</file>
+
+<file path=ppt/charts/style1.xml><?xml version="1.0" encoding="utf-8"?>
+<cs:chartStyle xmlns:cs="http://schemas.microsoft.com/office/drawing/2012/chartStyle" xmlns:a="http://schemas.openxmlformats.org/drawingml/2006/main" id="201">
+  <cs:axisTitle>
+    <cs:lnRef idx="0"/>
+    <cs:fillRef idx="0"/>
+    <cs:effectRef idx="0"/>
+    <cs:fontRef idx="minor">
+      <a:schemeClr val="tx1">
+        <a:lumMod val="65000"/>
+        <a:lumOff val="35000"/>
+      </a:schemeClr>
+    </cs:fontRef>
+    <cs:defRPr sz="1000" kern="1200"/>
+  </cs:axisTitle>
+  <cs:categoryAxis>
+    <cs:lnRef idx="0"/>
+    <cs:fillRef idx="0"/>
+    <cs:effectRef idx="0"/>
+    <cs:fontRef idx="minor">
+      <a:schemeClr val="tx1">
+        <a:lumMod val="65000"/>
+        <a:lumOff val="35000"/>
+      </a:schemeClr>
+    </cs:fontRef>
+    <cs:spPr>
+      <a:ln w="9525" cap="flat" cmpd="sng" algn="ctr">
+        <a:solidFill>
+          <a:schemeClr val="tx1">
+            <a:lumMod val="15000"/>
+            <a:lumOff val="85000"/>
+          </a:schemeClr>
+        </a:solidFill>
+        <a:round/>
+      </a:ln>
+    </cs:spPr>
+    <cs:defRPr sz="900" kern="1200"/>
+  </cs:categoryAxis>
+  <cs:chartArea mods="allowNoFillOverride allowNoLineOverride">
+    <cs:lnRef idx="0"/>
+    <cs:fillRef idx="0"/>
+    <cs:effectRef idx="0"/>
+    <cs:fontRef idx="minor">
+      <a:schemeClr val="tx1"/>
+    </cs:fontRef>
+    <cs:spPr>
+      <a:solidFill>
+        <a:schemeClr val="bg1"/>
+      </a:solidFill>
+      <a:ln w="9525" cap="flat" cmpd="sng" algn="ctr">
+        <a:solidFill>
+          <a:schemeClr val="tx1">
+            <a:lumMod val="15000"/>
+            <a:lumOff val="85000"/>
+          </a:schemeClr>
+        </a:solidFill>
+        <a:round/>
+      </a:ln>
+    </cs:spPr>
+    <cs:defRPr sz="1000" kern="1200"/>
+  </cs:chartArea>
+  <cs:dataLabel>
+    <cs:lnRef idx="0"/>
+    <cs:fillRef idx="0"/>
+    <cs:effectRef idx="0"/>
+    <cs:fontRef idx="minor">
+      <a:schemeClr val="tx1">
+        <a:lumMod val="75000"/>
+        <a:lumOff val="25000"/>
+      </a:schemeClr>
+    </cs:fontRef>
+    <cs:defRPr sz="900" kern="1200"/>
+  </cs:dataLabel>
+  <cs:dataLabelCallout>
+    <cs:lnRef idx="0"/>
+    <cs:fillRef idx="0"/>
+    <cs:effectRef idx="0"/>
+    <cs:fontRef idx="minor">
+      <a:schemeClr val="dk1">
+        <a:lumMod val="65000"/>
+        <a:lumOff val="35000"/>
+      </a:schemeClr>
+    </cs:fontRef>
+    <cs:spPr>
+      <a:solidFill>
+        <a:schemeClr val="lt1"/>
+      </a:solidFill>
+      <a:ln>
+        <a:solidFill>
+          <a:schemeClr val="dk1">
+            <a:lumMod val="25000"/>
+            <a:lumOff val="75000"/>
+          </a:schemeClr>
+        </a:solidFill>
+      </a:ln>
+    </cs:spPr>
+    <cs:defRPr sz="900" kern="1200"/>
+    <cs:bodyPr rot="0" spcFirstLastPara="1" vertOverflow="clip" horzOverflow="clip" vert="horz" wrap="square" lIns="36576" tIns="18288" rIns="36576" bIns="18288" anchor="ctr" anchorCtr="1">
+      <a:spAutoFit/>
+    </cs:bodyPr>
+  </cs:dataLabelCallout>
+  <cs:dataPoint>
+    <cs:lnRef idx="0"/>
+    <cs:fillRef idx="1">
+      <cs:styleClr val="auto"/>
+    </cs:fillRef>
+    <cs:effectRef idx="0"/>
+    <cs:fontRef idx="minor">
+      <a:schemeClr val="tx1"/>
+    </cs:fontRef>
+  </cs:dataPoint>
+  <cs:dataPoint3D>
+    <cs:lnRef idx="0"/>
+    <cs:fillRef idx="1">
+      <cs:styleClr val="auto"/>
+    </cs:fillRef>
+    <cs:effectRef idx="0"/>
+    <cs:fontRef idx="minor">
+      <a:schemeClr val="tx1"/>
+    </cs:fontRef>
+  </cs:dataPoint3D>
+  <cs:dataPointLine>
+    <cs:lnRef idx="0">
+      <cs:styleClr val="auto"/>
+    </cs:lnRef>
+    <cs:fillRef idx="1"/>
+    <cs:effectRef idx="0"/>
+    <cs:fontRef idx="minor">
+      <a:schemeClr val="tx1"/>
+    </cs:fontRef>
+    <cs:spPr>
+      <a:ln w="28575" cap="rnd">
+        <a:solidFill>
+          <a:schemeClr val="phClr"/>
+        </a:solidFill>
+        <a:round/>
+      </a:ln>
+    </cs:spPr>
+  </cs:dataPointLine>
+  <cs:dataPointMarker>
+    <cs:lnRef idx="0">
+      <cs:styleClr val="auto"/>
+    </cs:lnRef>
+    <cs:fillRef idx="1">
+      <cs:styleClr val="auto"/>
+    </cs:fillRef>
+    <cs:effectRef idx="0"/>
+    <cs:fontRef idx="minor">
+      <a:schemeClr val="tx1"/>
+    </cs:fontRef>
+    <cs:spPr>
+      <a:ln w="9525">
+        <a:solidFill>
+          <a:schemeClr val="phClr"/>
+        </a:solidFill>
+      </a:ln>
+    </cs:spPr>
+  </cs:dataPointMarker>
+  <cs:dataPointMarkerLayout symbol="circle" size="5"/>
+  <cs:dataPointWireframe>
+    <cs:lnRef idx="0">
+      <cs:styleClr val="auto"/>
+    </cs:lnRef>
+    <cs:fillRef idx="1"/>
+    <cs:effectRef idx="0"/>
+    <cs:fontRef idx="minor">
+      <a:schemeClr val="tx1"/>
+    </cs:fontRef>
+    <cs:spPr>
+      <a:ln w="9525" cap="rnd">
+        <a:solidFill>
+          <a:schemeClr val="phClr"/>
+        </a:solidFill>
+        <a:round/>
+      </a:ln>
+    </cs:spPr>
+  </cs:dataPointWireframe>
+  <cs:dataTable>
+    <cs:lnRef idx="0"/>
+    <cs:fillRef idx="0"/>
+    <cs:effectRef idx="0"/>
+    <cs:fontRef idx="minor">
+      <a:schemeClr val="tx1">
+        <a:lumMod val="65000"/>
+        <a:lumOff val="35000"/>
+      </a:schemeClr>
+    </cs:fontRef>
+    <cs:spPr>
+      <a:noFill/>
+      <a:ln w="9525" cap="flat" cmpd="sng" algn="ctr">
+        <a:solidFill>
+          <a:schemeClr val="tx1">
+            <a:lumMod val="15000"/>
+            <a:lumOff val="85000"/>
+          </a:schemeClr>
+        </a:solidFill>
+        <a:round/>
+      </a:ln>
+    </cs:spPr>
+    <cs:defRPr sz="900" kern="1200"/>
+  </cs:dataTable>
+  <cs:downBar>
+    <cs:lnRef idx="0"/>
+    <cs:fillRef idx="0"/>
+    <cs:effectRef idx="0"/>
+    <cs:fontRef idx="minor">
+      <a:schemeClr val="dk1"/>
+    </cs:fontRef>
+    <cs:spPr>
+      <a:solidFill>
+        <a:schemeClr val="dk1">
+          <a:lumMod val="65000"/>
+          <a:lumOff val="35000"/>
+        </a:schemeClr>
+      </a:solidFill>
+      <a:ln w="9525">
+        <a:solidFill>
+          <a:schemeClr val="tx1">
+            <a:lumMod val="65000"/>
+            <a:lumOff val="35000"/>
+          </a:schemeClr>
+        </a:solidFill>
+      </a:ln>
+    </cs:spPr>
+  </cs:downBar>
+  <cs:dropLine>
+    <cs:lnRef idx="0"/>
+    <cs:fillRef idx="0"/>
+    <cs:effectRef idx="0"/>
+    <cs:fontRef idx="minor">
+      <a:schemeClr val="tx1"/>
+    </cs:fontRef>
+    <cs:spPr>
+      <a:ln w="9525" cap="flat" cmpd="sng" algn="ctr">
+        <a:solidFill>
+          <a:schemeClr val="tx1">
+            <a:lumMod val="35000"/>
+            <a:lumOff val="65000"/>
+          </a:schemeClr>
+        </a:solidFill>
+        <a:round/>
+      </a:ln>
+    </cs:spPr>
+  </cs:dropLine>
+  <cs:errorBar>
+    <cs:lnRef idx="0"/>
+    <cs:fillRef idx="0"/>
+    <cs:effectRef idx="0"/>
+    <cs:fontRef idx="minor">
+      <a:schemeClr val="tx1"/>
+    </cs:fontRef>
+    <cs:spPr>
+      <a:ln w="9525" cap="flat" cmpd="sng" algn="ctr">
+        <a:solidFill>
+          <a:schemeClr val="tx1">
+            <a:lumMod val="65000"/>
+            <a:lumOff val="35000"/>
+          </a:schemeClr>
+        </a:solidFill>
+        <a:round/>
+      </a:ln>
+    </cs:spPr>
+  </cs:errorBar>
+  <cs:floor>
+    <cs:lnRef idx="0"/>
+    <cs:fillRef idx="0"/>
+    <cs:effectRef idx="0"/>
+    <cs:fontRef idx="minor">
+      <a:schemeClr val="tx1"/>
+    </cs:fontRef>
+    <cs:spPr>
+      <a:noFill/>
+      <a:ln>
+        <a:noFill/>
+      </a:ln>
+    </cs:spPr>
+  </cs:floor>
+  <cs:gridlineMajor>
+    <cs:lnRef idx="0"/>
+    <cs:fillRef idx="0"/>
+    <cs:effectRef idx="0"/>
+    <cs:fontRef idx="minor">
+      <a:schemeClr val="tx1"/>
+    </cs:fontRef>
+    <cs:spPr>
+      <a:ln w="9525" cap="flat" cmpd="sng" algn="ctr">
+        <a:solidFill>
+          <a:schemeClr val="tx1">
+            <a:lumMod val="15000"/>
+            <a:lumOff val="85000"/>
+          </a:schemeClr>
+        </a:solidFill>
+        <a:round/>
+      </a:ln>
+    </cs:spPr>
+  </cs:gridlineMajor>
+  <cs:gridlineMinor>
+    <cs:lnRef idx="0"/>
+    <cs:fillRef idx="0"/>
+    <cs:effectRef idx="0"/>
+    <cs:fontRef idx="minor">
+      <a:schemeClr val="tx1"/>
+    </cs:fontRef>
+    <cs:spPr>
+      <a:ln w="9525" cap="flat" cmpd="sng" algn="ctr">
+        <a:solidFill>
+          <a:schemeClr val="tx1">
+            <a:lumMod val="5000"/>
+            <a:lumOff val="95000"/>
+          </a:schemeClr>
+        </a:solidFill>
+        <a:round/>
+      </a:ln>
+    </cs:spPr>
+  </cs:gridlineMinor>
+  <cs:hiLoLine>
+    <cs:lnRef idx="0"/>
+    <cs:fillRef idx="0"/>
+    <cs:effectRef idx="0"/>
+    <cs:fontRef idx="minor">
+      <a:schemeClr val="tx1"/>
+    </cs:fontRef>
+    <cs:spPr>
+      <a:ln w="9525" cap="flat" cmpd="sng" algn="ctr">
+        <a:solidFill>
+          <a:schemeClr val="tx1">
+            <a:lumMod val="75000"/>
+            <a:lumOff val="25000"/>
+          </a:schemeClr>
+        </a:solidFill>
+        <a:round/>
+      </a:ln>
+    </cs:spPr>
+  </cs:hiLoLine>
+  <cs:leaderLine>
+    <cs:lnRef idx="0"/>
+    <cs:fillRef idx="0"/>
+    <cs:effectRef idx="0"/>
+    <cs:fontRef idx="minor">
+      <a:schemeClr val="tx1"/>
+    </cs:fontRef>
+    <cs:spPr>
+      <a:ln w="9525" cap="flat" cmpd="sng" algn="ctr">
+        <a:solidFill>
+          <a:schemeClr val="tx1">
+            <a:lumMod val="35000"/>
+            <a:lumOff val="65000"/>
+          </a:schemeClr>
+        </a:solidFill>
+        <a:round/>
+      </a:ln>
+    </cs:spPr>
+  </cs:leaderLine>
+  <cs:legend>
+    <cs:lnRef idx="0"/>
+    <cs:fillRef idx="0"/>
+    <cs:effectRef idx="0"/>
+    <cs:fontRef idx="minor">
+      <a:schemeClr val="tx1">
+        <a:lumMod val="65000"/>
+        <a:lumOff val="35000"/>
+      </a:schemeClr>
+    </cs:fontRef>
+    <cs:defRPr sz="900" kern="1200"/>
+  </cs:legend>
+  <cs:plotArea mods="allowNoFillOverride allowNoLineOverride">
+    <cs:lnRef idx="0"/>
+    <cs:fillRef idx="0"/>
+    <cs:effectRef idx="0"/>
+    <cs:fontRef idx="minor">
+      <a:schemeClr val="tx1"/>
+    </cs:fontRef>
+  </cs:plotArea>
+  <cs:plotArea3D mods="allowNoFillOverride allowNoLineOverride">
+    <cs:lnRef idx="0"/>
+    <cs:fillRef idx="0"/>
+    <cs:effectRef idx="0"/>
+    <cs:fontRef idx="minor">
+      <a:schemeClr val="tx1"/>
+    </cs:fontRef>
+  </cs:plotArea3D>
+  <cs:seriesAxis>
+    <cs:lnRef idx="0"/>
+    <cs:fillRef idx="0"/>
+    <cs:effectRef idx="0"/>
+    <cs:fontRef idx="minor">
+      <a:schemeClr val="tx1">
+        <a:lumMod val="65000"/>
+        <a:lumOff val="35000"/>
+      </a:schemeClr>
+    </cs:fontRef>
+    <cs:defRPr sz="900" kern="1200"/>
+  </cs:seriesAxis>
+  <cs:seriesLine>
+    <cs:lnRef idx="0"/>
+    <cs:fillRef idx="0"/>
+    <cs:effectRef idx="0"/>
+    <cs:fontRef idx="minor">
+      <a:schemeClr val="tx1"/>
+    </cs:fontRef>
+    <cs:spPr>
+      <a:ln w="9525" cap="flat" cmpd="sng" algn="ctr">
+        <a:solidFill>
+          <a:schemeClr val="tx1">
+            <a:lumMod val="35000"/>
+            <a:lumOff val="65000"/>
+          </a:schemeClr>
+        </a:solidFill>
+        <a:round/>
+      </a:ln>
+    </cs:spPr>
+  </cs:seriesLine>
+  <cs:title>
+    <cs:lnRef idx="0"/>
+    <cs:fillRef idx="0"/>
+    <cs:effectRef idx="0"/>
+    <cs:fontRef idx="minor">
+      <a:schemeClr val="tx1">
+        <a:lumMod val="65000"/>
+        <a:lumOff val="35000"/>
+      </a:schemeClr>
+    </cs:fontRef>
+    <cs:defRPr sz="1400" b="0" kern="1200" spc="0" baseline="0"/>
+  </cs:title>
+  <cs:trendline>
+    <cs:lnRef idx="0">
+      <cs:styleClr val="auto"/>
+    </cs:lnRef>
+    <cs:fillRef idx="0"/>
+    <cs:effectRef idx="0"/>
+    <cs:fontRef idx="minor">
+      <a:schemeClr val="tx1"/>
+    </cs:fontRef>
+    <cs:spPr>
+      <a:ln w="19050" cap="rnd">
+        <a:solidFill>
+          <a:schemeClr val="phClr"/>
+        </a:solidFill>
+        <a:prstDash val="sysDot"/>
+      </a:ln>
+    </cs:spPr>
+  </cs:trendline>
+  <cs:trendlineLabel>
+    <cs:lnRef idx="0"/>
+    <cs:fillRef idx="0"/>
+    <cs:effectRef idx="0"/>
+    <cs:fontRef idx="minor">
+      <a:schemeClr val="tx1">
+        <a:lumMod val="65000"/>
+        <a:lumOff val="35000"/>
+      </a:schemeClr>
+    </cs:fontRef>
+    <cs:defRPr sz="900" kern="1200"/>
+  </cs:trendlineLabel>
+  <cs:upBar>
+    <cs:lnRef idx="0"/>
+    <cs:fillRef idx="0"/>
+    <cs:effectRef idx="0"/>
+    <cs:fontRef idx="minor">
+      <a:schemeClr val="dk1"/>
+    </cs:fontRef>
+    <cs:spPr>
+      <a:solidFill>
+        <a:schemeClr val="lt1"/>
+      </a:solidFill>
+      <a:ln w="9525">
+        <a:solidFill>
+          <a:schemeClr val="tx1">
+            <a:lumMod val="15000"/>
+            <a:lumOff val="85000"/>
+          </a:schemeClr>
+        </a:solidFill>
+      </a:ln>
+    </cs:spPr>
+  </cs:upBar>
+  <cs:valueAxis>
+    <cs:lnRef idx="0"/>
+    <cs:fillRef idx="0"/>
+    <cs:effectRef idx="0"/>
+    <cs:fontRef idx="minor">
+      <a:schemeClr val="tx1">
+        <a:lumMod val="65000"/>
+        <a:lumOff val="35000"/>
+      </a:schemeClr>
+    </cs:fontRef>
+    <cs:defRPr sz="900" kern="1200"/>
+  </cs:valueAxis>
+  <cs:wall>
+    <cs:lnRef idx="0"/>
+    <cs:fillRef idx="0"/>
+    <cs:effectRef idx="0"/>
+    <cs:fontRef idx="minor">
+      <a:schemeClr val="tx1"/>
+    </cs:fontRef>
+    <cs:spPr>
+      <a:noFill/>
+      <a:ln>
+        <a:noFill/>
+      </a:ln>
+    </cs:spPr>
+  </cs:wall>
+</cs:chartStyle>
+</file>
+
+<file path=ppt/charts/style2.xml><?xml version="1.0" encoding="utf-8"?>
+<cs:chartStyle xmlns:cs="http://schemas.microsoft.com/office/drawing/2012/chartStyle" xmlns:a="http://schemas.openxmlformats.org/drawingml/2006/main" id="201">
+  <cs:axisTitle>
+    <cs:lnRef idx="0"/>
+    <cs:fillRef idx="0"/>
+    <cs:effectRef idx="0"/>
+    <cs:fontRef idx="minor">
+      <a:schemeClr val="tx1">
+        <a:lumMod val="65000"/>
+        <a:lumOff val="35000"/>
+      </a:schemeClr>
+    </cs:fontRef>
+    <cs:defRPr sz="1000" kern="1200"/>
+  </cs:axisTitle>
+  <cs:categoryAxis>
+    <cs:lnRef idx="0"/>
+    <cs:fillRef idx="0"/>
+    <cs:effectRef idx="0"/>
+    <cs:fontRef idx="minor">
+      <a:schemeClr val="tx1">
+        <a:lumMod val="65000"/>
+        <a:lumOff val="35000"/>
+      </a:schemeClr>
+    </cs:fontRef>
+    <cs:spPr>
+      <a:ln w="9525" cap="flat" cmpd="sng" algn="ctr">
+        <a:solidFill>
+          <a:schemeClr val="tx1">
+            <a:lumMod val="15000"/>
+            <a:lumOff val="85000"/>
+          </a:schemeClr>
+        </a:solidFill>
+        <a:round/>
+      </a:ln>
+    </cs:spPr>
+    <cs:defRPr sz="900" kern="1200"/>
+  </cs:categoryAxis>
+  <cs:chartArea mods="allowNoFillOverride allowNoLineOverride">
+    <cs:lnRef idx="0"/>
+    <cs:fillRef idx="0"/>
+    <cs:effectRef idx="0"/>
+    <cs:fontRef idx="minor">
+      <a:schemeClr val="tx1"/>
+    </cs:fontRef>
+    <cs:spPr>
+      <a:solidFill>
+        <a:schemeClr val="bg1"/>
+      </a:solidFill>
+      <a:ln w="9525" cap="flat" cmpd="sng" algn="ctr">
+        <a:solidFill>
+          <a:schemeClr val="tx1">
+            <a:lumMod val="15000"/>
+            <a:lumOff val="85000"/>
+          </a:schemeClr>
+        </a:solidFill>
+        <a:round/>
+      </a:ln>
+    </cs:spPr>
+    <cs:defRPr sz="1000" kern="1200"/>
+  </cs:chartArea>
+  <cs:dataLabel>
+    <cs:lnRef idx="0"/>
+    <cs:fillRef idx="0"/>
+    <cs:effectRef idx="0"/>
+    <cs:fontRef idx="minor">
+      <a:schemeClr val="tx1">
+        <a:lumMod val="75000"/>
+        <a:lumOff val="25000"/>
+      </a:schemeClr>
+    </cs:fontRef>
+    <cs:defRPr sz="900" kern="1200"/>
+  </cs:dataLabel>
+  <cs:dataLabelCallout>
+    <cs:lnRef idx="0"/>
+    <cs:fillRef idx="0"/>
+    <cs:effectRef idx="0"/>
+    <cs:fontRef idx="minor">
+      <a:schemeClr val="dk1">
+        <a:lumMod val="65000"/>
+        <a:lumOff val="35000"/>
+      </a:schemeClr>
+    </cs:fontRef>
+    <cs:spPr>
+      <a:solidFill>
+        <a:schemeClr val="lt1"/>
+      </a:solidFill>
+      <a:ln>
+        <a:solidFill>
+          <a:schemeClr val="dk1">
+            <a:lumMod val="25000"/>
+            <a:lumOff val="75000"/>
+          </a:schemeClr>
+        </a:solidFill>
+      </a:ln>
+    </cs:spPr>
+    <cs:defRPr sz="900" kern="1200"/>
+    <cs:bodyPr rot="0" spcFirstLastPara="1" vertOverflow="clip" horzOverflow="clip" vert="horz" wrap="square" lIns="36576" tIns="18288" rIns="36576" bIns="18288" anchor="ctr" anchorCtr="1">
+      <a:spAutoFit/>
+    </cs:bodyPr>
+  </cs:dataLabelCallout>
+  <cs:dataPoint>
+    <cs:lnRef idx="0"/>
+    <cs:fillRef idx="1">
+      <cs:styleClr val="auto"/>
+    </cs:fillRef>
+    <cs:effectRef idx="0"/>
+    <cs:fontRef idx="minor">
+      <a:schemeClr val="tx1"/>
+    </cs:fontRef>
+  </cs:dataPoint>
+  <cs:dataPoint3D>
+    <cs:lnRef idx="0"/>
+    <cs:fillRef idx="1">
+      <cs:styleClr val="auto"/>
+    </cs:fillRef>
+    <cs:effectRef idx="0"/>
+    <cs:fontRef idx="minor">
+      <a:schemeClr val="tx1"/>
+    </cs:fontRef>
+  </cs:dataPoint3D>
+  <cs:dataPointLine>
+    <cs:lnRef idx="0">
+      <cs:styleClr val="auto"/>
+    </cs:lnRef>
+    <cs:fillRef idx="1"/>
+    <cs:effectRef idx="0"/>
+    <cs:fontRef idx="minor">
+      <a:schemeClr val="tx1"/>
+    </cs:fontRef>
+    <cs:spPr>
+      <a:ln w="28575" cap="rnd">
+        <a:solidFill>
+          <a:schemeClr val="phClr"/>
+        </a:solidFill>
+        <a:round/>
+      </a:ln>
+    </cs:spPr>
+  </cs:dataPointLine>
+  <cs:dataPointMarker>
+    <cs:lnRef idx="0">
+      <cs:styleClr val="auto"/>
+    </cs:lnRef>
+    <cs:fillRef idx="1">
+      <cs:styleClr val="auto"/>
+    </cs:fillRef>
+    <cs:effectRef idx="0"/>
+    <cs:fontRef idx="minor">
+      <a:schemeClr val="tx1"/>
+    </cs:fontRef>
+    <cs:spPr>
+      <a:ln w="9525">
+        <a:solidFill>
+          <a:schemeClr val="phClr"/>
+        </a:solidFill>
+      </a:ln>
+    </cs:spPr>
+  </cs:dataPointMarker>
+  <cs:dataPointMarkerLayout symbol="circle" size="5"/>
+  <cs:dataPointWireframe>
+    <cs:lnRef idx="0">
+      <cs:styleClr val="auto"/>
+    </cs:lnRef>
+    <cs:fillRef idx="1"/>
+    <cs:effectRef idx="0"/>
+    <cs:fontRef idx="minor">
+      <a:schemeClr val="tx1"/>
+    </cs:fontRef>
+    <cs:spPr>
+      <a:ln w="9525" cap="rnd">
+        <a:solidFill>
+          <a:schemeClr val="phClr"/>
+        </a:solidFill>
+        <a:round/>
+      </a:ln>
+    </cs:spPr>
+  </cs:dataPointWireframe>
+  <cs:dataTable>
+    <cs:lnRef idx="0"/>
+    <cs:fillRef idx="0"/>
+    <cs:effectRef idx="0"/>
+    <cs:fontRef idx="minor">
+      <a:schemeClr val="tx1">
+        <a:lumMod val="65000"/>
+        <a:lumOff val="35000"/>
+      </a:schemeClr>
+    </cs:fontRef>
+    <cs:spPr>
+      <a:noFill/>
+      <a:ln w="9525" cap="flat" cmpd="sng" algn="ctr">
+        <a:solidFill>
+          <a:schemeClr val="tx1">
+            <a:lumMod val="15000"/>
+            <a:lumOff val="85000"/>
+          </a:schemeClr>
+        </a:solidFill>
+        <a:round/>
+      </a:ln>
+    </cs:spPr>
+    <cs:defRPr sz="900" kern="1200"/>
+  </cs:dataTable>
+  <cs:downBar>
+    <cs:lnRef idx="0"/>
+    <cs:fillRef idx="0"/>
+    <cs:effectRef idx="0"/>
+    <cs:fontRef idx="minor">
+      <a:schemeClr val="dk1"/>
+    </cs:fontRef>
+    <cs:spPr>
+      <a:solidFill>
+        <a:schemeClr val="dk1">
+          <a:lumMod val="65000"/>
+          <a:lumOff val="35000"/>
+        </a:schemeClr>
+      </a:solidFill>
+      <a:ln w="9525">
+        <a:solidFill>
+          <a:schemeClr val="tx1">
+            <a:lumMod val="65000"/>
+            <a:lumOff val="35000"/>
+          </a:schemeClr>
+        </a:solidFill>
+      </a:ln>
+    </cs:spPr>
+  </cs:downBar>
+  <cs:dropLine>
+    <cs:lnRef idx="0"/>
+    <cs:fillRef idx="0"/>
+    <cs:effectRef idx="0"/>
+    <cs:fontRef idx="minor">
+      <a:schemeClr val="tx1"/>
+    </cs:fontRef>
+    <cs:spPr>
+      <a:ln w="9525" cap="flat" cmpd="sng" algn="ctr">
+        <a:solidFill>
+          <a:schemeClr val="tx1">
+            <a:lumMod val="35000"/>
+            <a:lumOff val="65000"/>
+          </a:schemeClr>
+        </a:solidFill>
+        <a:round/>
+      </a:ln>
+    </cs:spPr>
+  </cs:dropLine>
+  <cs:errorBar>
+    <cs:lnRef idx="0"/>
+    <cs:fillRef idx="0"/>
+    <cs:effectRef idx="0"/>
+    <cs:fontRef idx="minor">
+      <a:schemeClr val="tx1"/>
+    </cs:fontRef>
+    <cs:spPr>
+      <a:ln w="9525" cap="flat" cmpd="sng" algn="ctr">
+        <a:solidFill>
+          <a:schemeClr val="tx1">
+            <a:lumMod val="65000"/>
+            <a:lumOff val="35000"/>
+          </a:schemeClr>
+        </a:solidFill>
+        <a:round/>
+      </a:ln>
+    </cs:spPr>
+  </cs:errorBar>
+  <cs:floor>
+    <cs:lnRef idx="0"/>
+    <cs:fillRef idx="0"/>
+    <cs:effectRef idx="0"/>
+    <cs:fontRef idx="minor">
+      <a:schemeClr val="tx1"/>
+    </cs:fontRef>
+    <cs:spPr>
+      <a:noFill/>
+      <a:ln>
+        <a:noFill/>
+      </a:ln>
+    </cs:spPr>
+  </cs:floor>
+  <cs:gridlineMajor>
+    <cs:lnRef idx="0"/>
+    <cs:fillRef idx="0"/>
+    <cs:effectRef idx="0"/>
+    <cs:fontRef idx="minor">
+      <a:schemeClr val="tx1"/>
+    </cs:fontRef>
+    <cs:spPr>
+      <a:ln w="9525" cap="flat" cmpd="sng" algn="ctr">
+        <a:solidFill>
+          <a:schemeClr val="tx1">
+            <a:lumMod val="15000"/>
+            <a:lumOff val="85000"/>
+          </a:schemeClr>
+        </a:solidFill>
+        <a:round/>
+      </a:ln>
+    </cs:spPr>
+  </cs:gridlineMajor>
+  <cs:gridlineMinor>
+    <cs:lnRef idx="0"/>
+    <cs:fillRef idx="0"/>
+    <cs:effectRef idx="0"/>
+    <cs:fontRef idx="minor">
+      <a:schemeClr val="tx1"/>
+    </cs:fontRef>
+    <cs:spPr>
+      <a:ln w="9525" cap="flat" cmpd="sng" algn="ctr">
+        <a:solidFill>
+          <a:schemeClr val="tx1">
+            <a:lumMod val="5000"/>
+            <a:lumOff val="95000"/>
+          </a:schemeClr>
+        </a:solidFill>
+        <a:round/>
+      </a:ln>
+    </cs:spPr>
+  </cs:gridlineMinor>
+  <cs:hiLoLine>
+    <cs:lnRef idx="0"/>
+    <cs:fillRef idx="0"/>
+    <cs:effectRef idx="0"/>
+    <cs:fontRef idx="minor">
+      <a:schemeClr val="tx1"/>
+    </cs:fontRef>
+    <cs:spPr>
+      <a:ln w="9525" cap="flat" cmpd="sng" algn="ctr">
+        <a:solidFill>
+          <a:schemeClr val="tx1">
+            <a:lumMod val="75000"/>
+            <a:lumOff val="25000"/>
+          </a:schemeClr>
+        </a:solidFill>
+        <a:round/>
+      </a:ln>
+    </cs:spPr>
+  </cs:hiLoLine>
+  <cs:leaderLine>
+    <cs:lnRef idx="0"/>
+    <cs:fillRef idx="0"/>
+    <cs:effectRef idx="0"/>
+    <cs:fontRef idx="minor">
+      <a:schemeClr val="tx1"/>
+    </cs:fontRef>
+    <cs:spPr>
+      <a:ln w="9525" cap="flat" cmpd="sng" algn="ctr">
+        <a:solidFill>
+          <a:schemeClr val="tx1">
+            <a:lumMod val="35000"/>
+            <a:lumOff val="65000"/>
+          </a:schemeClr>
+        </a:solidFill>
+        <a:round/>
+      </a:ln>
+    </cs:spPr>
+  </cs:leaderLine>
+  <cs:legend>
+    <cs:lnRef idx="0"/>
+    <cs:fillRef idx="0"/>
+    <cs:effectRef idx="0"/>
+    <cs:fontRef idx="minor">
+      <a:schemeClr val="tx1">
+        <a:lumMod val="65000"/>
+        <a:lumOff val="35000"/>
+      </a:schemeClr>
+    </cs:fontRef>
+    <cs:defRPr sz="900" kern="1200"/>
+  </cs:legend>
+  <cs:plotArea mods="allowNoFillOverride allowNoLineOverride">
+    <cs:lnRef idx="0"/>
+    <cs:fillRef idx="0"/>
+    <cs:effectRef idx="0"/>
+    <cs:fontRef idx="minor">
+      <a:schemeClr val="tx1"/>
+    </cs:fontRef>
+  </cs:plotArea>
+  <cs:plotArea3D mods="allowNoFillOverride allowNoLineOverride">
+    <cs:lnRef idx="0"/>
+    <cs:fillRef idx="0"/>
+    <cs:effectRef idx="0"/>
+    <cs:fontRef idx="minor">
+      <a:schemeClr val="tx1"/>
+    </cs:fontRef>
+  </cs:plotArea3D>
+  <cs:seriesAxis>
+    <cs:lnRef idx="0"/>
+    <cs:fillRef idx="0"/>
+    <cs:effectRef idx="0"/>
+    <cs:fontRef idx="minor">
+      <a:schemeClr val="tx1">
+        <a:lumMod val="65000"/>
+        <a:lumOff val="35000"/>
+      </a:schemeClr>
+    </cs:fontRef>
+    <cs:defRPr sz="900" kern="1200"/>
+  </cs:seriesAxis>
+  <cs:seriesLine>
+    <cs:lnRef idx="0"/>
+    <cs:fillRef idx="0"/>
+    <cs:effectRef idx="0"/>
+    <cs:fontRef idx="minor">
+      <a:schemeClr val="tx1"/>
+    </cs:fontRef>
+    <cs:spPr>
+      <a:ln w="9525" cap="flat" cmpd="sng" algn="ctr">
+        <a:solidFill>
+          <a:schemeClr val="tx1">
+            <a:lumMod val="35000"/>
+            <a:lumOff val="65000"/>
+          </a:schemeClr>
+        </a:solidFill>
+        <a:round/>
+      </a:ln>
+    </cs:spPr>
+  </cs:seriesLine>
+  <cs:title>
+    <cs:lnRef idx="0"/>
+    <cs:fillRef idx="0"/>
+    <cs:effectRef idx="0"/>
+    <cs:fontRef idx="minor">
+      <a:schemeClr val="tx1">
+        <a:lumMod val="65000"/>
+        <a:lumOff val="35000"/>
+      </a:schemeClr>
+    </cs:fontRef>
+    <cs:defRPr sz="1400" b="0" kern="1200" spc="0" baseline="0"/>
+  </cs:title>
+  <cs:trendline>
+    <cs:lnRef idx="0">
+      <cs:styleClr val="auto"/>
+    </cs:lnRef>
+    <cs:fillRef idx="0"/>
+    <cs:effectRef idx="0"/>
+    <cs:fontRef idx="minor">
+      <a:schemeClr val="tx1"/>
+    </cs:fontRef>
+    <cs:spPr>
+      <a:ln w="19050" cap="rnd">
+        <a:solidFill>
+          <a:schemeClr val="phClr"/>
+        </a:solidFill>
+        <a:prstDash val="sysDot"/>
+      </a:ln>
+    </cs:spPr>
+  </cs:trendline>
+  <cs:trendlineLabel>
+    <cs:lnRef idx="0"/>
+    <cs:fillRef idx="0"/>
+    <cs:effectRef idx="0"/>
+    <cs:fontRef idx="minor">
+      <a:schemeClr val="tx1">
+        <a:lumMod val="65000"/>
+        <a:lumOff val="35000"/>
+      </a:schemeClr>
+    </cs:fontRef>
+    <cs:defRPr sz="900" kern="1200"/>
+  </cs:trendlineLabel>
+  <cs:upBar>
+    <cs:lnRef idx="0"/>
+    <cs:fillRef idx="0"/>
+    <cs:effectRef idx="0"/>
+    <cs:fontRef idx="minor">
+      <a:schemeClr val="dk1"/>
+    </cs:fontRef>
+    <cs:spPr>
+      <a:solidFill>
+        <a:schemeClr val="lt1"/>
+      </a:solidFill>
+      <a:ln w="9525">
+        <a:solidFill>
+          <a:schemeClr val="tx1">
+            <a:lumMod val="15000"/>
+            <a:lumOff val="85000"/>
+          </a:schemeClr>
+        </a:solidFill>
+      </a:ln>
+    </cs:spPr>
+  </cs:upBar>
+  <cs:valueAxis>
+    <cs:lnRef idx="0"/>
+    <cs:fillRef idx="0"/>
+    <cs:effectRef idx="0"/>
+    <cs:fontRef idx="minor">
+      <a:schemeClr val="tx1">
+        <a:lumMod val="65000"/>
+        <a:lumOff val="35000"/>
+      </a:schemeClr>
+    </cs:fontRef>
+    <cs:defRPr sz="900" kern="1200"/>
+  </cs:valueAxis>
+  <cs:wall>
+    <cs:lnRef idx="0"/>
+    <cs:fillRef idx="0"/>
+    <cs:effectRef idx="0"/>
+    <cs:fontRef idx="minor">
+      <a:schemeClr val="tx1"/>
+    </cs:fontRef>
+    <cs:spPr>
+      <a:noFill/>
+      <a:ln>
+        <a:noFill/>
+      </a:ln>
+    </cs:spPr>
+  </cs:wall>
+</cs:chartStyle>
+</file>
+
+<file path=ppt/notesMasters/notesMaster1.xml><?xml version="1.0" encoding="utf-8"?>
+<p:notesMaster xmlns:a="http://schemas.openxmlformats.org/drawingml/2006/main" xmlns:r="http://schemas.openxmlformats.org/officeDocument/2006/relationships" xmlns:p="http://schemas.openxmlformats.org/presentationml/2006/main">
+  <p:cSld>
+    <p:bg>
+      <p:bgRef idx="1001">
+        <a:schemeClr val="bg1"/>
+      </p:bgRef>
+    </p:bg>
+    <p:spTree>
+      <p:nvGrpSpPr>
+        <p:cNvPr id="1" name=""/>
+        <p:cNvGrpSpPr/>
+        <p:nvPr/>
+      </p:nvGrpSpPr>
+      <p:grpSpPr>
+        <a:xfrm>
+          <a:off x="0" y="0"/>
+          <a:ext cx="0" cy="0"/>
+          <a:chOff x="0" y="0"/>
+          <a:chExt cx="0" cy="0"/>
+        </a:xfrm>
+      </p:grpSpPr>
+      <p:sp>
+        <p:nvSpPr>
+          <p:cNvPr id="2" name="Header Placeholder 1"/>
+          <p:cNvSpPr>
+            <a:spLocks noGrp="1"/>
+          </p:cNvSpPr>
+          <p:nvPr>
+            <p:ph type="hdr" sz="quarter"/>
+          </p:nvPr>
+        </p:nvSpPr>
+        <p:spPr>
+          <a:xfrm>
+            <a:off x="0" y="0"/>
+            <a:ext cx="2971800" cy="458788"/>
+          </a:xfrm>
+          <a:prstGeom prst="rect">
+            <a:avLst/>
+          </a:prstGeom>
+        </p:spPr>
+        <p:txBody>
+          <a:bodyPr vert="horz" lIns="91440" tIns="45720" rIns="91440" bIns="45720" rtlCol="0"/>
+          <a:lstStyle>
+            <a:lvl1pPr algn="l">
+              <a:defRPr sz="1200"/>
+            </a:lvl1pPr>
+          </a:lstStyle>
+          <a:p>
+            <a:endParaRPr lang="en-US"/>
+          </a:p>
+        </p:txBody>
+      </p:sp>
+      <p:sp>
+        <p:nvSpPr>
+          <p:cNvPr id="3" name="Date Placeholder 2"/>
+          <p:cNvSpPr>
+            <a:spLocks noGrp="1"/>
+          </p:cNvSpPr>
+          <p:nvPr>
+            <p:ph type="dt" idx="1"/>
+          </p:nvPr>
+        </p:nvSpPr>
+        <p:spPr>
+          <a:xfrm>
+            <a:off x="3884613" y="0"/>
+            <a:ext cx="2971800" cy="458788"/>
+          </a:xfrm>
+          <a:prstGeom prst="rect">
+            <a:avLst/>
+          </a:prstGeom>
+        </p:spPr>
+        <p:txBody>
+          <a:bodyPr vert="horz" lIns="91440" tIns="45720" rIns="91440" bIns="45720" rtlCol="0"/>
+          <a:lstStyle>
+            <a:lvl1pPr algn="r">
+              <a:defRPr sz="1200"/>
+            </a:lvl1pPr>
+          </a:lstStyle>
+          <a:p>
+            <a:fld id="{520EB0FE-CEF4-684A-9A71-9CFAC31EC336}" type="datetimeFigureOut">
+              <a:rPr lang="en-US" smtClean="0"/>
+              <a:t>12/1/17</a:t>
+            </a:fld>
+            <a:endParaRPr lang="en-US"/>
+          </a:p>
+        </p:txBody>
+      </p:sp>
+      <p:sp>
+        <p:nvSpPr>
+          <p:cNvPr id="4" name="Slide Image Placeholder 3"/>
+          <p:cNvSpPr>
+            <a:spLocks noGrp="1" noRot="1" noChangeAspect="1"/>
+          </p:cNvSpPr>
+          <p:nvPr>
+            <p:ph type="sldImg" idx="2"/>
+          </p:nvPr>
+        </p:nvSpPr>
+        <p:spPr>
+          <a:xfrm>
+            <a:off x="1371600" y="1143000"/>
+            <a:ext cx="4114800" cy="3086100"/>
+          </a:xfrm>
+          <a:prstGeom prst="rect">
+            <a:avLst/>
+          </a:prstGeom>
+          <a:noFill/>
+          <a:ln w="12700">
+            <a:solidFill>
+              <a:prstClr val="black"/>
+            </a:solidFill>
+          </a:ln>
+        </p:spPr>
+        <p:txBody>
+          <a:bodyPr vert="horz" lIns="91440" tIns="45720" rIns="91440" bIns="45720" rtlCol="0" anchor="ctr"/>
+          <a:lstStyle/>
+          <a:p>
+            <a:endParaRPr lang="en-US"/>
+          </a:p>
+        </p:txBody>
+      </p:sp>
+      <p:sp>
+        <p:nvSpPr>
+          <p:cNvPr id="5" name="Notes Placeholder 4"/>
+          <p:cNvSpPr>
+            <a:spLocks noGrp="1"/>
+          </p:cNvSpPr>
+          <p:nvPr>
+            <p:ph type="body" sz="quarter" idx="3"/>
+          </p:nvPr>
+        </p:nvSpPr>
+        <p:spPr>
+          <a:xfrm>
+            <a:off x="685800" y="4400550"/>
+            <a:ext cx="5486400" cy="3600450"/>
+          </a:xfrm>
+          <a:prstGeom prst="rect">
+            <a:avLst/>
+          </a:prstGeom>
+        </p:spPr>
+        <p:txBody>
+          <a:bodyPr vert="horz" lIns="91440" tIns="45720" rIns="91440" bIns="45720" rtlCol="0"/>
+          <a:lstStyle/>
+          <a:p>
+            <a:pPr lvl="0"/>
+            <a:r>
+              <a:rPr lang="en-US" smtClean="0"/>
+              <a:t>Click to edit Master text styles</a:t>
+            </a:r>
+          </a:p>
+          <a:p>
+            <a:pPr lvl="1"/>
+            <a:r>
+              <a:rPr lang="en-US" smtClean="0"/>
+              <a:t>Second level</a:t>
+            </a:r>
+          </a:p>
+          <a:p>
+            <a:pPr lvl="2"/>
+            <a:r>
+              <a:rPr lang="en-US" smtClean="0"/>
+              <a:t>Third level</a:t>
+            </a:r>
+          </a:p>
+          <a:p>
+            <a:pPr lvl="3"/>
+            <a:r>
+              <a:rPr lang="en-US" smtClean="0"/>
+              <a:t>Fourth level</a:t>
+            </a:r>
+          </a:p>
+          <a:p>
+            <a:pPr lvl="4"/>
+            <a:r>
+              <a:rPr lang="en-US" smtClean="0"/>
+              <a:t>Fifth level</a:t>
+            </a:r>
+            <a:endParaRPr lang="en-US"/>
+          </a:p>
+        </p:txBody>
+      </p:sp>
+      <p:sp>
+        <p:nvSpPr>
+          <p:cNvPr id="6" name="Footer Placeholder 5"/>
+          <p:cNvSpPr>
+            <a:spLocks noGrp="1"/>
+          </p:cNvSpPr>
+          <p:nvPr>
+            <p:ph type="ftr" sz="quarter" idx="4"/>
+          </p:nvPr>
+        </p:nvSpPr>
+        <p:spPr>
+          <a:xfrm>
+            <a:off x="0" y="8685213"/>
+            <a:ext cx="2971800" cy="458787"/>
+          </a:xfrm>
+          <a:prstGeom prst="rect">
+            <a:avLst/>
+          </a:prstGeom>
+        </p:spPr>
+        <p:txBody>
+          <a:bodyPr vert="horz" lIns="91440" tIns="45720" rIns="91440" bIns="45720" rtlCol="0" anchor="b"/>
+          <a:lstStyle>
+            <a:lvl1pPr algn="l">
+              <a:defRPr sz="1200"/>
+            </a:lvl1pPr>
+          </a:lstStyle>
+          <a:p>
+            <a:endParaRPr lang="en-US"/>
+          </a:p>
+        </p:txBody>
+      </p:sp>
+      <p:sp>
+        <p:nvSpPr>
+          <p:cNvPr id="7" name="Slide Number Placeholder 6"/>
+          <p:cNvSpPr>
+            <a:spLocks noGrp="1"/>
+          </p:cNvSpPr>
+          <p:nvPr>
+            <p:ph type="sldNum" sz="quarter" idx="5"/>
+          </p:nvPr>
+        </p:nvSpPr>
+        <p:spPr>
+          <a:xfrm>
+            <a:off x="3884613" y="8685213"/>
+            <a:ext cx="2971800" cy="458787"/>
+          </a:xfrm>
+          <a:prstGeom prst="rect">
+            <a:avLst/>
+          </a:prstGeom>
+        </p:spPr>
+        <p:txBody>
+          <a:bodyPr vert="horz" lIns="91440" tIns="45720" rIns="91440" bIns="45720" rtlCol="0" anchor="b"/>
+          <a:lstStyle>
+            <a:lvl1pPr algn="r">
+              <a:defRPr sz="1200"/>
+            </a:lvl1pPr>
+          </a:lstStyle>
+          <a:p>
+            <a:fld id="{8E4C62F1-9CB6-6D4B-A553-A5709B1480ED}" type="slidenum">
+              <a:rPr lang="en-US" smtClean="0"/>
+              <a:t>‹#›</a:t>
+            </a:fld>
+            <a:endParaRPr lang="en-US"/>
+          </a:p>
+        </p:txBody>
+      </p:sp>
+    </p:spTree>
+    <p:extLst>
+      <p:ext uri="{BB962C8B-B14F-4D97-AF65-F5344CB8AC3E}">
+        <p14:creationId xmlns:p14="http://schemas.microsoft.com/office/powerpoint/2010/main" val="1385309968"/>
+      </p:ext>
+    </p:extLst>
+  </p:cSld>
+  <p:clrMap bg1="lt1" tx1="dk1" bg2="lt2" tx2="dk2" accent1="accent1" accent2="accent2" accent3="accent3" accent4="accent4" accent5="accent5" accent6="accent6" hlink="hlink" folHlink="folHlink"/>
+  <p:notesStyle>
+    <a:lvl1pPr marL="0" algn="l" defTabSz="914400" rtl="0" eaLnBrk="1" latinLnBrk="0" hangingPunct="1">
+      <a:defRPr sz="1200" kern="1200">
+        <a:solidFill>
+          <a:schemeClr val="tx1"/>
+        </a:solidFill>
+        <a:latin typeface="+mn-lt"/>
+        <a:ea typeface="+mn-ea"/>
+        <a:cs typeface="+mn-cs"/>
+      </a:defRPr>
+    </a:lvl1pPr>
+    <a:lvl2pPr marL="457200" algn="l" defTabSz="914400" rtl="0" eaLnBrk="1" latinLnBrk="0" hangingPunct="1">
+      <a:defRPr sz="1200" kern="1200">
+        <a:solidFill>
+          <a:schemeClr val="tx1"/>
+        </a:solidFill>
+        <a:latin typeface="+mn-lt"/>
+        <a:ea typeface="+mn-ea"/>
+        <a:cs typeface="+mn-cs"/>
+      </a:defRPr>
+    </a:lvl2pPr>
+    <a:lvl3pPr marL="914400" algn="l" defTabSz="914400" rtl="0" eaLnBrk="1" latinLnBrk="0" hangingPunct="1">
+      <a:defRPr sz="1200" kern="1200">
+        <a:solidFill>
+          <a:schemeClr val="tx1"/>
+        </a:solidFill>
+        <a:latin typeface="+mn-lt"/>
+        <a:ea typeface="+mn-ea"/>
+        <a:cs typeface="+mn-cs"/>
+      </a:defRPr>
+    </a:lvl3pPr>
+    <a:lvl4pPr marL="1371600" algn="l" defTabSz="914400" rtl="0" eaLnBrk="1" latinLnBrk="0" hangingPunct="1">
+      <a:defRPr sz="1200" kern="1200">
+        <a:solidFill>
+          <a:schemeClr val="tx1"/>
+        </a:solidFill>
+        <a:latin typeface="+mn-lt"/>
+        <a:ea typeface="+mn-ea"/>
+        <a:cs typeface="+mn-cs"/>
+      </a:defRPr>
+    </a:lvl4pPr>
+    <a:lvl5pPr marL="1828800" algn="l" defTabSz="914400" rtl="0" eaLnBrk="1" latinLnBrk="0" hangingPunct="1">
+      <a:defRPr sz="1200" kern="1200">
+        <a:solidFill>
+          <a:schemeClr val="tx1"/>
+        </a:solidFill>
+        <a:latin typeface="+mn-lt"/>
+        <a:ea typeface="+mn-ea"/>
+        <a:cs typeface="+mn-cs"/>
+      </a:defRPr>
+    </a:lvl5pPr>
+    <a:lvl6pPr marL="2286000" algn="l" defTabSz="914400" rtl="0" eaLnBrk="1" latinLnBrk="0" hangingPunct="1">
+      <a:defRPr sz="1200" kern="1200">
+        <a:solidFill>
+          <a:schemeClr val="tx1"/>
+        </a:solidFill>
+        <a:latin typeface="+mn-lt"/>
+        <a:ea typeface="+mn-ea"/>
+        <a:cs typeface="+mn-cs"/>
+      </a:defRPr>
+    </a:lvl6pPr>
+    <a:lvl7pPr marL="2743200" algn="l" defTabSz="914400" rtl="0" eaLnBrk="1" latinLnBrk="0" hangingPunct="1">
+      <a:defRPr sz="1200" kern="1200">
+        <a:solidFill>
+          <a:schemeClr val="tx1"/>
+        </a:solidFill>
+        <a:latin typeface="+mn-lt"/>
+        <a:ea typeface="+mn-ea"/>
+        <a:cs typeface="+mn-cs"/>
+      </a:defRPr>
+    </a:lvl7pPr>
+    <a:lvl8pPr marL="3200400" algn="l" defTabSz="914400" rtl="0" eaLnBrk="1" latinLnBrk="0" hangingPunct="1">
+      <a:defRPr sz="1200" kern="1200">
+        <a:solidFill>
+          <a:schemeClr val="tx1"/>
+        </a:solidFill>
+        <a:latin typeface="+mn-lt"/>
+        <a:ea typeface="+mn-ea"/>
+        <a:cs typeface="+mn-cs"/>
+      </a:defRPr>
+    </a:lvl8pPr>
+    <a:lvl9pPr marL="3657600" algn="l" defTabSz="914400" rtl="0" eaLnBrk="1" latinLnBrk="0" hangingPunct="1">
+      <a:defRPr sz="1200" kern="1200">
+        <a:solidFill>
+          <a:schemeClr val="tx1"/>
+        </a:solidFill>
+        <a:latin typeface="+mn-lt"/>
+        <a:ea typeface="+mn-ea"/>
+        <a:cs typeface="+mn-cs"/>
+      </a:defRPr>
+    </a:lvl9pPr>
+  </p:notesStyle>
+</p:notesMaster>
+</file>
+
+<file path=ppt/notesSlides/notesSlide1.xml><?xml version="1.0" encoding="utf-8"?>
+<p:notes xmlns:a="http://schemas.openxmlformats.org/drawingml/2006/main" xmlns:r="http://schemas.openxmlformats.org/officeDocument/2006/relationships" xmlns:p="http://schemas.openxmlformats.org/presentationml/2006/main">
+  <p:cSld>
+    <p:spTree>
+      <p:nvGrpSpPr>
+        <p:cNvPr id="1" name=""/>
+        <p:cNvGrpSpPr/>
+        <p:nvPr/>
+      </p:nvGrpSpPr>
+      <p:grpSpPr>
+        <a:xfrm>
+          <a:off x="0" y="0"/>
+          <a:ext cx="0" cy="0"/>
+          <a:chOff x="0" y="0"/>
+          <a:chExt cx="0" cy="0"/>
+        </a:xfrm>
+      </p:grpSpPr>
+      <p:sp>
+        <p:nvSpPr>
+          <p:cNvPr id="2" name="Slide Image Placeholder 1"/>
+          <p:cNvSpPr>
+            <a:spLocks noGrp="1" noRot="1" noChangeAspect="1"/>
+          </p:cNvSpPr>
+          <p:nvPr>
+            <p:ph type="sldImg"/>
+          </p:nvPr>
+        </p:nvSpPr>
+        <p:spPr/>
+      </p:sp>
+      <p:sp>
+        <p:nvSpPr>
+          <p:cNvPr id="3" name="Notes Placeholder 2"/>
+          <p:cNvSpPr>
+            <a:spLocks noGrp="1"/>
+          </p:cNvSpPr>
+          <p:nvPr>
+            <p:ph type="body" idx="1"/>
+          </p:nvPr>
+        </p:nvSpPr>
+        <p:spPr/>
+        <p:txBody>
+          <a:bodyPr/>
+          <a:lstStyle/>
+          <a:p>
+            <a:r>
+              <a:rPr lang="en-US" dirty="0" smtClean="0"/>
+              <a:t>Passenger</a:t>
+            </a:r>
+            <a:r>
+              <a:rPr lang="en-US" baseline="0" dirty="0" smtClean="0"/>
+              <a:t> Vehicle</a:t>
+            </a:r>
+            <a:r>
+              <a:rPr lang="ja-JP" altLang="en-US" baseline="0" dirty="0" smtClean="0"/>
+              <a:t>の分析に入りたいと思います．</a:t>
+            </a:r>
+            <a:endParaRPr lang="en-US" altLang="ja-JP" baseline="0" dirty="0" smtClean="0"/>
+          </a:p>
+          <a:p>
+            <a:r>
+              <a:rPr lang="ja-JP" altLang="en-US" baseline="0" dirty="0" smtClean="0"/>
+              <a:t>これは</a:t>
+            </a:r>
+            <a:r>
+              <a:rPr lang="en-US" altLang="ja-JP" baseline="0" dirty="0" smtClean="0"/>
+              <a:t>Passenger Vehicle</a:t>
+            </a:r>
+            <a:r>
+              <a:rPr lang="ja-JP" altLang="en-US" baseline="0" dirty="0" smtClean="0"/>
+              <a:t>の事故数</a:t>
+            </a:r>
+            <a:r>
+              <a:rPr lang="en-US" altLang="ja-JP" baseline="0" dirty="0" err="1" smtClean="0"/>
+              <a:t>Heatmap</a:t>
+            </a:r>
+            <a:r>
+              <a:rPr lang="ja-JP" altLang="en-US" baseline="0" dirty="0" smtClean="0"/>
+              <a:t>です．</a:t>
+            </a:r>
+            <a:endParaRPr lang="en-US" altLang="ja-JP" baseline="0" dirty="0" smtClean="0"/>
+          </a:p>
+          <a:p>
+            <a:r>
+              <a:rPr lang="ja-JP" altLang="en-US" baseline="0" dirty="0" smtClean="0"/>
+              <a:t>縦軸は月，横軸は時間帯，箱の色は事故数を表しています．</a:t>
+            </a:r>
+            <a:endParaRPr lang="en-US" altLang="ja-JP" baseline="0" dirty="0" smtClean="0"/>
+          </a:p>
+          <a:p>
+            <a:pPr marL="0" marR="0" indent="0" algn="l" defTabSz="914400" rtl="0" eaLnBrk="1" fontAlgn="auto" latinLnBrk="0" hangingPunct="1">
+              <a:lnSpc>
+                <a:spcPct val="100000"/>
+              </a:lnSpc>
+              <a:spcBef>
+                <a:spcPts val="0"/>
+              </a:spcBef>
+              <a:spcAft>
+                <a:spcPts val="0"/>
+              </a:spcAft>
+              <a:buClrTx/>
+              <a:buSzTx/>
+              <a:buFontTx/>
+              <a:buNone/>
+              <a:tabLst/>
+              <a:defRPr/>
+            </a:pPr>
+            <a:r>
+              <a:rPr lang="ja-JP" altLang="en-US" baseline="0" dirty="0" smtClean="0"/>
+              <a:t>この図見てわかるように</a:t>
+            </a:r>
+            <a:r>
+              <a:rPr lang="ja-JP" altLang="en-US" sz="1200" dirty="0" smtClean="0"/>
+              <a:t>ピークは午後の３時から６時の秋と春に分かれている．</a:t>
+            </a:r>
+            <a:endParaRPr lang="en-US" altLang="ja-JP" sz="1200" dirty="0" smtClean="0"/>
+          </a:p>
+          <a:p>
+            <a:pPr marL="0" marR="0" indent="0" algn="l" defTabSz="914400" rtl="0" eaLnBrk="1" fontAlgn="auto" latinLnBrk="0" hangingPunct="1">
+              <a:lnSpc>
+                <a:spcPct val="100000"/>
+              </a:lnSpc>
+              <a:spcBef>
+                <a:spcPts val="0"/>
+              </a:spcBef>
+              <a:spcAft>
+                <a:spcPts val="0"/>
+              </a:spcAft>
+              <a:buClrTx/>
+              <a:buSzTx/>
+              <a:buFontTx/>
+              <a:buNone/>
+              <a:tabLst/>
+              <a:defRPr/>
+            </a:pPr>
+            <a:r>
+              <a:rPr lang="ja-JP" altLang="en-US" sz="1200" dirty="0" smtClean="0"/>
+              <a:t>次はこのピークの分析に見ていきたいと思います．</a:t>
+            </a:r>
+            <a:endParaRPr lang="en-US" sz="1200" dirty="0" smtClean="0"/>
+          </a:p>
+        </p:txBody>
+      </p:sp>
+      <p:sp>
+        <p:nvSpPr>
+          <p:cNvPr id="4" name="Slide Number Placeholder 3"/>
+          <p:cNvSpPr>
+            <a:spLocks noGrp="1"/>
+          </p:cNvSpPr>
+          <p:nvPr>
+            <p:ph type="sldNum" sz="quarter" idx="10"/>
+          </p:nvPr>
+        </p:nvSpPr>
+        <p:spPr/>
+        <p:txBody>
+          <a:bodyPr/>
+          <a:lstStyle/>
+          <a:p>
+            <a:fld id="{8E4C62F1-9CB6-6D4B-A553-A5709B1480ED}" type="slidenum">
+              <a:rPr lang="en-US" smtClean="0"/>
+              <a:t>2</a:t>
+            </a:fld>
+            <a:endParaRPr lang="en-US"/>
+          </a:p>
+        </p:txBody>
+      </p:sp>
+    </p:spTree>
+    <p:extLst>
+      <p:ext uri="{BB962C8B-B14F-4D97-AF65-F5344CB8AC3E}">
+        <p14:creationId xmlns:p14="http://schemas.microsoft.com/office/powerpoint/2010/main" val="2038650280"/>
+      </p:ext>
+    </p:extLst>
+  </p:cSld>
+  <p:clrMapOvr>
+    <a:masterClrMapping/>
+  </p:clrMapOvr>
+</p:notes>
+</file>
+
+<file path=ppt/notesSlides/notesSlide2.xml><?xml version="1.0" encoding="utf-8"?>
+<p:notes xmlns:a="http://schemas.openxmlformats.org/drawingml/2006/main" xmlns:r="http://schemas.openxmlformats.org/officeDocument/2006/relationships" xmlns:p="http://schemas.openxmlformats.org/presentationml/2006/main">
+  <p:cSld>
+    <p:spTree>
+      <p:nvGrpSpPr>
+        <p:cNvPr id="1" name=""/>
+        <p:cNvGrpSpPr/>
+        <p:nvPr/>
+      </p:nvGrpSpPr>
+      <p:grpSpPr>
+        <a:xfrm>
+          <a:off x="0" y="0"/>
+          <a:ext cx="0" cy="0"/>
+          <a:chOff x="0" y="0"/>
+          <a:chExt cx="0" cy="0"/>
+        </a:xfrm>
+      </p:grpSpPr>
+      <p:sp>
+        <p:nvSpPr>
+          <p:cNvPr id="2" name="Slide Image Placeholder 1"/>
+          <p:cNvSpPr>
+            <a:spLocks noGrp="1" noRot="1" noChangeAspect="1"/>
+          </p:cNvSpPr>
+          <p:nvPr>
+            <p:ph type="sldImg"/>
+          </p:nvPr>
+        </p:nvSpPr>
+        <p:spPr/>
+      </p:sp>
+      <p:sp>
+        <p:nvSpPr>
+          <p:cNvPr id="3" name="Notes Placeholder 2"/>
+          <p:cNvSpPr>
+            <a:spLocks noGrp="1"/>
+          </p:cNvSpPr>
+          <p:nvPr>
+            <p:ph type="body" idx="1"/>
+          </p:nvPr>
+        </p:nvSpPr>
+        <p:spPr/>
+        <p:txBody>
+          <a:bodyPr/>
+          <a:lstStyle/>
+          <a:p>
+            <a:r>
+              <a:rPr lang="en-US" dirty="0" smtClean="0"/>
+              <a:t>Ga </a:t>
+            </a:r>
+            <a:r>
+              <a:rPr lang="en-US" dirty="0" err="1" smtClean="0"/>
+              <a:t>usah</a:t>
+            </a:r>
+            <a:r>
+              <a:rPr lang="en-US" baseline="0" dirty="0" smtClean="0"/>
+              <a:t> </a:t>
+            </a:r>
+            <a:r>
+              <a:rPr lang="en-US" baseline="0" dirty="0" err="1" smtClean="0"/>
+              <a:t>sebut</a:t>
+            </a:r>
+            <a:r>
+              <a:rPr lang="en-US" baseline="0" dirty="0" smtClean="0"/>
+              <a:t> satu2</a:t>
+            </a:r>
+          </a:p>
+          <a:p>
+            <a:r>
+              <a:rPr lang="ja-JP" altLang="en-US" baseline="0" dirty="0" smtClean="0"/>
+              <a:t>この図は</a:t>
+            </a:r>
+            <a:r>
+              <a:rPr lang="en-US" altLang="ja-JP" baseline="0" dirty="0" smtClean="0"/>
+              <a:t>Passenger Vehicle</a:t>
+            </a:r>
+            <a:r>
+              <a:rPr lang="ja-JP" altLang="en-US" baseline="0" dirty="0" smtClean="0"/>
+              <a:t>全体の事故原因の割合（青色）と</a:t>
+            </a:r>
+            <a:r>
+              <a:rPr lang="en-US" altLang="ja-JP" baseline="0" dirty="0" smtClean="0"/>
+              <a:t>Passenger Vehicle</a:t>
+            </a:r>
+            <a:r>
+              <a:rPr lang="ja-JP" altLang="en-US" baseline="0" dirty="0" smtClean="0"/>
+              <a:t>の</a:t>
+            </a:r>
+            <a:r>
+              <a:rPr lang="en-US" altLang="ja-JP" baseline="0" dirty="0" smtClean="0"/>
+              <a:t>10</a:t>
+            </a:r>
+            <a:r>
+              <a:rPr lang="ja-JP" altLang="en-US" baseline="0" dirty="0" smtClean="0"/>
+              <a:t>月の午後３時</a:t>
+            </a:r>
+            <a:r>
+              <a:rPr lang="en-US" altLang="ja-JP" baseline="0" dirty="0" smtClean="0"/>
+              <a:t>〜</a:t>
+            </a:r>
+            <a:r>
+              <a:rPr lang="ja-JP" altLang="en-US" baseline="0" dirty="0" smtClean="0"/>
+              <a:t>６時の事故原因の割合（オレンジ色）の比較を表しています．</a:t>
+            </a:r>
+            <a:endParaRPr lang="en-US" altLang="ja-JP" baseline="0" dirty="0" smtClean="0"/>
+          </a:p>
+          <a:p>
+            <a:r>
+              <a:rPr lang="ja-JP" altLang="en-US" baseline="0" dirty="0" smtClean="0"/>
+              <a:t>事故原因はたくさんありますが，この図はその割合の差を取りソートし</a:t>
+            </a:r>
+            <a:r>
+              <a:rPr lang="en-US" altLang="ja-JP" baseline="0" dirty="0" smtClean="0"/>
+              <a:t>TOP8</a:t>
+            </a:r>
+            <a:r>
+              <a:rPr lang="ja-JP" altLang="en-US" baseline="0" dirty="0" smtClean="0"/>
+              <a:t>の事故原因を表しています．</a:t>
+            </a:r>
+            <a:endParaRPr lang="en-US" altLang="ja-JP" baseline="0" dirty="0" smtClean="0"/>
+          </a:p>
+          <a:p>
+            <a:r>
+              <a:rPr lang="ja-JP" altLang="en-US" baseline="0" dirty="0" smtClean="0"/>
+              <a:t>この図を見て「車間．．．」の事故原因は秋の時に．．．</a:t>
+            </a:r>
+            <a:r>
+              <a:rPr lang="en-US" altLang="ja-JP" baseline="0" dirty="0" smtClean="0"/>
+              <a:t/>
+            </a:r>
+            <a:br>
+              <a:rPr lang="en-US" altLang="ja-JP" baseline="0" dirty="0" smtClean="0"/>
+            </a:br>
+            <a:r>
+              <a:rPr lang="ja-JP" altLang="en-US" baseline="0" dirty="0" smtClean="0"/>
+              <a:t>この．．．原因の原因．．．：は秋の日照時間，新学期の始まり，若者の運転者を考えられます．</a:t>
+            </a:r>
+            <a:endParaRPr lang="en-US" altLang="ja-JP" baseline="0" dirty="0" smtClean="0"/>
+          </a:p>
+          <a:p>
+            <a:endParaRPr lang="en-US" dirty="0"/>
+          </a:p>
+        </p:txBody>
+      </p:sp>
+      <p:sp>
+        <p:nvSpPr>
+          <p:cNvPr id="4" name="Slide Number Placeholder 3"/>
+          <p:cNvSpPr>
+            <a:spLocks noGrp="1"/>
+          </p:cNvSpPr>
+          <p:nvPr>
+            <p:ph type="sldNum" sz="quarter" idx="10"/>
+          </p:nvPr>
+        </p:nvSpPr>
+        <p:spPr/>
+        <p:txBody>
+          <a:bodyPr/>
+          <a:lstStyle/>
+          <a:p>
+            <a:fld id="{8E4C62F1-9CB6-6D4B-A553-A5709B1480ED}" type="slidenum">
+              <a:rPr lang="en-US" smtClean="0"/>
+              <a:t>3</a:t>
+            </a:fld>
+            <a:endParaRPr lang="en-US"/>
+          </a:p>
+        </p:txBody>
+      </p:sp>
+    </p:spTree>
+    <p:extLst>
+      <p:ext uri="{BB962C8B-B14F-4D97-AF65-F5344CB8AC3E}">
+        <p14:creationId xmlns:p14="http://schemas.microsoft.com/office/powerpoint/2010/main" val="1350008164"/>
+      </p:ext>
+    </p:extLst>
+  </p:cSld>
+  <p:clrMapOvr>
+    <a:masterClrMapping/>
+  </p:clrMapOvr>
+</p:notes>
+</file>
+
+<file path=ppt/notesSlides/notesSlide3.xml><?xml version="1.0" encoding="utf-8"?>
+<p:notes xmlns:a="http://schemas.openxmlformats.org/drawingml/2006/main" xmlns:r="http://schemas.openxmlformats.org/officeDocument/2006/relationships" xmlns:p="http://schemas.openxmlformats.org/presentationml/2006/main">
+  <p:cSld>
+    <p:spTree>
+      <p:nvGrpSpPr>
+        <p:cNvPr id="1" name=""/>
+        <p:cNvGrpSpPr/>
+        <p:nvPr/>
+      </p:nvGrpSpPr>
+      <p:grpSpPr>
+        <a:xfrm>
+          <a:off x="0" y="0"/>
+          <a:ext cx="0" cy="0"/>
+          <a:chOff x="0" y="0"/>
+          <a:chExt cx="0" cy="0"/>
+        </a:xfrm>
+      </p:grpSpPr>
+      <p:sp>
+        <p:nvSpPr>
+          <p:cNvPr id="2" name="Slide Image Placeholder 1"/>
+          <p:cNvSpPr>
+            <a:spLocks noGrp="1" noRot="1" noChangeAspect="1"/>
+          </p:cNvSpPr>
+          <p:nvPr>
+            <p:ph type="sldImg"/>
+          </p:nvPr>
+        </p:nvSpPr>
+        <p:spPr/>
+      </p:sp>
+      <p:sp>
+        <p:nvSpPr>
+          <p:cNvPr id="3" name="Notes Placeholder 2"/>
+          <p:cNvSpPr>
+            <a:spLocks noGrp="1"/>
+          </p:cNvSpPr>
+          <p:nvPr>
+            <p:ph type="body" idx="1"/>
+          </p:nvPr>
+        </p:nvSpPr>
+        <p:spPr/>
+        <p:txBody>
+          <a:bodyPr/>
+          <a:lstStyle/>
+          <a:p>
+            <a:r>
+              <a:rPr lang="en-US" dirty="0" smtClean="0"/>
+              <a:t>Ga </a:t>
+            </a:r>
+            <a:r>
+              <a:rPr lang="en-US" dirty="0" err="1" smtClean="0"/>
+              <a:t>usah</a:t>
+            </a:r>
+            <a:r>
+              <a:rPr lang="en-US" dirty="0" smtClean="0"/>
+              <a:t> </a:t>
+            </a:r>
+            <a:r>
+              <a:rPr lang="en-US" dirty="0" err="1" smtClean="0"/>
+              <a:t>sebut</a:t>
+            </a:r>
+            <a:r>
+              <a:rPr lang="en-US" dirty="0" smtClean="0"/>
+              <a:t> satu2</a:t>
+            </a:r>
+          </a:p>
+          <a:p>
+            <a:r>
+              <a:rPr lang="ja-JP" altLang="en-US" dirty="0" smtClean="0"/>
+              <a:t>次は春です．</a:t>
+            </a:r>
+            <a:endParaRPr lang="en-US" altLang="ja-JP" dirty="0" smtClean="0"/>
+          </a:p>
+          <a:p>
+            <a:r>
+              <a:rPr lang="ja-JP" altLang="en-US" baseline="0" dirty="0" smtClean="0"/>
+              <a:t>秋と同じように青色は</a:t>
+            </a:r>
+            <a:r>
+              <a:rPr lang="en-US" altLang="ja-JP" baseline="0" dirty="0" smtClean="0"/>
+              <a:t>Passenger Vehicle</a:t>
+            </a:r>
+            <a:r>
+              <a:rPr lang="ja-JP" altLang="en-US" baseline="0" dirty="0" smtClean="0"/>
+              <a:t>全体の事故原因の割合でオレンジ色は</a:t>
+            </a:r>
+            <a:r>
+              <a:rPr lang="en-US" altLang="ja-JP" baseline="0" dirty="0" smtClean="0"/>
+              <a:t>Passenger Vehicle</a:t>
+            </a:r>
+            <a:r>
+              <a:rPr lang="ja-JP" altLang="en-US" baseline="0" dirty="0" smtClean="0"/>
+              <a:t>の</a:t>
+            </a:r>
+            <a:r>
+              <a:rPr lang="en-US" altLang="ja-JP" baseline="0" dirty="0" smtClean="0"/>
+              <a:t>4</a:t>
+            </a:r>
+            <a:r>
+              <a:rPr lang="ja-JP" altLang="en-US" baseline="0" dirty="0" smtClean="0"/>
+              <a:t>月の午後３時</a:t>
+            </a:r>
+            <a:r>
+              <a:rPr lang="en-US" altLang="ja-JP" baseline="0" dirty="0" smtClean="0"/>
+              <a:t>〜</a:t>
+            </a:r>
+            <a:r>
+              <a:rPr lang="ja-JP" altLang="en-US" baseline="0" dirty="0" smtClean="0"/>
+              <a:t>６時の事故原因の割合です．</a:t>
+            </a:r>
+            <a:endParaRPr lang="en-US" altLang="ja-JP" baseline="0" dirty="0" smtClean="0"/>
+          </a:p>
+          <a:p>
+            <a:r>
+              <a:rPr lang="ja-JP" altLang="en-US" baseline="0" dirty="0" smtClean="0"/>
+              <a:t>また，この図はその割合の差を取りソートし</a:t>
+            </a:r>
+            <a:r>
+              <a:rPr lang="en-US" altLang="ja-JP" baseline="0" dirty="0" smtClean="0"/>
+              <a:t>TOP8</a:t>
+            </a:r>
+            <a:r>
+              <a:rPr lang="ja-JP" altLang="en-US" baseline="0" dirty="0" smtClean="0"/>
+              <a:t>の事故原因を表しています．</a:t>
+            </a:r>
+            <a:endParaRPr lang="en-US" altLang="ja-JP" baseline="0" dirty="0" smtClean="0"/>
+          </a:p>
+          <a:p>
+            <a:r>
+              <a:rPr lang="ja-JP" altLang="en-US" baseline="0" dirty="0" smtClean="0"/>
+              <a:t>この図を見て「疲労・眠気」の事故原因は春の時に．．．</a:t>
+            </a:r>
+            <a:r>
+              <a:rPr lang="en-US" altLang="ja-JP" baseline="0" dirty="0" smtClean="0"/>
+              <a:t/>
+            </a:r>
+            <a:br>
+              <a:rPr lang="en-US" altLang="ja-JP" baseline="0" dirty="0" smtClean="0"/>
+            </a:br>
+            <a:r>
+              <a:rPr lang="ja-JP" altLang="en-US" baseline="0" dirty="0" smtClean="0"/>
+              <a:t>この．．．原因の原因．．．：</a:t>
+            </a:r>
+            <a:r>
+              <a:rPr lang="ja-JP" altLang="en-US" baseline="0" smtClean="0"/>
+              <a:t>はサマータイム導入による睡眠時間の減少，</a:t>
+            </a:r>
+            <a:r>
+              <a:rPr lang="ja-JP" altLang="en-US" sz="1200" smtClean="0"/>
+              <a:t>花粉症用薬服薬，気温上昇</a:t>
+            </a:r>
+            <a:r>
+              <a:rPr lang="ja-JP" altLang="en-US" baseline="0" smtClean="0"/>
+              <a:t>とを</a:t>
+            </a:r>
+            <a:r>
+              <a:rPr lang="ja-JP" altLang="en-US" baseline="0" dirty="0" smtClean="0"/>
+              <a:t>考えられます．</a:t>
+            </a:r>
+            <a:endParaRPr lang="en-US" altLang="ja-JP" baseline="0" dirty="0" smtClean="0"/>
+          </a:p>
+          <a:p>
+            <a:endParaRPr lang="en-US" altLang="ja-JP" dirty="0" smtClean="0"/>
+          </a:p>
+          <a:p>
+            <a:endParaRPr lang="en-US" dirty="0"/>
+          </a:p>
+        </p:txBody>
+      </p:sp>
+      <p:sp>
+        <p:nvSpPr>
+          <p:cNvPr id="4" name="Slide Number Placeholder 3"/>
+          <p:cNvSpPr>
+            <a:spLocks noGrp="1"/>
+          </p:cNvSpPr>
+          <p:nvPr>
+            <p:ph type="sldNum" sz="quarter" idx="10"/>
+          </p:nvPr>
+        </p:nvSpPr>
+        <p:spPr/>
+        <p:txBody>
+          <a:bodyPr/>
+          <a:lstStyle/>
+          <a:p>
+            <a:fld id="{8E4C62F1-9CB6-6D4B-A553-A5709B1480ED}" type="slidenum">
+              <a:rPr lang="en-US" smtClean="0"/>
+              <a:t>4</a:t>
+            </a:fld>
+            <a:endParaRPr lang="en-US"/>
+          </a:p>
+        </p:txBody>
+      </p:sp>
+    </p:spTree>
+    <p:extLst>
+      <p:ext uri="{BB962C8B-B14F-4D97-AF65-F5344CB8AC3E}">
+        <p14:creationId xmlns:p14="http://schemas.microsoft.com/office/powerpoint/2010/main" val="1557237581"/>
+      </p:ext>
+    </p:extLst>
+  </p:cSld>
+  <p:clrMapOvr>
+    <a:masterClrMapping/>
+  </p:clrMapOvr>
+</p:notes>
+</file>
+
+<file path=ppt/notesSlides/notesSlide4.xml><?xml version="1.0" encoding="utf-8"?>
+<p:notes xmlns:a="http://schemas.openxmlformats.org/drawingml/2006/main" xmlns:r="http://schemas.openxmlformats.org/officeDocument/2006/relationships" xmlns:p="http://schemas.openxmlformats.org/presentationml/2006/main">
+  <p:cSld>
+    <p:spTree>
+      <p:nvGrpSpPr>
+        <p:cNvPr id="1" name=""/>
+        <p:cNvGrpSpPr/>
+        <p:nvPr/>
+      </p:nvGrpSpPr>
+      <p:grpSpPr>
+        <a:xfrm>
+          <a:off x="0" y="0"/>
+          <a:ext cx="0" cy="0"/>
+          <a:chOff x="0" y="0"/>
+          <a:chExt cx="0" cy="0"/>
+        </a:xfrm>
+      </p:grpSpPr>
+      <p:sp>
+        <p:nvSpPr>
+          <p:cNvPr id="2" name="Slide Image Placeholder 1"/>
+          <p:cNvSpPr>
+            <a:spLocks noGrp="1" noRot="1" noChangeAspect="1"/>
+          </p:cNvSpPr>
+          <p:nvPr>
+            <p:ph type="sldImg"/>
+          </p:nvPr>
+        </p:nvSpPr>
+        <p:spPr/>
+      </p:sp>
+      <p:sp>
+        <p:nvSpPr>
+          <p:cNvPr id="3" name="Notes Placeholder 2"/>
+          <p:cNvSpPr>
+            <a:spLocks noGrp="1"/>
+          </p:cNvSpPr>
+          <p:nvPr>
+            <p:ph type="body" idx="1"/>
+          </p:nvPr>
+        </p:nvSpPr>
+        <p:spPr/>
+        <p:txBody>
+          <a:bodyPr/>
+          <a:lstStyle/>
+          <a:p>
+            <a:pPr marL="0" marR="0" indent="0" algn="l" defTabSz="914400" rtl="0" eaLnBrk="1" fontAlgn="auto" latinLnBrk="0" hangingPunct="1">
+              <a:lnSpc>
+                <a:spcPct val="100000"/>
+              </a:lnSpc>
+              <a:spcBef>
+                <a:spcPts val="0"/>
+              </a:spcBef>
+              <a:spcAft>
+                <a:spcPts val="0"/>
+              </a:spcAft>
+              <a:buClrTx/>
+              <a:buSzTx/>
+              <a:buFontTx/>
+              <a:buNone/>
+              <a:tabLst/>
+              <a:defRPr/>
+            </a:pPr>
+            <a:r>
+              <a:rPr lang="ja-JP" altLang="en-US" sz="1200" dirty="0" smtClean="0"/>
+              <a:t>自動ブレーキ技術の開発</a:t>
+            </a:r>
+            <a:endParaRPr lang="en-US" altLang="ja-JP" sz="1200" dirty="0" smtClean="0"/>
+          </a:p>
+          <a:p>
+            <a:pPr marL="0" marR="0" indent="0" algn="l" defTabSz="914400" rtl="0" eaLnBrk="1" fontAlgn="auto" latinLnBrk="0" hangingPunct="1">
+              <a:lnSpc>
+                <a:spcPct val="100000"/>
+              </a:lnSpc>
+              <a:spcBef>
+                <a:spcPts val="0"/>
+              </a:spcBef>
+              <a:spcAft>
+                <a:spcPts val="0"/>
+              </a:spcAft>
+              <a:buClrTx/>
+              <a:buSzTx/>
+              <a:buFontTx/>
+              <a:buNone/>
+              <a:tabLst/>
+              <a:defRPr/>
+            </a:pPr>
+            <a:r>
+              <a:rPr lang="en-US" altLang="ja-JP" sz="1200" dirty="0" err="1" smtClean="0"/>
+              <a:t>benerin</a:t>
+            </a:r>
+            <a:endParaRPr lang="en-US" altLang="ja-JP" sz="1200" dirty="0" smtClean="0"/>
+          </a:p>
+          <a:p>
+            <a:endParaRPr lang="en-US" dirty="0"/>
+          </a:p>
+        </p:txBody>
+      </p:sp>
+      <p:sp>
+        <p:nvSpPr>
+          <p:cNvPr id="4" name="Slide Number Placeholder 3"/>
+          <p:cNvSpPr>
+            <a:spLocks noGrp="1"/>
+          </p:cNvSpPr>
+          <p:nvPr>
+            <p:ph type="sldNum" sz="quarter" idx="10"/>
+          </p:nvPr>
+        </p:nvSpPr>
+        <p:spPr/>
+        <p:txBody>
+          <a:bodyPr/>
+          <a:lstStyle/>
+          <a:p>
+            <a:fld id="{8E4C62F1-9CB6-6D4B-A553-A5709B1480ED}" type="slidenum">
+              <a:rPr lang="en-US" smtClean="0"/>
+              <a:t>5</a:t>
+            </a:fld>
+            <a:endParaRPr lang="en-US"/>
+          </a:p>
+        </p:txBody>
+      </p:sp>
+    </p:spTree>
+    <p:extLst>
+      <p:ext uri="{BB962C8B-B14F-4D97-AF65-F5344CB8AC3E}">
+        <p14:creationId xmlns:p14="http://schemas.microsoft.com/office/powerpoint/2010/main" val="2034415049"/>
+      </p:ext>
+    </p:extLst>
+  </p:cSld>
+  <p:clrMapOvr>
+    <a:masterClrMapping/>
+  </p:clrMapOvr>
+</p:notes>
+</file>
+
 <file path=ppt/slideLayouts/slideLayout1.xml><?xml version="1.0" encoding="utf-8"?>
 <p:sldLayout xmlns:a="http://schemas.openxmlformats.org/drawingml/2006/main" xmlns:r="http://schemas.openxmlformats.org/officeDocument/2006/relationships" xmlns:p="http://schemas.openxmlformats.org/presentationml/2006/main" type="title" preserve="1">
   <p:cSld name="Title Slide">
@@ -140,8 +3160,8 @@
         </p:nvSpPr>
         <p:spPr>
           <a:xfrm>
-            <a:off x="1524000" y="1122363"/>
-            <a:ext cx="9144000" cy="2387600"/>
+            <a:off x="685800" y="1122363"/>
+            <a:ext cx="7772400" cy="2387600"/>
           </a:xfrm>
         </p:spPr>
         <p:txBody>
@@ -156,7 +3176,7 @@
               <a:rPr lang="en-US" smtClean="0"/>
               <a:t>Click to edit Master title style</a:t>
             </a:r>
-            <a:endParaRPr lang="en-US"/>
+            <a:endParaRPr lang="en-US" dirty="0"/>
           </a:p>
         </p:txBody>
       </p:sp>
@@ -172,8 +3192,8 @@
         </p:nvSpPr>
         <p:spPr>
           <a:xfrm>
-            <a:off x="1524000" y="3602038"/>
-            <a:ext cx="9144000" cy="1655762"/>
+            <a:off x="1143000" y="3602038"/>
+            <a:ext cx="6858000" cy="1655762"/>
           </a:xfrm>
         </p:spPr>
         <p:txBody>
@@ -221,7 +3241,7 @@
               <a:rPr lang="en-US" smtClean="0"/>
               <a:t>Click to edit Master subtitle style</a:t>
             </a:r>
-            <a:endParaRPr lang="en-US"/>
+            <a:endParaRPr lang="en-US" dirty="0"/>
           </a:p>
         </p:txBody>
       </p:sp>
@@ -291,11 +3311,6 @@
         </p:txBody>
       </p:sp>
     </p:spTree>
-    <p:extLst>
-      <p:ext uri="{BB962C8B-B14F-4D97-AF65-F5344CB8AC3E}">
-        <p14:creationId xmlns:p14="http://schemas.microsoft.com/office/powerpoint/2010/main" val="1335849708"/>
-      </p:ext>
-    </p:extLst>
   </p:cSld>
   <p:clrMapOvr>
     <a:masterClrMapping/>
@@ -339,7 +3354,7 @@
               <a:rPr lang="en-US" smtClean="0"/>
               <a:t>Click to edit Master title style</a:t>
             </a:r>
-            <a:endParaRPr lang="en-US"/>
+            <a:endParaRPr lang="en-US" dirty="0"/>
           </a:p>
         </p:txBody>
       </p:sp>
@@ -391,7 +3406,7 @@
               <a:rPr lang="en-US" smtClean="0"/>
               <a:t>Fifth level</a:t>
             </a:r>
-            <a:endParaRPr lang="en-US"/>
+            <a:endParaRPr lang="en-US" dirty="0"/>
           </a:p>
         </p:txBody>
       </p:sp>
@@ -461,11 +3476,6 @@
         </p:txBody>
       </p:sp>
     </p:spTree>
-    <p:extLst>
-      <p:ext uri="{BB962C8B-B14F-4D97-AF65-F5344CB8AC3E}">
-        <p14:creationId xmlns:p14="http://schemas.microsoft.com/office/powerpoint/2010/main" val="820956949"/>
-      </p:ext>
-    </p:extLst>
   </p:cSld>
   <p:clrMapOvr>
     <a:masterClrMapping/>
@@ -502,8 +3512,8 @@
         </p:nvSpPr>
         <p:spPr>
           <a:xfrm>
-            <a:off x="8724900" y="365125"/>
-            <a:ext cx="2628900" cy="5811838"/>
+            <a:off x="6543675" y="365125"/>
+            <a:ext cx="1971675" cy="5811838"/>
           </a:xfrm>
         </p:spPr>
         <p:txBody>
@@ -514,7 +3524,7 @@
               <a:rPr lang="en-US" smtClean="0"/>
               <a:t>Click to edit Master title style</a:t>
             </a:r>
-            <a:endParaRPr lang="en-US"/>
+            <a:endParaRPr lang="en-US" dirty="0"/>
           </a:p>
         </p:txBody>
       </p:sp>
@@ -530,8 +3540,8 @@
         </p:nvSpPr>
         <p:spPr>
           <a:xfrm>
-            <a:off x="838200" y="365125"/>
-            <a:ext cx="7734300" cy="5811838"/>
+            <a:off x="628650" y="365125"/>
+            <a:ext cx="5800725" cy="5811838"/>
           </a:xfrm>
         </p:spPr>
         <p:txBody>
@@ -571,7 +3581,7 @@
               <a:rPr lang="en-US" smtClean="0"/>
               <a:t>Fifth level</a:t>
             </a:r>
-            <a:endParaRPr lang="en-US"/>
+            <a:endParaRPr lang="en-US" dirty="0"/>
           </a:p>
         </p:txBody>
       </p:sp>
@@ -641,11 +3651,6 @@
         </p:txBody>
       </p:sp>
     </p:spTree>
-    <p:extLst>
-      <p:ext uri="{BB962C8B-B14F-4D97-AF65-F5344CB8AC3E}">
-        <p14:creationId xmlns:p14="http://schemas.microsoft.com/office/powerpoint/2010/main" val="241009868"/>
-      </p:ext>
-    </p:extLst>
   </p:cSld>
   <p:clrMapOvr>
     <a:masterClrMapping/>
@@ -689,7 +3694,7 @@
               <a:rPr lang="en-US" smtClean="0"/>
               <a:t>Click to edit Master title style</a:t>
             </a:r>
-            <a:endParaRPr lang="en-US"/>
+            <a:endParaRPr lang="en-US" dirty="0"/>
           </a:p>
         </p:txBody>
       </p:sp>
@@ -741,7 +3746,7 @@
               <a:rPr lang="en-US" smtClean="0"/>
               <a:t>Fifth level</a:t>
             </a:r>
-            <a:endParaRPr lang="en-US"/>
+            <a:endParaRPr lang="en-US" dirty="0"/>
           </a:p>
         </p:txBody>
       </p:sp>
@@ -811,11 +3816,6 @@
         </p:txBody>
       </p:sp>
     </p:spTree>
-    <p:extLst>
-      <p:ext uri="{BB962C8B-B14F-4D97-AF65-F5344CB8AC3E}">
-        <p14:creationId xmlns:p14="http://schemas.microsoft.com/office/powerpoint/2010/main" val="1831996618"/>
-      </p:ext>
-    </p:extLst>
   </p:cSld>
   <p:clrMapOvr>
     <a:masterClrMapping/>
@@ -852,8 +3852,8 @@
         </p:nvSpPr>
         <p:spPr>
           <a:xfrm>
-            <a:off x="831850" y="1709738"/>
-            <a:ext cx="10515600" cy="2852737"/>
+            <a:off x="623888" y="1709739"/>
+            <a:ext cx="7886700" cy="2852737"/>
           </a:xfrm>
         </p:spPr>
         <p:txBody>
@@ -868,7 +3868,7 @@
               <a:rPr lang="en-US" smtClean="0"/>
               <a:t>Click to edit Master title style</a:t>
             </a:r>
-            <a:endParaRPr lang="en-US"/>
+            <a:endParaRPr lang="en-US" dirty="0"/>
           </a:p>
         </p:txBody>
       </p:sp>
@@ -884,8 +3884,8 @@
         </p:nvSpPr>
         <p:spPr>
           <a:xfrm>
-            <a:off x="831850" y="4589463"/>
-            <a:ext cx="10515600" cy="1500187"/>
+            <a:off x="623888" y="4589464"/>
+            <a:ext cx="7886700" cy="1500187"/>
           </a:xfrm>
         </p:spPr>
         <p:txBody>
@@ -895,9 +3895,7 @@
               <a:buNone/>
               <a:defRPr sz="2400">
                 <a:solidFill>
-                  <a:schemeClr val="tx1">
-                    <a:tint val="75000"/>
-                  </a:schemeClr>
+                  <a:schemeClr val="tx1"/>
                 </a:solidFill>
               </a:defRPr>
             </a:lvl1pPr>
@@ -1057,11 +4055,6 @@
         </p:txBody>
       </p:sp>
     </p:spTree>
-    <p:extLst>
-      <p:ext uri="{BB962C8B-B14F-4D97-AF65-F5344CB8AC3E}">
-        <p14:creationId xmlns:p14="http://schemas.microsoft.com/office/powerpoint/2010/main" val="1894111687"/>
-      </p:ext>
-    </p:extLst>
   </p:cSld>
   <p:clrMapOvr>
     <a:masterClrMapping/>
@@ -1105,7 +4098,7 @@
               <a:rPr lang="en-US" smtClean="0"/>
               <a:t>Click to edit Master title style</a:t>
             </a:r>
-            <a:endParaRPr lang="en-US"/>
+            <a:endParaRPr lang="en-US" dirty="0"/>
           </a:p>
         </p:txBody>
       </p:sp>
@@ -1121,8 +4114,8 @@
         </p:nvSpPr>
         <p:spPr>
           <a:xfrm>
-            <a:off x="838200" y="1825625"/>
-            <a:ext cx="5181600" cy="4351338"/>
+            <a:off x="628650" y="1825625"/>
+            <a:ext cx="3886200" cy="4351338"/>
           </a:xfrm>
         </p:spPr>
         <p:txBody>
@@ -1162,7 +4155,7 @@
               <a:rPr lang="en-US" smtClean="0"/>
               <a:t>Fifth level</a:t>
             </a:r>
-            <a:endParaRPr lang="en-US"/>
+            <a:endParaRPr lang="en-US" dirty="0"/>
           </a:p>
         </p:txBody>
       </p:sp>
@@ -1178,8 +4171,8 @@
         </p:nvSpPr>
         <p:spPr>
           <a:xfrm>
-            <a:off x="6172200" y="1825625"/>
-            <a:ext cx="5181600" cy="4351338"/>
+            <a:off x="4629150" y="1825625"/>
+            <a:ext cx="3886200" cy="4351338"/>
           </a:xfrm>
         </p:spPr>
         <p:txBody>
@@ -1219,7 +4212,7 @@
               <a:rPr lang="en-US" smtClean="0"/>
               <a:t>Fifth level</a:t>
             </a:r>
-            <a:endParaRPr lang="en-US"/>
+            <a:endParaRPr lang="en-US" dirty="0"/>
           </a:p>
         </p:txBody>
       </p:sp>
@@ -1289,11 +4282,6 @@
         </p:txBody>
       </p:sp>
     </p:spTree>
-    <p:extLst>
-      <p:ext uri="{BB962C8B-B14F-4D97-AF65-F5344CB8AC3E}">
-        <p14:creationId xmlns:p14="http://schemas.microsoft.com/office/powerpoint/2010/main" val="37540281"/>
-      </p:ext>
-    </p:extLst>
   </p:cSld>
   <p:clrMapOvr>
     <a:masterClrMapping/>
@@ -1330,8 +4318,8 @@
         </p:nvSpPr>
         <p:spPr>
           <a:xfrm>
-            <a:off x="839788" y="365125"/>
-            <a:ext cx="10515600" cy="1325563"/>
+            <a:off x="629841" y="365126"/>
+            <a:ext cx="7886700" cy="1325563"/>
           </a:xfrm>
         </p:spPr>
         <p:txBody>
@@ -1342,7 +4330,7 @@
               <a:rPr lang="en-US" smtClean="0"/>
               <a:t>Click to edit Master title style</a:t>
             </a:r>
-            <a:endParaRPr lang="en-US"/>
+            <a:endParaRPr lang="en-US" dirty="0"/>
           </a:p>
         </p:txBody>
       </p:sp>
@@ -1358,8 +4346,8 @@
         </p:nvSpPr>
         <p:spPr>
           <a:xfrm>
-            <a:off x="839788" y="1681163"/>
-            <a:ext cx="5157787" cy="823912"/>
+            <a:off x="629842" y="1681163"/>
+            <a:ext cx="3868340" cy="823912"/>
           </a:xfrm>
         </p:spPr>
         <p:txBody>
@@ -1423,8 +4411,8 @@
         </p:nvSpPr>
         <p:spPr>
           <a:xfrm>
-            <a:off x="839788" y="2505075"/>
-            <a:ext cx="5157787" cy="3684588"/>
+            <a:off x="629842" y="2505075"/>
+            <a:ext cx="3868340" cy="3684588"/>
           </a:xfrm>
         </p:spPr>
         <p:txBody>
@@ -1464,7 +4452,7 @@
               <a:rPr lang="en-US" smtClean="0"/>
               <a:t>Fifth level</a:t>
             </a:r>
-            <a:endParaRPr lang="en-US"/>
+            <a:endParaRPr lang="en-US" dirty="0"/>
           </a:p>
         </p:txBody>
       </p:sp>
@@ -1480,8 +4468,8 @@
         </p:nvSpPr>
         <p:spPr>
           <a:xfrm>
-            <a:off x="6172200" y="1681163"/>
-            <a:ext cx="5183188" cy="823912"/>
+            <a:off x="4629150" y="1681163"/>
+            <a:ext cx="3887391" cy="823912"/>
           </a:xfrm>
         </p:spPr>
         <p:txBody>
@@ -1545,8 +4533,8 @@
         </p:nvSpPr>
         <p:spPr>
           <a:xfrm>
-            <a:off x="6172200" y="2505075"/>
-            <a:ext cx="5183188" cy="3684588"/>
+            <a:off x="4629150" y="2505075"/>
+            <a:ext cx="3887391" cy="3684588"/>
           </a:xfrm>
         </p:spPr>
         <p:txBody>
@@ -1586,7 +4574,7 @@
               <a:rPr lang="en-US" smtClean="0"/>
               <a:t>Fifth level</a:t>
             </a:r>
-            <a:endParaRPr lang="en-US"/>
+            <a:endParaRPr lang="en-US" dirty="0"/>
           </a:p>
         </p:txBody>
       </p:sp>
@@ -1656,11 +4644,6 @@
         </p:txBody>
       </p:sp>
     </p:spTree>
-    <p:extLst>
-      <p:ext uri="{BB962C8B-B14F-4D97-AF65-F5344CB8AC3E}">
-        <p14:creationId xmlns:p14="http://schemas.microsoft.com/office/powerpoint/2010/main" val="1726794196"/>
-      </p:ext>
-    </p:extLst>
   </p:cSld>
   <p:clrMapOvr>
     <a:masterClrMapping/>
@@ -1704,7 +4687,7 @@
               <a:rPr lang="en-US" smtClean="0"/>
               <a:t>Click to edit Master title style</a:t>
             </a:r>
-            <a:endParaRPr lang="en-US"/>
+            <a:endParaRPr lang="en-US" dirty="0"/>
           </a:p>
         </p:txBody>
       </p:sp>
@@ -1774,11 +4757,6 @@
         </p:txBody>
       </p:sp>
     </p:spTree>
-    <p:extLst>
-      <p:ext uri="{BB962C8B-B14F-4D97-AF65-F5344CB8AC3E}">
-        <p14:creationId xmlns:p14="http://schemas.microsoft.com/office/powerpoint/2010/main" val="1136046614"/>
-      </p:ext>
-    </p:extLst>
   </p:cSld>
   <p:clrMapOvr>
     <a:masterClrMapping/>
@@ -1869,11 +4847,6 @@
         </p:txBody>
       </p:sp>
     </p:spTree>
-    <p:extLst>
-      <p:ext uri="{BB962C8B-B14F-4D97-AF65-F5344CB8AC3E}">
-        <p14:creationId xmlns:p14="http://schemas.microsoft.com/office/powerpoint/2010/main" val="258336021"/>
-      </p:ext>
-    </p:extLst>
   </p:cSld>
   <p:clrMapOvr>
     <a:masterClrMapping/>
@@ -1910,8 +4883,8 @@
         </p:nvSpPr>
         <p:spPr>
           <a:xfrm>
-            <a:off x="839788" y="457200"/>
-            <a:ext cx="3932237" cy="1600200"/>
+            <a:off x="629841" y="457200"/>
+            <a:ext cx="2949178" cy="1600200"/>
           </a:xfrm>
         </p:spPr>
         <p:txBody>
@@ -1926,7 +4899,7 @@
               <a:rPr lang="en-US" smtClean="0"/>
               <a:t>Click to edit Master title style</a:t>
             </a:r>
-            <a:endParaRPr lang="en-US"/>
+            <a:endParaRPr lang="en-US" dirty="0"/>
           </a:p>
         </p:txBody>
       </p:sp>
@@ -1942,8 +4915,8 @@
         </p:nvSpPr>
         <p:spPr>
           <a:xfrm>
-            <a:off x="5183188" y="987425"/>
-            <a:ext cx="6172200" cy="4873625"/>
+            <a:off x="3887391" y="987426"/>
+            <a:ext cx="4629150" cy="4873625"/>
           </a:xfrm>
         </p:spPr>
         <p:txBody>
@@ -2011,7 +4984,7 @@
               <a:rPr lang="en-US" smtClean="0"/>
               <a:t>Fifth level</a:t>
             </a:r>
-            <a:endParaRPr lang="en-US"/>
+            <a:endParaRPr lang="en-US" dirty="0"/>
           </a:p>
         </p:txBody>
       </p:sp>
@@ -2027,8 +5000,8 @@
         </p:nvSpPr>
         <p:spPr>
           <a:xfrm>
-            <a:off x="839788" y="2057400"/>
-            <a:ext cx="3932237" cy="3811588"/>
+            <a:off x="629841" y="2057400"/>
+            <a:ext cx="2949178" cy="3811588"/>
           </a:xfrm>
         </p:spPr>
         <p:txBody>
@@ -2146,11 +5119,6 @@
         </p:txBody>
       </p:sp>
     </p:spTree>
-    <p:extLst>
-      <p:ext uri="{BB962C8B-B14F-4D97-AF65-F5344CB8AC3E}">
-        <p14:creationId xmlns:p14="http://schemas.microsoft.com/office/powerpoint/2010/main" val="1789054360"/>
-      </p:ext>
-    </p:extLst>
   </p:cSld>
   <p:clrMapOvr>
     <a:masterClrMapping/>
@@ -2187,8 +5155,8 @@
         </p:nvSpPr>
         <p:spPr>
           <a:xfrm>
-            <a:off x="839788" y="457200"/>
-            <a:ext cx="3932237" cy="1600200"/>
+            <a:off x="629841" y="457200"/>
+            <a:ext cx="2949178" cy="1600200"/>
           </a:xfrm>
         </p:spPr>
         <p:txBody>
@@ -2203,7 +5171,7 @@
               <a:rPr lang="en-US" smtClean="0"/>
               <a:t>Click to edit Master title style</a:t>
             </a:r>
-            <a:endParaRPr lang="en-US"/>
+            <a:endParaRPr lang="en-US" dirty="0"/>
           </a:p>
         </p:txBody>
       </p:sp>
@@ -2211,7 +5179,7 @@
         <p:nvSpPr>
           <p:cNvPr id="3" name="Picture Placeholder 2"/>
           <p:cNvSpPr>
-            <a:spLocks noGrp="1"/>
+            <a:spLocks noGrp="1" noChangeAspect="1"/>
           </p:cNvSpPr>
           <p:nvPr>
             <p:ph type="pic" idx="1"/>
@@ -2219,12 +5187,12 @@
         </p:nvSpPr>
         <p:spPr>
           <a:xfrm>
-            <a:off x="5183188" y="987425"/>
-            <a:ext cx="6172200" cy="4873625"/>
+            <a:off x="3887391" y="987426"/>
+            <a:ext cx="4629150" cy="4873625"/>
           </a:xfrm>
         </p:spPr>
         <p:txBody>
-          <a:bodyPr/>
+          <a:bodyPr anchor="t"/>
           <a:lstStyle>
             <a:lvl1pPr marL="0" indent="0">
               <a:buNone/>
@@ -2264,7 +5232,11 @@
             </a:lvl9pPr>
           </a:lstStyle>
           <a:p>
-            <a:endParaRPr lang="en-US"/>
+            <a:r>
+              <a:rPr lang="en-US" smtClean="0"/>
+              <a:t>Drag picture to placeholder or click icon to add</a:t>
+            </a:r>
+            <a:endParaRPr lang="en-US" dirty="0"/>
           </a:p>
         </p:txBody>
       </p:sp>
@@ -2280,8 +5252,8 @@
         </p:nvSpPr>
         <p:spPr>
           <a:xfrm>
-            <a:off x="839788" y="2057400"/>
-            <a:ext cx="3932237" cy="3811588"/>
+            <a:off x="629841" y="2057400"/>
+            <a:ext cx="2949178" cy="3811588"/>
           </a:xfrm>
         </p:spPr>
         <p:txBody>
@@ -2399,11 +5371,6 @@
         </p:txBody>
       </p:sp>
     </p:spTree>
-    <p:extLst>
-      <p:ext uri="{BB962C8B-B14F-4D97-AF65-F5344CB8AC3E}">
-        <p14:creationId xmlns:p14="http://schemas.microsoft.com/office/powerpoint/2010/main" val="1718086873"/>
-      </p:ext>
-    </p:extLst>
   </p:cSld>
   <p:clrMapOvr>
     <a:masterClrMapping/>
@@ -2445,8 +5412,8 @@
         </p:nvSpPr>
         <p:spPr>
           <a:xfrm>
-            <a:off x="838200" y="365125"/>
-            <a:ext cx="10515600" cy="1325563"/>
+            <a:off x="628650" y="365126"/>
+            <a:ext cx="7886700" cy="1325563"/>
           </a:xfrm>
           <a:prstGeom prst="rect">
             <a:avLst/>
@@ -2462,7 +5429,7 @@
               <a:rPr lang="en-US" smtClean="0"/>
               <a:t>Click to edit Master title style</a:t>
             </a:r>
-            <a:endParaRPr lang="en-US"/>
+            <a:endParaRPr lang="en-US" dirty="0"/>
           </a:p>
         </p:txBody>
       </p:sp>
@@ -2478,8 +5445,8 @@
         </p:nvSpPr>
         <p:spPr>
           <a:xfrm>
-            <a:off x="838200" y="1825625"/>
-            <a:ext cx="10515600" cy="4351338"/>
+            <a:off x="628650" y="1825625"/>
+            <a:ext cx="7886700" cy="4351338"/>
           </a:xfrm>
           <a:prstGeom prst="rect">
             <a:avLst/>
@@ -2524,7 +5491,7 @@
               <a:rPr lang="en-US" smtClean="0"/>
               <a:t>Fifth level</a:t>
             </a:r>
-            <a:endParaRPr lang="en-US"/>
+            <a:endParaRPr lang="en-US" dirty="0"/>
           </a:p>
         </p:txBody>
       </p:sp>
@@ -2540,8 +5507,8 @@
         </p:nvSpPr>
         <p:spPr>
           <a:xfrm>
-            <a:off x="838200" y="6356350"/>
-            <a:ext cx="2743200" cy="365125"/>
+            <a:off x="628650" y="6356351"/>
+            <a:ext cx="2057400" cy="365125"/>
           </a:xfrm>
           <a:prstGeom prst="rect">
             <a:avLst/>
@@ -2581,8 +5548,8 @@
         </p:nvSpPr>
         <p:spPr>
           <a:xfrm>
-            <a:off x="4038600" y="6356350"/>
-            <a:ext cx="4114800" cy="365125"/>
+            <a:off x="3028950" y="6356351"/>
+            <a:ext cx="3086100" cy="365125"/>
           </a:xfrm>
           <a:prstGeom prst="rect">
             <a:avLst/>
@@ -2618,8 +5585,8 @@
         </p:nvSpPr>
         <p:spPr>
           <a:xfrm>
-            <a:off x="8610600" y="6356350"/>
-            <a:ext cx="2743200" cy="365125"/>
+            <a:off x="6457950" y="6356351"/>
+            <a:ext cx="2057400" cy="365125"/>
           </a:xfrm>
           <a:prstGeom prst="rect">
             <a:avLst/>
@@ -2650,23 +5617,23 @@
     </p:spTree>
     <p:extLst>
       <p:ext uri="{BB962C8B-B14F-4D97-AF65-F5344CB8AC3E}">
-        <p14:creationId xmlns:p14="http://schemas.microsoft.com/office/powerpoint/2010/main" val="1361758141"/>
+        <p14:creationId xmlns:p14="http://schemas.microsoft.com/office/powerpoint/2010/main" val="1557065672"/>
       </p:ext>
     </p:extLst>
   </p:cSld>
   <p:clrMap bg1="lt1" tx1="dk1" bg2="lt2" tx2="dk2" accent1="accent1" accent2="accent2" accent3="accent3" accent4="accent4" accent5="accent5" accent6="accent6" hlink="hlink" folHlink="folHlink"/>
   <p:sldLayoutIdLst>
-    <p:sldLayoutId id="2147483649" r:id="rId1"/>
-    <p:sldLayoutId id="2147483650" r:id="rId2"/>
-    <p:sldLayoutId id="2147483651" r:id="rId3"/>
-    <p:sldLayoutId id="2147483652" r:id="rId4"/>
-    <p:sldLayoutId id="2147483653" r:id="rId5"/>
-    <p:sldLayoutId id="2147483654" r:id="rId6"/>
-    <p:sldLayoutId id="2147483655" r:id="rId7"/>
-    <p:sldLayoutId id="2147483656" r:id="rId8"/>
-    <p:sldLayoutId id="2147483657" r:id="rId9"/>
-    <p:sldLayoutId id="2147483658" r:id="rId10"/>
-    <p:sldLayoutId id="2147483659" r:id="rId11"/>
+    <p:sldLayoutId id="2147483661" r:id="rId1"/>
+    <p:sldLayoutId id="2147483662" r:id="rId2"/>
+    <p:sldLayoutId id="2147483663" r:id="rId3"/>
+    <p:sldLayoutId id="2147483664" r:id="rId4"/>
+    <p:sldLayoutId id="2147483665" r:id="rId5"/>
+    <p:sldLayoutId id="2147483666" r:id="rId6"/>
+    <p:sldLayoutId id="2147483667" r:id="rId7"/>
+    <p:sldLayoutId id="2147483668" r:id="rId8"/>
+    <p:sldLayoutId id="2147483669" r:id="rId9"/>
+    <p:sldLayoutId id="2147483670" r:id="rId10"/>
+    <p:sldLayoutId id="2147483671" r:id="rId11"/>
   </p:sldLayoutIdLst>
   <p:txStyles>
     <p:titleStyle>
@@ -2696,7 +5663,7 @@
         <a:spcBef>
           <a:spcPts val="1000"/>
         </a:spcBef>
-        <a:buFont typeface="Arial"/>
+        <a:buFont typeface="Arial" panose="020B0604020202020204" pitchFamily="34" charset="0"/>
         <a:buChar char="•"/>
         <a:defRPr sz="2800" kern="1200">
           <a:solidFill>
@@ -2714,7 +5681,7 @@
         <a:spcBef>
           <a:spcPts val="500"/>
         </a:spcBef>
-        <a:buFont typeface="Arial"/>
+        <a:buFont typeface="Arial" panose="020B0604020202020204" pitchFamily="34" charset="0"/>
         <a:buChar char="•"/>
         <a:defRPr sz="2400" kern="1200">
           <a:solidFill>
@@ -2732,7 +5699,7 @@
         <a:spcBef>
           <a:spcPts val="500"/>
         </a:spcBef>
-        <a:buFont typeface="Arial"/>
+        <a:buFont typeface="Arial" panose="020B0604020202020204" pitchFamily="34" charset="0"/>
         <a:buChar char="•"/>
         <a:defRPr sz="2000" kern="1200">
           <a:solidFill>
@@ -2750,7 +5717,7 @@
         <a:spcBef>
           <a:spcPts val="500"/>
         </a:spcBef>
-        <a:buFont typeface="Arial"/>
+        <a:buFont typeface="Arial" panose="020B0604020202020204" pitchFamily="34" charset="0"/>
         <a:buChar char="•"/>
         <a:defRPr sz="1800" kern="1200">
           <a:solidFill>
@@ -2768,7 +5735,7 @@
         <a:spcBef>
           <a:spcPts val="500"/>
         </a:spcBef>
-        <a:buFont typeface="Arial"/>
+        <a:buFont typeface="Arial" panose="020B0604020202020204" pitchFamily="34" charset="0"/>
         <a:buChar char="•"/>
         <a:defRPr sz="1800" kern="1200">
           <a:solidFill>
@@ -2786,7 +5753,7 @@
         <a:spcBef>
           <a:spcPts val="500"/>
         </a:spcBef>
-        <a:buFont typeface="Arial"/>
+        <a:buFont typeface="Arial" panose="020B0604020202020204" pitchFamily="34" charset="0"/>
         <a:buChar char="•"/>
         <a:defRPr sz="1800" kern="1200">
           <a:solidFill>
@@ -2804,7 +5771,7 @@
         <a:spcBef>
           <a:spcPts val="500"/>
         </a:spcBef>
-        <a:buFont typeface="Arial"/>
+        <a:buFont typeface="Arial" panose="020B0604020202020204" pitchFamily="34" charset="0"/>
         <a:buChar char="•"/>
         <a:defRPr sz="1800" kern="1200">
           <a:solidFill>
@@ -2822,7 +5789,7 @@
         <a:spcBef>
           <a:spcPts val="500"/>
         </a:spcBef>
-        <a:buFont typeface="Arial"/>
+        <a:buFont typeface="Arial" panose="020B0604020202020204" pitchFamily="34" charset="0"/>
         <a:buChar char="•"/>
         <a:defRPr sz="1800" kern="1200">
           <a:solidFill>
@@ -2840,7 +5807,7 @@
         <a:spcBef>
           <a:spcPts val="500"/>
         </a:spcBef>
-        <a:buFont typeface="Arial"/>
+        <a:buFont typeface="Arial" panose="020B0604020202020204" pitchFamily="34" charset="0"/>
         <a:buChar char="•"/>
         <a:defRPr sz="1800" kern="1200">
           <a:solidFill>
@@ -3016,6 +5983,13 @@
   <p:clrMapOvr>
     <a:masterClrMapping/>
   </p:clrMapOvr>
+  <p:timing>
+    <p:tnLst>
+      <p:par>
+        <p:cTn id="1" dur="indefinite" restart="never" nodeType="tmRoot"/>
+      </p:par>
+    </p:tnLst>
+  </p:timing>
 </p:sld>
 </file>
 
@@ -3048,22 +6022,28 @@
         </p:nvSpPr>
         <p:spPr/>
         <p:txBody>
-          <a:bodyPr/>
-          <a:lstStyle/>
-          <a:p>
-            <a:r>
-              <a:rPr lang="ja-JP" altLang="en-US" dirty="0" smtClean="0"/>
-              <a:t>事故数の</a:t>
-            </a:r>
-            <a:r>
-              <a:rPr lang="en-US" altLang="ja-JP" dirty="0" err="1" smtClean="0"/>
+          <a:bodyPr>
+            <a:normAutofit/>
+          </a:bodyPr>
+          <a:lstStyle/>
+          <a:p>
+            <a:r>
+              <a:rPr lang="en-US" altLang="ja-JP" sz="4000" dirty="0" smtClean="0"/>
+              <a:t>PV</a:t>
+            </a:r>
+            <a:r>
+              <a:rPr lang="ja-JP" altLang="en-US" sz="4000" dirty="0" smtClean="0"/>
+              <a:t>の事故数</a:t>
+            </a:r>
+            <a:r>
+              <a:rPr lang="en-US" altLang="ja-JP" sz="4000" dirty="0" err="1" smtClean="0"/>
               <a:t>Heatmap</a:t>
             </a:r>
             <a:r>
-              <a:rPr lang="ja-JP" altLang="en-US" dirty="0" smtClean="0"/>
+              <a:rPr lang="ja-JP" altLang="en-US" sz="4000" dirty="0" smtClean="0"/>
               <a:t>：月と時間帯</a:t>
             </a:r>
-            <a:endParaRPr lang="en-US" dirty="0"/>
+            <a:endParaRPr lang="en-US" sz="4000" dirty="0"/>
           </a:p>
         </p:txBody>
       </p:sp>
@@ -3078,7 +6058,7 @@
           </p:nvPr>
         </p:nvPicPr>
         <p:blipFill>
-          <a:blip r:embed="rId2">
+          <a:blip r:embed="rId3">
             <a:extLst>
               <a:ext uri="{28A0092B-C50C-407E-A947-70E740481C1C}">
                 <a14:useLocalDpi xmlns:a14="http://schemas.microsoft.com/office/drawing/2010/main" val="0"/>
@@ -3091,7 +6071,7 @@
         </p:blipFill>
         <p:spPr>
           <a:xfrm>
-            <a:off x="1059426" y="1820784"/>
+            <a:off x="353808" y="1690689"/>
             <a:ext cx="5697400" cy="4742248"/>
           </a:xfrm>
         </p:spPr>
@@ -3104,7 +6084,7 @@
         </p:nvSpPr>
         <p:spPr>
           <a:xfrm>
-            <a:off x="3628103" y="2389239"/>
+            <a:off x="2872729" y="2296476"/>
             <a:ext cx="1371600" cy="1356851"/>
           </a:xfrm>
           <a:prstGeom prst="ellipse">
@@ -3129,7 +6109,12 @@
           </a:fontRef>
         </p:style>
         <p:txBody>
-          <a:bodyPr rtlCol="0" anchor="ctr"/>
+          <a:bodyPr rot="0" spcFirstLastPara="0" vertOverflow="overflow" horzOverflow="overflow" vert="horz" wrap="square" lIns="91440" tIns="45720" rIns="91440" bIns="45720" numCol="1" spcCol="0" rtlCol="0" fromWordArt="0" anchor="ctr" anchorCtr="0" forceAA="0" compatLnSpc="1">
+            <a:prstTxWarp prst="textNoShape">
+              <a:avLst/>
+            </a:prstTxWarp>
+            <a:noAutofit/>
+          </a:bodyPr>
           <a:lstStyle/>
           <a:p>
             <a:pPr algn="ctr"/>
@@ -3145,7 +6130,7 @@
         </p:nvSpPr>
         <p:spPr>
           <a:xfrm>
-            <a:off x="3628103" y="4314545"/>
+            <a:off x="2872729" y="4221782"/>
             <a:ext cx="1371600" cy="1356851"/>
           </a:xfrm>
           <a:prstGeom prst="ellipse">
@@ -3170,7 +6155,12 @@
           </a:fontRef>
         </p:style>
         <p:txBody>
-          <a:bodyPr rtlCol="0" anchor="ctr"/>
+          <a:bodyPr rot="0" spcFirstLastPara="0" vertOverflow="overflow" horzOverflow="overflow" vert="horz" wrap="square" lIns="91440" tIns="45720" rIns="91440" bIns="45720" numCol="1" spcCol="0" rtlCol="0" fromWordArt="0" anchor="ctr" anchorCtr="0" forceAA="0" compatLnSpc="1">
+            <a:prstTxWarp prst="textNoShape">
+              <a:avLst/>
+            </a:prstTxWarp>
+            <a:noAutofit/>
+          </a:bodyPr>
           <a:lstStyle/>
           <a:p>
             <a:pPr algn="ctr"/>
@@ -3186,11 +6176,14 @@
         </p:nvSpPr>
         <p:spPr>
           <a:xfrm>
-            <a:off x="6756826" y="2880360"/>
-            <a:ext cx="444074" cy="2468880"/>
+            <a:off x="4716379" y="2773477"/>
+            <a:ext cx="1435784" cy="2468880"/>
           </a:xfrm>
           <a:prstGeom prst="rightBrace">
-            <a:avLst/>
+            <a:avLst>
+              <a:gd name="adj1" fmla="val 8333"/>
+              <a:gd name="adj2" fmla="val 48051"/>
+            </a:avLst>
           </a:prstGeom>
         </p:spPr>
         <p:style>
@@ -3208,7 +6201,12 @@
           </a:fontRef>
         </p:style>
         <p:txBody>
-          <a:bodyPr rtlCol="0" anchor="ctr"/>
+          <a:bodyPr rot="0" spcFirstLastPara="0" vertOverflow="overflow" horzOverflow="overflow" vert="horz" wrap="square" lIns="91440" tIns="45720" rIns="91440" bIns="45720" numCol="1" spcCol="0" rtlCol="0" fromWordArt="0" anchor="ctr" anchorCtr="0" forceAA="0" compatLnSpc="1">
+            <a:prstTxWarp prst="textNoShape">
+              <a:avLst/>
+            </a:prstTxWarp>
+            <a:noAutofit/>
+          </a:bodyPr>
           <a:lstStyle/>
           <a:p>
             <a:pPr algn="ctr"/>
@@ -3224,8 +6222,8 @@
         </p:nvSpPr>
         <p:spPr>
           <a:xfrm>
-            <a:off x="7418751" y="3699301"/>
-            <a:ext cx="4498563" cy="830997"/>
+            <a:off x="6170450" y="3407753"/>
+            <a:ext cx="2973550" cy="1200329"/>
           </a:xfrm>
           <a:prstGeom prst="rect">
             <a:avLst/>
@@ -3240,10 +6238,104 @@
           <a:p>
             <a:pPr algn="ctr"/>
             <a:r>
-              <a:rPr lang="ja-JP" altLang="en-US" sz="2400" dirty="0" smtClean="0"/>
+              <a:rPr lang="ja-JP" altLang="en-US" sz="2400" dirty="0"/>
               <a:t>ピークは午後の３時から６時の秋と春に分かれている．</a:t>
             </a:r>
             <a:endParaRPr lang="en-US" sz="2400" dirty="0"/>
+          </a:p>
+        </p:txBody>
+      </p:sp>
+      <p:sp>
+        <p:nvSpPr>
+          <p:cNvPr id="11" name="TextBox 10"/>
+          <p:cNvSpPr txBox="1"/>
+          <p:nvPr/>
+        </p:nvSpPr>
+        <p:spPr>
+          <a:xfrm>
+            <a:off x="2093843" y="6347832"/>
+            <a:ext cx="1802296" cy="369332"/>
+          </a:xfrm>
+          <a:prstGeom prst="rect">
+            <a:avLst/>
+          </a:prstGeom>
+          <a:noFill/>
+        </p:spPr>
+        <p:txBody>
+          <a:bodyPr wrap="square" rtlCol="0">
+            <a:spAutoFit/>
+          </a:bodyPr>
+          <a:lstStyle/>
+          <a:p>
+            <a:r>
+              <a:rPr lang="en-US" smtClean="0"/>
+              <a:t>Time Interval</a:t>
+            </a:r>
+            <a:endParaRPr lang="en-US"/>
+          </a:p>
+        </p:txBody>
+      </p:sp>
+      <p:sp>
+        <p:nvSpPr>
+          <p:cNvPr id="12" name="TextBox 11"/>
+          <p:cNvSpPr txBox="1"/>
+          <p:nvPr/>
+        </p:nvSpPr>
+        <p:spPr>
+          <a:xfrm rot="16200000">
+            <a:off x="-648295" y="3430346"/>
+            <a:ext cx="1802296" cy="369332"/>
+          </a:xfrm>
+          <a:prstGeom prst="rect">
+            <a:avLst/>
+          </a:prstGeom>
+          <a:noFill/>
+        </p:spPr>
+        <p:txBody>
+          <a:bodyPr wrap="square" rtlCol="0">
+            <a:spAutoFit/>
+          </a:bodyPr>
+          <a:lstStyle/>
+          <a:p>
+            <a:r>
+              <a:rPr lang="en-US" dirty="0" smtClean="0"/>
+              <a:t>Month</a:t>
+            </a:r>
+            <a:endParaRPr lang="en-US" dirty="0"/>
+          </a:p>
+        </p:txBody>
+      </p:sp>
+      <p:sp>
+        <p:nvSpPr>
+          <p:cNvPr id="13" name="TextBox 12"/>
+          <p:cNvSpPr txBox="1"/>
+          <p:nvPr/>
+        </p:nvSpPr>
+        <p:spPr>
+          <a:xfrm>
+            <a:off x="5269302" y="5652981"/>
+            <a:ext cx="1802296" cy="369332"/>
+          </a:xfrm>
+          <a:prstGeom prst="rect">
+            <a:avLst/>
+          </a:prstGeom>
+          <a:noFill/>
+        </p:spPr>
+        <p:txBody>
+          <a:bodyPr wrap="square" rtlCol="0">
+            <a:spAutoFit/>
+          </a:bodyPr>
+          <a:lstStyle/>
+          <a:p>
+            <a:r>
+              <a:rPr lang="en-US" dirty="0" smtClean="0"/>
+              <a:t># </a:t>
+            </a:r>
+            <a:r>
+              <a:rPr lang="en-US" smtClean="0"/>
+              <a:t>of accidents</a:t>
+            </a:r>
+            <a:endParaRPr lang="en-US" dirty="0"/>
           </a:p>
         </p:txBody>
       </p:sp>
@@ -3257,6 +6349,13 @@
   <p:clrMapOvr>
     <a:masterClrMapping/>
   </p:clrMapOvr>
+  <p:timing>
+    <p:tnLst>
+      <p:par>
+        <p:cTn id="1" dur="indefinite" restart="never" nodeType="tmRoot"/>
+      </p:par>
+    </p:tnLst>
+  </p:timing>
 </p:sld>
 </file>
 
@@ -3300,35 +6399,6 @@
           </a:p>
         </p:txBody>
       </p:sp>
-      <p:pic>
-        <p:nvPicPr>
-          <p:cNvPr id="4" name="Content Placeholder 3"/>
-          <p:cNvPicPr>
-            <a:picLocks noGrp="1" noChangeAspect="1"/>
-          </p:cNvPicPr>
-          <p:nvPr>
-            <p:ph idx="1"/>
-          </p:nvPr>
-        </p:nvPicPr>
-        <p:blipFill>
-          <a:blip r:embed="rId2">
-            <a:extLst>
-              <a:ext uri="{28A0092B-C50C-407E-A947-70E740481C1C}">
-                <a14:useLocalDpi xmlns:a14="http://schemas.microsoft.com/office/drawing/2010/main" val="0"/>
-              </a:ext>
-            </a:extLst>
-          </a:blip>
-          <a:stretch>
-            <a:fillRect/>
-          </a:stretch>
-        </p:blipFill>
-        <p:spPr>
-          <a:xfrm>
-            <a:off x="1878904" y="1482199"/>
-            <a:ext cx="8434191" cy="2335622"/>
-          </a:xfrm>
-        </p:spPr>
-      </p:pic>
       <p:sp>
         <p:nvSpPr>
           <p:cNvPr id="6" name="TextBox 5"/>
@@ -3337,7 +6407,7 @@
         </p:nvSpPr>
         <p:spPr>
           <a:xfrm>
-            <a:off x="1878904" y="4334730"/>
+            <a:off x="354905" y="5281211"/>
             <a:ext cx="8434191" cy="1569660"/>
           </a:xfrm>
           <a:prstGeom prst="rect">
@@ -3352,38 +6422,41 @@
           <a:lstStyle/>
           <a:p>
             <a:r>
-              <a:rPr lang="en-US" sz="2400" dirty="0" smtClean="0"/>
-              <a:t>Reasoning for these contributing factors:</a:t>
-            </a:r>
-          </a:p>
-          <a:p>
-            <a:pPr marL="285750" indent="-285750">
-              <a:buFontTx/>
-              <a:buChar char="-"/>
+              <a:rPr lang="ja-JP" altLang="en-US" sz="2400" dirty="0" smtClean="0"/>
+              <a:t>考えられる原因</a:t>
+            </a:r>
+            <a:endParaRPr lang="en-US" sz="2400" dirty="0"/>
+          </a:p>
+          <a:p>
+            <a:pPr marL="342900" indent="-342900">
+              <a:buFont typeface="Arial" charset="0"/>
+              <a:buChar char="•"/>
             </a:pPr>
             <a:r>
-              <a:rPr lang="en-US" sz="2400" dirty="0" smtClean="0"/>
-              <a:t>Days getting shorter means more darkness</a:t>
-            </a:r>
-          </a:p>
-          <a:p>
-            <a:pPr marL="285750" indent="-285750">
-              <a:buFontTx/>
-              <a:buChar char="-"/>
+              <a:rPr lang="ja-JP" altLang="en-US" sz="2400" dirty="0" smtClean="0"/>
+              <a:t>秋の到来とともに日照時間の減少</a:t>
+            </a:r>
+            <a:endParaRPr lang="en-US" altLang="ja-JP" sz="2400" dirty="0" smtClean="0"/>
+          </a:p>
+          <a:p>
+            <a:pPr marL="342900" indent="-342900">
+              <a:buFont typeface="Arial" charset="0"/>
+              <a:buChar char="•"/>
             </a:pPr>
             <a:r>
-              <a:rPr lang="en-US" sz="2400" dirty="0" smtClean="0"/>
-              <a:t>School zones reset speed limit</a:t>
-            </a:r>
-          </a:p>
-          <a:p>
-            <a:pPr marL="285750" indent="-285750">
-              <a:buFontTx/>
-              <a:buChar char="-"/>
+              <a:rPr lang="ja-JP" altLang="en-US" sz="2400" dirty="0" smtClean="0"/>
+              <a:t>学校周辺における速度制限の厳密化</a:t>
+            </a:r>
+            <a:endParaRPr lang="en-US" altLang="ja-JP" sz="2400" dirty="0" smtClean="0"/>
+          </a:p>
+          <a:p>
+            <a:pPr marL="342900" indent="-342900">
+              <a:buFont typeface="Arial" charset="0"/>
+              <a:buChar char="•"/>
             </a:pPr>
             <a:r>
-              <a:rPr lang="en-US" sz="2400" dirty="0" smtClean="0"/>
-              <a:t>New Teen Drivers are on the streets</a:t>
+              <a:rPr lang="ja-JP" altLang="en-US" sz="2400" dirty="0" smtClean="0"/>
+              <a:t>若者世代の免許所得数増加</a:t>
             </a:r>
             <a:endParaRPr lang="en-US" sz="2400" dirty="0"/>
           </a:p>
@@ -3411,7 +6484,7 @@
         </p:blipFill>
         <p:spPr>
           <a:xfrm>
-            <a:off x="8528858" y="4225263"/>
+            <a:off x="6169971" y="4504749"/>
             <a:ext cx="2824942" cy="2256309"/>
           </a:xfrm>
           <a:prstGeom prst="rect">
@@ -3419,6 +6492,77 @@
           </a:prstGeom>
         </p:spPr>
       </p:pic>
+      <p:graphicFrame>
+        <p:nvGraphicFramePr>
+          <p:cNvPr id="11" name="Content Placeholder 10"/>
+          <p:cNvGraphicFramePr>
+            <a:graphicFrameLocks noGrp="1"/>
+          </p:cNvGraphicFramePr>
+          <p:nvPr>
+            <p:ph idx="1"/>
+            <p:extLst>
+              <p:ext uri="{D42A27DB-BD31-4B8C-83A1-F6EECF244321}">
+                <p14:modId xmlns:p14="http://schemas.microsoft.com/office/powerpoint/2010/main" val="1196361998"/>
+              </p:ext>
+            </p:extLst>
+          </p:nvPr>
+        </p:nvGraphicFramePr>
+        <p:xfrm>
+          <a:off x="422833" y="1232068"/>
+          <a:ext cx="7373630" cy="4174121"/>
+        </p:xfrm>
+        <a:graphic>
+          <a:graphicData uri="http://schemas.openxmlformats.org/drawingml/2006/chart">
+            <c:chart xmlns:c="http://schemas.openxmlformats.org/drawingml/2006/chart" xmlns:r="http://schemas.openxmlformats.org/officeDocument/2006/relationships" r:id="rId4"/>
+          </a:graphicData>
+        </a:graphic>
+      </p:graphicFrame>
+      <p:sp>
+        <p:nvSpPr>
+          <p:cNvPr id="12" name="Oval 11"/>
+          <p:cNvSpPr/>
+          <p:nvPr/>
+        </p:nvSpPr>
+        <p:spPr>
+          <a:xfrm rot="19187634">
+            <a:off x="28252" y="3451518"/>
+            <a:ext cx="2133600" cy="609600"/>
+          </a:xfrm>
+          <a:prstGeom prst="ellipse">
+            <a:avLst/>
+          </a:prstGeom>
+          <a:noFill/>
+          <a:ln>
+            <a:solidFill>
+              <a:srgbClr val="FF0000"/>
+            </a:solidFill>
+          </a:ln>
+        </p:spPr>
+        <p:style>
+          <a:lnRef idx="2">
+            <a:schemeClr val="accent1">
+              <a:shade val="50000"/>
+            </a:schemeClr>
+          </a:lnRef>
+          <a:fillRef idx="1">
+            <a:schemeClr val="accent1"/>
+          </a:fillRef>
+          <a:effectRef idx="0">
+            <a:schemeClr val="accent1"/>
+          </a:effectRef>
+          <a:fontRef idx="minor">
+            <a:schemeClr val="lt1"/>
+          </a:fontRef>
+        </p:style>
+        <p:txBody>
+          <a:bodyPr rtlCol="0" anchor="ctr"/>
+          <a:lstStyle/>
+          <a:p>
+            <a:pPr algn="ctr"/>
+            <a:endParaRPr lang="en-US"/>
+          </a:p>
+        </p:txBody>
+      </p:sp>
     </p:spTree>
     <p:extLst>
       <p:ext uri="{BB962C8B-B14F-4D97-AF65-F5344CB8AC3E}">
@@ -3429,6 +6573,13 @@
   <p:clrMapOvr>
     <a:masterClrMapping/>
   </p:clrMapOvr>
+  <p:timing>
+    <p:tnLst>
+      <p:par>
+        <p:cTn id="1" dur="indefinite" restart="never" nodeType="tmRoot"/>
+      </p:par>
+    </p:tnLst>
+  </p:timing>
 </p:sld>
 </file>
 
@@ -3472,35 +6623,6 @@
           </a:p>
         </p:txBody>
       </p:sp>
-      <p:pic>
-        <p:nvPicPr>
-          <p:cNvPr id="4" name="Content Placeholder 3"/>
-          <p:cNvPicPr>
-            <a:picLocks noGrp="1" noChangeAspect="1"/>
-          </p:cNvPicPr>
-          <p:nvPr>
-            <p:ph idx="1"/>
-          </p:nvPr>
-        </p:nvPicPr>
-        <p:blipFill>
-          <a:blip r:embed="rId2">
-            <a:extLst>
-              <a:ext uri="{28A0092B-C50C-407E-A947-70E740481C1C}">
-                <a14:useLocalDpi xmlns:a14="http://schemas.microsoft.com/office/drawing/2010/main" val="0"/>
-              </a:ext>
-            </a:extLst>
-          </a:blip>
-          <a:stretch>
-            <a:fillRect/>
-          </a:stretch>
-        </p:blipFill>
-        <p:spPr>
-          <a:xfrm>
-            <a:off x="1889159" y="1461767"/>
-            <a:ext cx="8123867" cy="2379867"/>
-          </a:xfrm>
-        </p:spPr>
-      </p:pic>
       <p:sp>
         <p:nvSpPr>
           <p:cNvPr id="5" name="TextBox 4"/>
@@ -3509,8 +6631,8 @@
         </p:nvSpPr>
         <p:spPr>
           <a:xfrm>
-            <a:off x="1878903" y="4366259"/>
-            <a:ext cx="6234319" cy="1200329"/>
+            <a:off x="354904" y="5152320"/>
+            <a:ext cx="6234319" cy="1938992"/>
           </a:xfrm>
           <a:prstGeom prst="rect">
             <a:avLst/>
@@ -3524,20 +6646,46 @@
           <a:lstStyle/>
           <a:p>
             <a:r>
-              <a:rPr lang="en-US" sz="2400" dirty="0" smtClean="0"/>
-              <a:t>Reasoning for these contributing factors:</a:t>
-            </a:r>
-            <a:endParaRPr lang="en-US" sz="2400" dirty="0" smtClean="0"/>
-          </a:p>
-          <a:p>
-            <a:pPr marL="285750" indent="-285750">
-              <a:buFontTx/>
-              <a:buChar char="-"/>
+              <a:rPr lang="ja-JP" altLang="en-US" sz="2400" dirty="0" smtClean="0"/>
+              <a:t>考えられる原因</a:t>
+            </a:r>
+            <a:endParaRPr lang="en-US" altLang="ja-JP" sz="2400" dirty="0" smtClean="0"/>
+          </a:p>
+          <a:p>
+            <a:pPr marL="342900" indent="-342900">
+              <a:buFont typeface="Arial" charset="0"/>
+              <a:buChar char="•"/>
             </a:pPr>
             <a:r>
-              <a:rPr lang="en-US" sz="2400" dirty="0" smtClean="0"/>
-              <a:t>Daylight savings time links to sleep problems and drowsy driving accidents</a:t>
-            </a:r>
+              <a:rPr lang="ja-JP" altLang="en-US" sz="2400" dirty="0" smtClean="0"/>
+              <a:t>サマータイム導入による睡眠時間の減少</a:t>
+            </a:r>
+            <a:endParaRPr lang="en-US" altLang="ja-JP" sz="2400" dirty="0" smtClean="0"/>
+          </a:p>
+          <a:p>
+            <a:pPr marL="342900" indent="-342900">
+              <a:buFont typeface="Arial" charset="0"/>
+              <a:buChar char="•"/>
+            </a:pPr>
+            <a:r>
+              <a:rPr lang="ja-JP" altLang="en-US" sz="2400" dirty="0" smtClean="0"/>
+              <a:t>花粉症用薬服薬、気温上昇による眠気</a:t>
+            </a:r>
+            <a:endParaRPr lang="en-US" altLang="ja-JP" sz="2400" dirty="0" smtClean="0"/>
+          </a:p>
+          <a:p>
+            <a:pPr marL="342900" indent="-342900">
+              <a:buFont typeface="Arial" charset="0"/>
+              <a:buChar char="•"/>
+            </a:pPr>
+            <a:endParaRPr lang="en-US" altLang="ja-JP" sz="2400" dirty="0" smtClean="0"/>
+          </a:p>
+          <a:p>
+            <a:pPr marL="342900" indent="-342900">
+              <a:buFont typeface="Arial" charset="0"/>
+              <a:buChar char="•"/>
+            </a:pPr>
+            <a:endParaRPr lang="en-US" sz="2400" dirty="0"/>
           </a:p>
         </p:txBody>
       </p:sp>
@@ -3563,7 +6711,7 @@
         </p:blipFill>
         <p:spPr>
           <a:xfrm>
-            <a:off x="8805256" y="3989486"/>
+            <a:off x="6589223" y="4055747"/>
             <a:ext cx="2415540" cy="2415540"/>
           </a:xfrm>
           <a:prstGeom prst="rect">
@@ -3571,6 +6719,77 @@
           </a:prstGeom>
         </p:spPr>
       </p:pic>
+      <p:graphicFrame>
+        <p:nvGraphicFramePr>
+          <p:cNvPr id="10" name="Content Placeholder 9"/>
+          <p:cNvGraphicFramePr>
+            <a:graphicFrameLocks noGrp="1"/>
+          </p:cNvGraphicFramePr>
+          <p:nvPr>
+            <p:ph idx="1"/>
+            <p:extLst>
+              <p:ext uri="{D42A27DB-BD31-4B8C-83A1-F6EECF244321}">
+                <p14:modId xmlns:p14="http://schemas.microsoft.com/office/powerpoint/2010/main" val="366713525"/>
+              </p:ext>
+            </p:extLst>
+          </p:nvPr>
+        </p:nvGraphicFramePr>
+        <p:xfrm>
+          <a:off x="628650" y="1225007"/>
+          <a:ext cx="7007392" cy="3917449"/>
+        </p:xfrm>
+        <a:graphic>
+          <a:graphicData uri="http://schemas.openxmlformats.org/drawingml/2006/chart">
+            <c:chart xmlns:c="http://schemas.openxmlformats.org/drawingml/2006/chart" xmlns:r="http://schemas.openxmlformats.org/officeDocument/2006/relationships" r:id="rId4"/>
+          </a:graphicData>
+        </a:graphic>
+      </p:graphicFrame>
+      <p:sp>
+        <p:nvSpPr>
+          <p:cNvPr id="11" name="Oval 10"/>
+          <p:cNvSpPr/>
+          <p:nvPr/>
+        </p:nvSpPr>
+        <p:spPr>
+          <a:xfrm rot="19187634">
+            <a:off x="236798" y="3451518"/>
+            <a:ext cx="2133600" cy="609600"/>
+          </a:xfrm>
+          <a:prstGeom prst="ellipse">
+            <a:avLst/>
+          </a:prstGeom>
+          <a:noFill/>
+          <a:ln>
+            <a:solidFill>
+              <a:srgbClr val="FF0000"/>
+            </a:solidFill>
+          </a:ln>
+        </p:spPr>
+        <p:style>
+          <a:lnRef idx="2">
+            <a:schemeClr val="accent1">
+              <a:shade val="50000"/>
+            </a:schemeClr>
+          </a:lnRef>
+          <a:fillRef idx="1">
+            <a:schemeClr val="accent1"/>
+          </a:fillRef>
+          <a:effectRef idx="0">
+            <a:schemeClr val="accent1"/>
+          </a:effectRef>
+          <a:fontRef idx="minor">
+            <a:schemeClr val="lt1"/>
+          </a:fontRef>
+        </p:style>
+        <p:txBody>
+          <a:bodyPr rtlCol="0" anchor="ctr"/>
+          <a:lstStyle/>
+          <a:p>
+            <a:pPr algn="ctr"/>
+            <a:endParaRPr lang="en-US"/>
+          </a:p>
+        </p:txBody>
+      </p:sp>
     </p:spTree>
     <p:extLst>
       <p:ext uri="{BB962C8B-B14F-4D97-AF65-F5344CB8AC3E}">
@@ -3581,6 +6800,13 @@
   <p:clrMapOvr>
     <a:masterClrMapping/>
   </p:clrMapOvr>
+  <p:timing>
+    <p:tnLst>
+      <p:par>
+        <p:cTn id="1" dur="indefinite" restart="never" nodeType="tmRoot"/>
+      </p:par>
+    </p:tnLst>
+  </p:timing>
 </p:sld>
 </file>
 
@@ -3603,7 +6829,7 @@
       </p:grpSpPr>
       <p:sp>
         <p:nvSpPr>
-          <p:cNvPr id="2" name="Title 1"/>
+          <p:cNvPr id="7" name="Title 6"/>
           <p:cNvSpPr>
             <a:spLocks noGrp="1"/>
           </p:cNvSpPr>
@@ -3617,46 +6843,418 @@
           <a:lstStyle/>
           <a:p>
             <a:r>
+              <a:rPr lang="ja-JP" altLang="en-US" dirty="0"/>
+              <a:t>改善する提案</a:t>
+            </a:r>
+            <a:endParaRPr lang="en-US" dirty="0"/>
+          </a:p>
+        </p:txBody>
+      </p:sp>
+      <p:sp>
+        <p:nvSpPr>
+          <p:cNvPr id="8" name="Content Placeholder 7"/>
+          <p:cNvSpPr>
+            <a:spLocks noGrp="1"/>
+          </p:cNvSpPr>
+          <p:nvPr>
+            <p:ph idx="1"/>
+          </p:nvPr>
+        </p:nvSpPr>
+        <p:spPr/>
+        <p:txBody>
+          <a:bodyPr>
+            <a:normAutofit lnSpcReduction="10000"/>
+          </a:bodyPr>
+          <a:lstStyle/>
+          <a:p>
+            <a:pPr marL="0" indent="0">
+              <a:buNone/>
+            </a:pPr>
+            <a:r>
+              <a:rPr lang="ja-JP" altLang="en-US" sz="2400" b="1" dirty="0" smtClean="0"/>
+              <a:t>秋</a:t>
+            </a:r>
+            <a:r>
+              <a:rPr lang="en-US" altLang="ja-JP" sz="2400" dirty="0" smtClean="0"/>
+              <a:t> (Following too closely)</a:t>
+            </a:r>
+          </a:p>
+          <a:p>
+            <a:r>
+              <a:rPr lang="ja-JP" altLang="en-US" sz="2400" dirty="0" smtClean="0"/>
+              <a:t>「</a:t>
+            </a:r>
+            <a:r>
+              <a:rPr lang="en-US" sz="2400" dirty="0"/>
+              <a:t>Keep distance</a:t>
+            </a:r>
+            <a:r>
+              <a:rPr lang="ja-JP" altLang="en-US" sz="2400" dirty="0"/>
+              <a:t>」の標識</a:t>
+            </a:r>
+            <a:endParaRPr lang="en-US" sz="2400" dirty="0"/>
+          </a:p>
+          <a:p>
+            <a:r>
+              <a:rPr lang="ja-JP" altLang="en-US" sz="2400" dirty="0"/>
+              <a:t>標識の</a:t>
+            </a:r>
+            <a:r>
+              <a:rPr lang="ja-JP" altLang="en-US" sz="2400" dirty="0" smtClean="0"/>
+              <a:t>ライトアップ</a:t>
+            </a:r>
+            <a:endParaRPr lang="en-US" altLang="ja-JP" sz="2400" dirty="0" smtClean="0"/>
+          </a:p>
+          <a:p>
+            <a:r>
+              <a:rPr lang="ja-JP" altLang="en-US" sz="2400" dirty="0" smtClean="0"/>
+              <a:t>４時以降ライトの点灯の義務化</a:t>
+            </a:r>
+            <a:endParaRPr lang="en-US" altLang="ja-JP" sz="2400" dirty="0" smtClean="0"/>
+          </a:p>
+          <a:p>
+            <a:endParaRPr lang="en-US" sz="2400" dirty="0" smtClean="0"/>
+          </a:p>
+          <a:p>
+            <a:pPr marL="0" indent="0">
+              <a:buNone/>
+            </a:pPr>
+            <a:r>
+              <a:rPr lang="ja-JP" altLang="en-US" sz="2400" b="1" dirty="0" smtClean="0"/>
+              <a:t>春</a:t>
+            </a:r>
+            <a:r>
+              <a:rPr lang="en-US" altLang="ja-JP" sz="2400" b="1" dirty="0" smtClean="0"/>
+              <a:t> </a:t>
+            </a:r>
+            <a:r>
+              <a:rPr lang="en-US" altLang="ja-JP" sz="2400" dirty="0" smtClean="0"/>
+              <a:t>(Fatigued/Drowsy)</a:t>
+            </a:r>
+            <a:endParaRPr lang="en-US" sz="2400" dirty="0"/>
+          </a:p>
+          <a:p>
+            <a:r>
+              <a:rPr lang="ja-JP" altLang="en-US" sz="2400" dirty="0"/>
+              <a:t>一人運転を控えること</a:t>
+            </a:r>
+            <a:endParaRPr lang="en-US" altLang="ja-JP" sz="2400" dirty="0"/>
+          </a:p>
+          <a:p>
+            <a:r>
+              <a:rPr lang="ja-JP" altLang="en-US" sz="2400" dirty="0"/>
+              <a:t>一時的にハンプをつけること</a:t>
+            </a:r>
+            <a:endParaRPr lang="en-US" altLang="ja-JP" sz="2400" dirty="0"/>
+          </a:p>
+          <a:p>
+            <a:r>
+              <a:rPr lang="ja-JP" altLang="en-US" sz="2400" dirty="0"/>
+              <a:t>カーナビからの注意</a:t>
+            </a:r>
+            <a:r>
+              <a:rPr lang="ja-JP" altLang="en-US" sz="2400" dirty="0" smtClean="0"/>
+              <a:t>音声</a:t>
+            </a:r>
+            <a:endParaRPr lang="en-US" altLang="ja-JP" sz="2400" dirty="0" smtClean="0"/>
+          </a:p>
+          <a:p>
+            <a:r>
+              <a:rPr lang="ja-JP" altLang="en-US" sz="2400" dirty="0" smtClean="0"/>
+              <a:t>ガムとコーヒーの消費</a:t>
+            </a:r>
+            <a:endParaRPr lang="en-US" sz="2400" dirty="0"/>
+          </a:p>
+          <a:p>
+            <a:endParaRPr lang="en-US" sz="2400" dirty="0"/>
+          </a:p>
+          <a:p>
+            <a:endParaRPr lang="en-US" dirty="0"/>
+          </a:p>
+        </p:txBody>
+      </p:sp>
+      <p:sp>
+        <p:nvSpPr>
+          <p:cNvPr id="9" name="TextBox 8"/>
+          <p:cNvSpPr txBox="1"/>
+          <p:nvPr/>
+        </p:nvSpPr>
+        <p:spPr>
+          <a:xfrm>
+            <a:off x="7332569" y="1367523"/>
+            <a:ext cx="2027583" cy="646331"/>
+          </a:xfrm>
+          <a:prstGeom prst="rect">
+            <a:avLst/>
+          </a:prstGeom>
+          <a:noFill/>
+        </p:spPr>
+        <p:txBody>
+          <a:bodyPr wrap="square" rtlCol="0">
+            <a:spAutoFit/>
+          </a:bodyPr>
+          <a:lstStyle/>
+          <a:p>
+            <a:r>
               <a:rPr lang="ja-JP" altLang="en-US" dirty="0" smtClean="0"/>
-              <a:t>改善する提案</a:t>
+              <a:t>１時間ごとの</a:t>
+            </a:r>
+            <a:r>
+              <a:rPr lang="en-US" altLang="ja-JP" dirty="0" err="1" smtClean="0"/>
+              <a:t>heatmap</a:t>
+            </a:r>
+            <a:r>
+              <a:rPr lang="ja-JP" altLang="en-US" dirty="0" smtClean="0"/>
+              <a:t>が必要</a:t>
             </a:r>
             <a:endParaRPr lang="en-US" dirty="0"/>
           </a:p>
         </p:txBody>
       </p:sp>
-      <p:sp>
-        <p:nvSpPr>
-          <p:cNvPr id="3" name="Content Placeholder 2"/>
-          <p:cNvSpPr>
-            <a:spLocks noGrp="1"/>
-          </p:cNvSpPr>
-          <p:nvPr>
-            <p:ph idx="1"/>
-          </p:nvPr>
-        </p:nvSpPr>
-        <p:spPr/>
-        <p:txBody>
-          <a:bodyPr/>
-          <a:lstStyle/>
-          <a:p>
-            <a:r>
-              <a:rPr lang="en-US" dirty="0" smtClean="0"/>
-              <a:t>Automatic Braking System</a:t>
-            </a:r>
-          </a:p>
-          <a:p>
-            <a:r>
-              <a:rPr lang="en-US" dirty="0" smtClean="0"/>
-              <a:t>Keep distance sign</a:t>
-            </a:r>
-            <a:endParaRPr lang="en-US" dirty="0"/>
-          </a:p>
-        </p:txBody>
-      </p:sp>
+      <p:pic>
+        <p:nvPicPr>
+          <p:cNvPr id="10" name="Picture 9"/>
+          <p:cNvPicPr>
+            <a:picLocks noChangeAspect="1"/>
+          </p:cNvPicPr>
+          <p:nvPr/>
+        </p:nvPicPr>
+        <p:blipFill>
+          <a:blip r:embed="rId3">
+            <a:extLst>
+              <a:ext uri="{28A0092B-C50C-407E-A947-70E740481C1C}">
+                <a14:useLocalDpi xmlns:a14="http://schemas.microsoft.com/office/drawing/2010/main" val="0"/>
+              </a:ext>
+            </a:extLst>
+          </a:blip>
+          <a:stretch>
+            <a:fillRect/>
+          </a:stretch>
+        </p:blipFill>
+        <p:spPr>
+          <a:xfrm>
+            <a:off x="6149788" y="4241428"/>
+            <a:ext cx="2365562" cy="1774172"/>
+          </a:xfrm>
+          <a:prstGeom prst="rect">
+            <a:avLst/>
+          </a:prstGeom>
+        </p:spPr>
+      </p:pic>
     </p:spTree>
     <p:extLst>
       <p:ext uri="{BB962C8B-B14F-4D97-AF65-F5344CB8AC3E}">
-        <p14:creationId xmlns:p14="http://schemas.microsoft.com/office/powerpoint/2010/main" val="215840272"/>
+        <p14:creationId xmlns:p14="http://schemas.microsoft.com/office/powerpoint/2010/main" val="421706196"/>
+      </p:ext>
+    </p:extLst>
+  </p:cSld>
+  <p:clrMapOvr>
+    <a:masterClrMapping/>
+  </p:clrMapOvr>
+  <p:timing>
+    <p:tnLst>
+      <p:par>
+        <p:cTn id="1" dur="indefinite" restart="never" nodeType="tmRoot"/>
+      </p:par>
+    </p:tnLst>
+  </p:timing>
+</p:sld>
+</file>
+
+<file path=ppt/slides/slide6.xml><?xml version="1.0" encoding="utf-8"?>
+<p:sld xmlns:a="http://schemas.openxmlformats.org/drawingml/2006/main" xmlns:r="http://schemas.openxmlformats.org/officeDocument/2006/relationships" xmlns:p="http://schemas.openxmlformats.org/presentationml/2006/main">
+  <p:cSld>
+    <p:spTree>
+      <p:nvGrpSpPr>
+        <p:cNvPr id="1" name=""/>
+        <p:cNvGrpSpPr/>
+        <p:nvPr/>
+      </p:nvGrpSpPr>
+      <p:grpSpPr>
+        <a:xfrm>
+          <a:off x="0" y="0"/>
+          <a:ext cx="0" cy="0"/>
+          <a:chOff x="0" y="0"/>
+          <a:chExt cx="0" cy="0"/>
+        </a:xfrm>
+      </p:grpSpPr>
+      <p:sp>
+        <p:nvSpPr>
+          <p:cNvPr id="2" name="Title 1"/>
+          <p:cNvSpPr>
+            <a:spLocks noGrp="1"/>
+          </p:cNvSpPr>
+          <p:nvPr>
+            <p:ph type="title"/>
+          </p:nvPr>
+        </p:nvSpPr>
+        <p:spPr/>
+        <p:txBody>
+          <a:bodyPr/>
+          <a:lstStyle/>
+          <a:p>
+            <a:endParaRPr lang="en-US"/>
+          </a:p>
+        </p:txBody>
+      </p:sp>
+      <p:sp>
+        <p:nvSpPr>
+          <p:cNvPr id="3" name="Content Placeholder 2"/>
+          <p:cNvSpPr>
+            <a:spLocks noGrp="1"/>
+          </p:cNvSpPr>
+          <p:nvPr>
+            <p:ph idx="1"/>
+          </p:nvPr>
+        </p:nvSpPr>
+        <p:spPr/>
+        <p:txBody>
+          <a:bodyPr/>
+          <a:lstStyle/>
+          <a:p>
+            <a:endParaRPr lang="en-US"/>
+          </a:p>
+        </p:txBody>
+      </p:sp>
+      <p:pic>
+        <p:nvPicPr>
+          <p:cNvPr id="4" name="Content Placeholder 8"/>
+          <p:cNvPicPr>
+            <a:picLocks noChangeAspect="1"/>
+          </p:cNvPicPr>
+          <p:nvPr/>
+        </p:nvPicPr>
+        <p:blipFill>
+          <a:blip r:embed="rId2">
+            <a:extLst>
+              <a:ext uri="{28A0092B-C50C-407E-A947-70E740481C1C}">
+                <a14:useLocalDpi xmlns:a14="http://schemas.microsoft.com/office/drawing/2010/main" val="0"/>
+              </a:ext>
+            </a:extLst>
+          </a:blip>
+          <a:stretch>
+            <a:fillRect/>
+          </a:stretch>
+        </p:blipFill>
+        <p:spPr>
+          <a:xfrm>
+            <a:off x="122435" y="1690689"/>
+            <a:ext cx="9021565" cy="1872828"/>
+          </a:xfrm>
+          <a:prstGeom prst="rect">
+            <a:avLst/>
+          </a:prstGeom>
+        </p:spPr>
+      </p:pic>
+    </p:spTree>
+    <p:extLst>
+      <p:ext uri="{BB962C8B-B14F-4D97-AF65-F5344CB8AC3E}">
+        <p14:creationId xmlns:p14="http://schemas.microsoft.com/office/powerpoint/2010/main" val="517213292"/>
+      </p:ext>
+    </p:extLst>
+  </p:cSld>
+  <p:clrMapOvr>
+    <a:masterClrMapping/>
+  </p:clrMapOvr>
+  <p:timing>
+    <p:tnLst>
+      <p:par>
+        <p:cTn id="1" dur="indefinite" restart="never" nodeType="tmRoot"/>
+      </p:par>
+    </p:tnLst>
+  </p:timing>
+</p:sld>
+</file>
+
+<file path=ppt/slides/slide7.xml><?xml version="1.0" encoding="utf-8"?>
+<p:sld xmlns:a="http://schemas.openxmlformats.org/drawingml/2006/main" xmlns:r="http://schemas.openxmlformats.org/officeDocument/2006/relationships" xmlns:p="http://schemas.openxmlformats.org/presentationml/2006/main">
+  <p:cSld>
+    <p:spTree>
+      <p:nvGrpSpPr>
+        <p:cNvPr id="1" name=""/>
+        <p:cNvGrpSpPr/>
+        <p:nvPr/>
+      </p:nvGrpSpPr>
+      <p:grpSpPr>
+        <a:xfrm>
+          <a:off x="0" y="0"/>
+          <a:ext cx="0" cy="0"/>
+          <a:chOff x="0" y="0"/>
+          <a:chExt cx="0" cy="0"/>
+        </a:xfrm>
+      </p:grpSpPr>
+      <p:sp>
+        <p:nvSpPr>
+          <p:cNvPr id="2" name="Title 1"/>
+          <p:cNvSpPr>
+            <a:spLocks noGrp="1"/>
+          </p:cNvSpPr>
+          <p:nvPr>
+            <p:ph type="title"/>
+          </p:nvPr>
+        </p:nvSpPr>
+        <p:spPr/>
+        <p:txBody>
+          <a:bodyPr/>
+          <a:lstStyle/>
+          <a:p>
+            <a:endParaRPr lang="en-US"/>
+          </a:p>
+        </p:txBody>
+      </p:sp>
+      <p:sp>
+        <p:nvSpPr>
+          <p:cNvPr id="3" name="Content Placeholder 2"/>
+          <p:cNvSpPr>
+            <a:spLocks noGrp="1"/>
+          </p:cNvSpPr>
+          <p:nvPr>
+            <p:ph idx="1"/>
+          </p:nvPr>
+        </p:nvSpPr>
+        <p:spPr/>
+        <p:txBody>
+          <a:bodyPr/>
+          <a:lstStyle/>
+          <a:p>
+            <a:endParaRPr lang="en-US"/>
+          </a:p>
+        </p:txBody>
+      </p:sp>
+      <p:pic>
+        <p:nvPicPr>
+          <p:cNvPr id="4" name="Content Placeholder 7"/>
+          <p:cNvPicPr>
+            <a:picLocks noChangeAspect="1"/>
+          </p:cNvPicPr>
+          <p:nvPr/>
+        </p:nvPicPr>
+        <p:blipFill>
+          <a:blip r:embed="rId2">
+            <a:extLst>
+              <a:ext uri="{28A0092B-C50C-407E-A947-70E740481C1C}">
+                <a14:useLocalDpi xmlns:a14="http://schemas.microsoft.com/office/drawing/2010/main" val="0"/>
+              </a:ext>
+            </a:extLst>
+          </a:blip>
+          <a:stretch>
+            <a:fillRect/>
+          </a:stretch>
+        </p:blipFill>
+        <p:spPr>
+          <a:xfrm>
+            <a:off x="-3678" y="1690689"/>
+            <a:ext cx="9144899" cy="2025859"/>
+          </a:xfrm>
+          <a:prstGeom prst="rect">
+            <a:avLst/>
+          </a:prstGeom>
+        </p:spPr>
+      </p:pic>
+    </p:spTree>
+    <p:extLst>
+      <p:ext uri="{BB962C8B-B14F-4D97-AF65-F5344CB8AC3E}">
+        <p14:creationId xmlns:p14="http://schemas.microsoft.com/office/powerpoint/2010/main" val="311844264"/>
       </p:ext>
     </p:extLst>
   </p:cSld>
@@ -3667,6 +7265,267 @@
 </file>
 
 <file path=ppt/theme/theme1.xml><?xml version="1.0" encoding="utf-8"?>
+<a:theme xmlns:a="http://schemas.openxmlformats.org/drawingml/2006/main" name="Office Theme">
+  <a:themeElements>
+    <a:clrScheme name="Office Theme">
+      <a:dk1>
+        <a:sysClr val="windowText" lastClr="000000"/>
+      </a:dk1>
+      <a:lt1>
+        <a:sysClr val="window" lastClr="FFFFFF"/>
+      </a:lt1>
+      <a:dk2>
+        <a:srgbClr val="44546A"/>
+      </a:dk2>
+      <a:lt2>
+        <a:srgbClr val="E7E6E6"/>
+      </a:lt2>
+      <a:accent1>
+        <a:srgbClr val="4472C4"/>
+      </a:accent1>
+      <a:accent2>
+        <a:srgbClr val="ED7D31"/>
+      </a:accent2>
+      <a:accent3>
+        <a:srgbClr val="A5A5A5"/>
+      </a:accent3>
+      <a:accent4>
+        <a:srgbClr val="FFC000"/>
+      </a:accent4>
+      <a:accent5>
+        <a:srgbClr val="5B9BD5"/>
+      </a:accent5>
+      <a:accent6>
+        <a:srgbClr val="70AD47"/>
+      </a:accent6>
+      <a:hlink>
+        <a:srgbClr val="0563C1"/>
+      </a:hlink>
+      <a:folHlink>
+        <a:srgbClr val="954F72"/>
+      </a:folHlink>
+    </a:clrScheme>
+    <a:fontScheme name="Office Theme">
+      <a:majorFont>
+        <a:latin typeface="Calibri Light" panose="020F0302020204030204"/>
+        <a:ea typeface=""/>
+        <a:cs typeface=""/>
+        <a:font script="Jpan" typeface="游ゴシック Light"/>
+        <a:font script="Hang" typeface="맑은 고딕"/>
+        <a:font script="Hans" typeface="等线 Light"/>
+        <a:font script="Hant" typeface="新細明體"/>
+        <a:font script="Arab" typeface="Times New Roman"/>
+        <a:font script="Hebr" typeface="Times New Roman"/>
+        <a:font script="Thai" typeface="Angsana New"/>
+        <a:font script="Ethi" typeface="Nyala"/>
+        <a:font script="Beng" typeface="Vrinda"/>
+        <a:font script="Gujr" typeface="Shruti"/>
+        <a:font script="Khmr" typeface="MoolBoran"/>
+        <a:font script="Knda" typeface="Tunga"/>
+        <a:font script="Guru" typeface="Raavi"/>
+        <a:font script="Cans" typeface="Euphemia"/>
+        <a:font script="Cher" typeface="Plantagenet Cherokee"/>
+        <a:font script="Yiii" typeface="Microsoft Yi Baiti"/>
+        <a:font script="Tibt" typeface="Microsoft Himalaya"/>
+        <a:font script="Thaa" typeface="MV Boli"/>
+        <a:font script="Deva" typeface="Mangal"/>
+        <a:font script="Telu" typeface="Gautami"/>
+        <a:font script="Taml" typeface="Latha"/>
+        <a:font script="Syrc" typeface="Estrangelo Edessa"/>
+        <a:font script="Orya" typeface="Kalinga"/>
+        <a:font script="Mlym" typeface="Kartika"/>
+        <a:font script="Laoo" typeface="DokChampa"/>
+        <a:font script="Sinh" typeface="Iskoola Pota"/>
+        <a:font script="Mong" typeface="Mongolian Baiti"/>
+        <a:font script="Viet" typeface="Times New Roman"/>
+        <a:font script="Uigh" typeface="Microsoft Uighur"/>
+        <a:font script="Geor" typeface="Sylfaen"/>
+      </a:majorFont>
+      <a:minorFont>
+        <a:latin typeface="Calibri" panose="020F0502020204030204"/>
+        <a:ea typeface=""/>
+        <a:cs typeface=""/>
+        <a:font script="Jpan" typeface="游ゴシック"/>
+        <a:font script="Hang" typeface="맑은 고딕"/>
+        <a:font script="Hans" typeface="等线"/>
+        <a:font script="Hant" typeface="新細明體"/>
+        <a:font script="Arab" typeface="Arial"/>
+        <a:font script="Hebr" typeface="Arial"/>
+        <a:font script="Thai" typeface="Cordia New"/>
+        <a:font script="Ethi" typeface="Nyala"/>
+        <a:font script="Beng" typeface="Vrinda"/>
+        <a:font script="Gujr" typeface="Shruti"/>
+        <a:font script="Khmr" typeface="DaunPenh"/>
+        <a:font script="Knda" typeface="Tunga"/>
+        <a:font script="Guru" typeface="Raavi"/>
+        <a:font script="Cans" typeface="Euphemia"/>
+        <a:font script="Cher" typeface="Plantagenet Cherokee"/>
+        <a:font script="Yiii" typeface="Microsoft Yi Baiti"/>
+        <a:font script="Tibt" typeface="Microsoft Himalaya"/>
+        <a:font script="Thaa" typeface="MV Boli"/>
+        <a:font script="Deva" typeface="Mangal"/>
+        <a:font script="Telu" typeface="Gautami"/>
+        <a:font script="Taml" typeface="Latha"/>
+        <a:font script="Syrc" typeface="Estrangelo Edessa"/>
+        <a:font script="Orya" typeface="Kalinga"/>
+        <a:font script="Mlym" typeface="Kartika"/>
+        <a:font script="Laoo" typeface="DokChampa"/>
+        <a:font script="Sinh" typeface="Iskoola Pota"/>
+        <a:font script="Mong" typeface="Mongolian Baiti"/>
+        <a:font script="Viet" typeface="Arial"/>
+        <a:font script="Uigh" typeface="Microsoft Uighur"/>
+        <a:font script="Geor" typeface="Sylfaen"/>
+      </a:minorFont>
+    </a:fontScheme>
+    <a:fmtScheme name="Office Theme">
+      <a:fillStyleLst>
+        <a:solidFill>
+          <a:schemeClr val="phClr"/>
+        </a:solidFill>
+        <a:gradFill rotWithShape="1">
+          <a:gsLst>
+            <a:gs pos="0">
+              <a:schemeClr val="phClr">
+                <a:lumMod val="110000"/>
+                <a:satMod val="105000"/>
+                <a:tint val="67000"/>
+              </a:schemeClr>
+            </a:gs>
+            <a:gs pos="50000">
+              <a:schemeClr val="phClr">
+                <a:lumMod val="105000"/>
+                <a:satMod val="103000"/>
+                <a:tint val="73000"/>
+              </a:schemeClr>
+            </a:gs>
+            <a:gs pos="100000">
+              <a:schemeClr val="phClr">
+                <a:lumMod val="105000"/>
+                <a:satMod val="109000"/>
+                <a:tint val="81000"/>
+              </a:schemeClr>
+            </a:gs>
+          </a:gsLst>
+          <a:lin ang="5400000" scaled="0"/>
+        </a:gradFill>
+        <a:gradFill rotWithShape="1">
+          <a:gsLst>
+            <a:gs pos="0">
+              <a:schemeClr val="phClr">
+                <a:satMod val="103000"/>
+                <a:lumMod val="102000"/>
+                <a:tint val="94000"/>
+              </a:schemeClr>
+            </a:gs>
+            <a:gs pos="50000">
+              <a:schemeClr val="phClr">
+                <a:satMod val="110000"/>
+                <a:lumMod val="100000"/>
+                <a:shade val="100000"/>
+              </a:schemeClr>
+            </a:gs>
+            <a:gs pos="100000">
+              <a:schemeClr val="phClr">
+                <a:lumMod val="99000"/>
+                <a:satMod val="120000"/>
+                <a:shade val="78000"/>
+              </a:schemeClr>
+            </a:gs>
+          </a:gsLst>
+          <a:lin ang="5400000" scaled="0"/>
+        </a:gradFill>
+      </a:fillStyleLst>
+      <a:lnStyleLst>
+        <a:ln w="6350" cap="flat" cmpd="sng" algn="ctr">
+          <a:solidFill>
+            <a:schemeClr val="phClr"/>
+          </a:solidFill>
+          <a:prstDash val="solid"/>
+          <a:miter lim="800000"/>
+        </a:ln>
+        <a:ln w="12700" cap="flat" cmpd="sng" algn="ctr">
+          <a:solidFill>
+            <a:schemeClr val="phClr"/>
+          </a:solidFill>
+          <a:prstDash val="solid"/>
+          <a:miter lim="800000"/>
+        </a:ln>
+        <a:ln w="19050" cap="flat" cmpd="sng" algn="ctr">
+          <a:solidFill>
+            <a:schemeClr val="phClr"/>
+          </a:solidFill>
+          <a:prstDash val="solid"/>
+          <a:miter lim="800000"/>
+        </a:ln>
+      </a:lnStyleLst>
+      <a:effectStyleLst>
+        <a:effectStyle>
+          <a:effectLst/>
+        </a:effectStyle>
+        <a:effectStyle>
+          <a:effectLst/>
+        </a:effectStyle>
+        <a:effectStyle>
+          <a:effectLst>
+            <a:outerShdw blurRad="57150" dist="19050" dir="5400000" algn="ctr" rotWithShape="0">
+              <a:srgbClr val="000000">
+                <a:alpha val="63000"/>
+              </a:srgbClr>
+            </a:outerShdw>
+          </a:effectLst>
+        </a:effectStyle>
+      </a:effectStyleLst>
+      <a:bgFillStyleLst>
+        <a:solidFill>
+          <a:schemeClr val="phClr"/>
+        </a:solidFill>
+        <a:solidFill>
+          <a:schemeClr val="phClr">
+            <a:tint val="95000"/>
+            <a:satMod val="170000"/>
+          </a:schemeClr>
+        </a:solidFill>
+        <a:gradFill rotWithShape="1">
+          <a:gsLst>
+            <a:gs pos="0">
+              <a:schemeClr val="phClr">
+                <a:tint val="93000"/>
+                <a:satMod val="150000"/>
+                <a:shade val="98000"/>
+                <a:lumMod val="102000"/>
+              </a:schemeClr>
+            </a:gs>
+            <a:gs pos="50000">
+              <a:schemeClr val="phClr">
+                <a:tint val="98000"/>
+                <a:satMod val="130000"/>
+                <a:shade val="90000"/>
+                <a:lumMod val="103000"/>
+              </a:schemeClr>
+            </a:gs>
+            <a:gs pos="100000">
+              <a:schemeClr val="phClr">
+                <a:shade val="63000"/>
+                <a:satMod val="120000"/>
+              </a:schemeClr>
+            </a:gs>
+          </a:gsLst>
+          <a:lin ang="5400000" scaled="0"/>
+        </a:gradFill>
+      </a:bgFillStyleLst>
+    </a:fmtScheme>
+  </a:themeElements>
+  <a:objectDefaults/>
+  <a:extraClrSchemeLst/>
+  <a:extLst>
+    <a:ext uri="{05A4C25C-085E-4340-85A3-A5531E510DB2}">
+      <thm15:themeFamily xmlns:thm15="http://schemas.microsoft.com/office/thememl/2012/main" name="Office Theme" id="{62F939B6-93AF-4DB8-9C6B-D6C7DFDC589F}" vid="{4A3C46E8-61CC-4603-A589-7422A47A8E4A}"/>
+    </a:ext>
+  </a:extLst>
+</a:theme>
+</file>
+
+<file path=ppt/theme/theme2.xml><?xml version="1.0" encoding="utf-8"?>
 <a:theme xmlns:a="http://schemas.openxmlformats.org/drawingml/2006/main" name="Office Theme">
   <a:themeElements>
     <a:clrScheme name="Office">

--- a/cosmas/slides.pptx
+++ b/cosmas/slides.pptx
@@ -2484,12 +2484,8 @@
           <a:lstStyle/>
           <a:p>
             <a:r>
-              <a:rPr lang="en-US" dirty="0" smtClean="0"/>
-              <a:t>Passenger</a:t>
-            </a:r>
-            <a:r>
-              <a:rPr lang="en-US" baseline="0" dirty="0" smtClean="0"/>
-              <a:t> Vehicle</a:t>
+              <a:rPr lang="ja-JP" altLang="en-US" dirty="0" smtClean="0"/>
+              <a:t>乗用車</a:t>
             </a:r>
             <a:r>
               <a:rPr lang="ja-JP" altLang="en-US" baseline="0" dirty="0" smtClean="0"/>
@@ -2500,15 +2496,7 @@
           <a:p>
             <a:r>
               <a:rPr lang="ja-JP" altLang="en-US" baseline="0" dirty="0" smtClean="0"/>
-              <a:t>これは</a:t>
-            </a:r>
-            <a:r>
-              <a:rPr lang="en-US" altLang="ja-JP" baseline="0" dirty="0" smtClean="0"/>
-              <a:t>Passenger Vehicle</a:t>
-            </a:r>
-            <a:r>
-              <a:rPr lang="ja-JP" altLang="en-US" baseline="0" dirty="0" smtClean="0"/>
-              <a:t>の事故数</a:t>
+              <a:t>これは乗用車の事故数</a:t>
             </a:r>
             <a:r>
               <a:rPr lang="en-US" altLang="ja-JP" baseline="0" dirty="0" err="1" smtClean="0"/>
@@ -2685,23 +2673,7 @@
           <a:p>
             <a:r>
               <a:rPr lang="ja-JP" altLang="en-US" baseline="0" dirty="0" smtClean="0"/>
-              <a:t>この図は</a:t>
-            </a:r>
-            <a:r>
-              <a:rPr lang="en-US" altLang="ja-JP" baseline="0" dirty="0" smtClean="0"/>
-              <a:t>Passenger Vehicle</a:t>
-            </a:r>
-            <a:r>
-              <a:rPr lang="ja-JP" altLang="en-US" baseline="0" dirty="0" smtClean="0"/>
-              <a:t>全体の事故原因の割合（青色）と</a:t>
-            </a:r>
-            <a:r>
-              <a:rPr lang="en-US" altLang="ja-JP" baseline="0" dirty="0" smtClean="0"/>
-              <a:t>Passenger Vehicle</a:t>
-            </a:r>
-            <a:r>
-              <a:rPr lang="ja-JP" altLang="en-US" baseline="0" dirty="0" smtClean="0"/>
-              <a:t>の</a:t>
+              <a:t>この図は乗用車全体の事故要因の割合（青色）と乗用車の</a:t>
             </a:r>
             <a:r>
               <a:rPr lang="en-US" altLang="ja-JP" baseline="0" dirty="0" smtClean="0"/>
@@ -2717,14 +2689,14 @@
             </a:r>
             <a:r>
               <a:rPr lang="ja-JP" altLang="en-US" baseline="0" dirty="0" smtClean="0"/>
-              <a:t>６時の事故原因の割合（オレンジ色）の比較を表しています．</a:t>
+              <a:t>６時の事故要因の割合（オレンジ色）の比較を表しています．</a:t>
             </a:r>
             <a:endParaRPr lang="en-US" altLang="ja-JP" baseline="0" dirty="0" smtClean="0"/>
           </a:p>
           <a:p>
             <a:r>
               <a:rPr lang="ja-JP" altLang="en-US" baseline="0" dirty="0" smtClean="0"/>
-              <a:t>事故原因はたくさんありますが，この図はその割合の差を取りソートし</a:t>
+              <a:t>事故要因はたくさんありますが，この図はその割合の差を取りソートし</a:t>
             </a:r>
             <a:r>
               <a:rPr lang="en-US" altLang="ja-JP" baseline="0" dirty="0" smtClean="0"/>
@@ -2732,25 +2704,21 @@
             </a:r>
             <a:r>
               <a:rPr lang="ja-JP" altLang="en-US" baseline="0" dirty="0" smtClean="0"/>
-              <a:t>の事故原因を表しています．</a:t>
+              <a:t>の事故要因を表しています．</a:t>
             </a:r>
             <a:endParaRPr lang="en-US" altLang="ja-JP" baseline="0" dirty="0" smtClean="0"/>
           </a:p>
           <a:p>
             <a:r>
               <a:rPr lang="ja-JP" altLang="en-US" baseline="0" dirty="0" smtClean="0"/>
-              <a:t>この図を見て「車間．．．」の事故原因は秋の時に．．．</a:t>
-            </a:r>
-            <a:r>
-              <a:rPr lang="en-US" altLang="ja-JP" baseline="0" dirty="0" smtClean="0"/>
-              <a:t/>
-            </a:r>
-            <a:br>
-              <a:rPr lang="en-US" altLang="ja-JP" baseline="0" dirty="0" smtClean="0"/>
-            </a:br>
+              <a:t>この図を見て「車両距離不保持」と「不注意」は差が大きく倍率が高く秋の時に目立っています．</a:t>
+            </a:r>
+            <a:endParaRPr lang="en-US" altLang="ja-JP" baseline="0" dirty="0" smtClean="0"/>
+          </a:p>
+          <a:p>
             <a:r>
               <a:rPr lang="ja-JP" altLang="en-US" baseline="0" dirty="0" smtClean="0"/>
-              <a:t>この．．．原因の原因．．．：は秋の日照時間，新学期の始まり，若者の運転者を考えられます．</a:t>
+              <a:t>これらの事故要因が増えた理由としては秋の日照時間，新学期の始まり，若者の運転者を考えられます．</a:t>
             </a:r>
             <a:endParaRPr lang="en-US" altLang="ja-JP" baseline="0" dirty="0" smtClean="0"/>
           </a:p>
@@ -2870,23 +2838,7 @@
           <a:p>
             <a:r>
               <a:rPr lang="ja-JP" altLang="en-US" baseline="0" dirty="0" smtClean="0"/>
-              <a:t>秋と同じように青色は</a:t>
-            </a:r>
-            <a:r>
-              <a:rPr lang="en-US" altLang="ja-JP" baseline="0" dirty="0" smtClean="0"/>
-              <a:t>Passenger Vehicle</a:t>
-            </a:r>
-            <a:r>
-              <a:rPr lang="ja-JP" altLang="en-US" baseline="0" dirty="0" smtClean="0"/>
-              <a:t>全体の事故原因の割合でオレンジ色は</a:t>
-            </a:r>
-            <a:r>
-              <a:rPr lang="en-US" altLang="ja-JP" baseline="0" dirty="0" smtClean="0"/>
-              <a:t>Passenger Vehicle</a:t>
-            </a:r>
-            <a:r>
-              <a:rPr lang="ja-JP" altLang="en-US" baseline="0" dirty="0" smtClean="0"/>
-              <a:t>の</a:t>
+              <a:t>秋と同じように青色は乗用車全体の事故原因の割合で，オレンジ色は乗用車の</a:t>
             </a:r>
             <a:r>
               <a:rPr lang="en-US" altLang="ja-JP" baseline="0" dirty="0" smtClean="0"/>
@@ -2902,7 +2854,7 @@
             </a:r>
             <a:r>
               <a:rPr lang="ja-JP" altLang="en-US" baseline="0" dirty="0" smtClean="0"/>
-              <a:t>６時の事故原因の割合です．</a:t>
+              <a:t>６時の事故要因の割合です．</a:t>
             </a:r>
             <a:endParaRPr lang="en-US" altLang="ja-JP" baseline="0" dirty="0" smtClean="0"/>
           </a:p>
@@ -2917,14 +2869,14 @@
             </a:r>
             <a:r>
               <a:rPr lang="ja-JP" altLang="en-US" baseline="0" dirty="0" smtClean="0"/>
-              <a:t>の事故原因を表しています．</a:t>
+              <a:t>の事故要因を表しています．</a:t>
             </a:r>
             <a:endParaRPr lang="en-US" altLang="ja-JP" baseline="0" dirty="0" smtClean="0"/>
           </a:p>
           <a:p>
             <a:r>
               <a:rPr lang="ja-JP" altLang="en-US" baseline="0" dirty="0" smtClean="0"/>
-              <a:t>この図を見て「疲労・眠気」の事故原因は春の時に．．．</a:t>
+              <a:t>割合の差と倍率を考えて，「疲労・眠気」と「不注意」の事故要因は春の時に目立っています．</a:t>
             </a:r>
             <a:r>
               <a:rPr lang="en-US" altLang="ja-JP" baseline="0" dirty="0" smtClean="0"/>
@@ -2935,23 +2887,15 @@
             </a:br>
             <a:r>
               <a:rPr lang="ja-JP" altLang="en-US" baseline="0" dirty="0" smtClean="0"/>
-              <a:t>この．．．原因の原因．．．：</a:t>
-            </a:r>
-            <a:r>
-              <a:rPr lang="ja-JP" altLang="en-US" baseline="0" smtClean="0"/>
-              <a:t>はサマータイム導入による睡眠時間の減少，</a:t>
-            </a:r>
-            <a:r>
-              <a:rPr lang="ja-JP" altLang="en-US" sz="1200" smtClean="0"/>
+              <a:t>これらの事故要因が増えた理由としてはサマータイム導入による睡眠時間の減少，</a:t>
+            </a:r>
+            <a:r>
+              <a:rPr lang="ja-JP" altLang="en-US" sz="1200" dirty="0" smtClean="0"/>
               <a:t>花粉症用薬服薬，気温上昇</a:t>
             </a:r>
             <a:r>
-              <a:rPr lang="ja-JP" altLang="en-US" baseline="0" smtClean="0"/>
-              <a:t>とを</a:t>
-            </a:r>
-            <a:r>
               <a:rPr lang="ja-JP" altLang="en-US" baseline="0" dirty="0" smtClean="0"/>
-              <a:t>考えられます．</a:t>
+              <a:t>とを考えられます．</a:t>
             </a:r>
             <a:endParaRPr lang="en-US" altLang="ja-JP" baseline="0" dirty="0" smtClean="0"/>
           </a:p>
@@ -3122,6 +3066,90 @@
     <p:extLst>
       <p:ext uri="{BB962C8B-B14F-4D97-AF65-F5344CB8AC3E}">
         <p14:creationId xmlns:p14="http://schemas.microsoft.com/office/powerpoint/2010/main" val="2034415049"/>
+      </p:ext>
+    </p:extLst>
+  </p:cSld>
+  <p:clrMapOvr>
+    <a:masterClrMapping/>
+  </p:clrMapOvr>
+</p:notes>
+</file>
+
+<file path=ppt/notesSlides/notesSlide5.xml><?xml version="1.0" encoding="utf-8"?>
+<p:notes xmlns:a="http://schemas.openxmlformats.org/drawingml/2006/main" xmlns:r="http://schemas.openxmlformats.org/officeDocument/2006/relationships" xmlns:p="http://schemas.openxmlformats.org/presentationml/2006/main">
+  <p:cSld>
+    <p:spTree>
+      <p:nvGrpSpPr>
+        <p:cNvPr id="1" name=""/>
+        <p:cNvGrpSpPr/>
+        <p:nvPr/>
+      </p:nvGrpSpPr>
+      <p:grpSpPr>
+        <a:xfrm>
+          <a:off x="0" y="0"/>
+          <a:ext cx="0" cy="0"/>
+          <a:chOff x="0" y="0"/>
+          <a:chExt cx="0" cy="0"/>
+        </a:xfrm>
+      </p:grpSpPr>
+      <p:sp>
+        <p:nvSpPr>
+          <p:cNvPr id="2" name="Slide Image Placeholder 1"/>
+          <p:cNvSpPr>
+            <a:spLocks noGrp="1" noRot="1" noChangeAspect="1"/>
+          </p:cNvSpPr>
+          <p:nvPr>
+            <p:ph type="sldImg"/>
+          </p:nvPr>
+        </p:nvSpPr>
+        <p:spPr/>
+      </p:sp>
+      <p:sp>
+        <p:nvSpPr>
+          <p:cNvPr id="3" name="Notes Placeholder 2"/>
+          <p:cNvSpPr>
+            <a:spLocks noGrp="1"/>
+          </p:cNvSpPr>
+          <p:nvPr>
+            <p:ph type="body" idx="1"/>
+          </p:nvPr>
+        </p:nvSpPr>
+        <p:spPr/>
+        <p:txBody>
+          <a:bodyPr/>
+          <a:lstStyle/>
+          <a:p>
+            <a:endParaRPr lang="en-US" dirty="0"/>
+          </a:p>
+        </p:txBody>
+      </p:sp>
+      <p:sp>
+        <p:nvSpPr>
+          <p:cNvPr id="4" name="Slide Number Placeholder 3"/>
+          <p:cNvSpPr>
+            <a:spLocks noGrp="1"/>
+          </p:cNvSpPr>
+          <p:nvPr>
+            <p:ph type="sldNum" sz="quarter" idx="10"/>
+          </p:nvPr>
+        </p:nvSpPr>
+        <p:spPr/>
+        <p:txBody>
+          <a:bodyPr/>
+          <a:lstStyle/>
+          <a:p>
+            <a:fld id="{8E4C62F1-9CB6-6D4B-A553-A5709B1480ED}" type="slidenum">
+              <a:rPr lang="en-US" smtClean="0"/>
+              <a:t>6</a:t>
+            </a:fld>
+            <a:endParaRPr lang="en-US"/>
+          </a:p>
+        </p:txBody>
+      </p:sp>
+    </p:spTree>
+    <p:extLst>
+      <p:ext uri="{BB962C8B-B14F-4D97-AF65-F5344CB8AC3E}">
+        <p14:creationId xmlns:p14="http://schemas.microsoft.com/office/powerpoint/2010/main" val="1235085527"/>
       </p:ext>
     </p:extLst>
   </p:cSld>
@@ -6028,22 +6056,18 @@
           <a:lstStyle/>
           <a:p>
             <a:r>
-              <a:rPr lang="en-US" altLang="ja-JP" sz="4000" dirty="0" smtClean="0"/>
-              <a:t>PV</a:t>
-            </a:r>
-            <a:r>
-              <a:rPr lang="ja-JP" altLang="en-US" sz="4000" dirty="0" smtClean="0"/>
-              <a:t>の事故数</a:t>
-            </a:r>
-            <a:r>
-              <a:rPr lang="en-US" altLang="ja-JP" sz="4000" dirty="0" err="1" smtClean="0"/>
+              <a:rPr lang="ja-JP" altLang="en-US" sz="3600" dirty="0" smtClean="0"/>
+              <a:t>乗用車の事故数</a:t>
+            </a:r>
+            <a:r>
+              <a:rPr lang="en-US" altLang="ja-JP" sz="3600" dirty="0" err="1" smtClean="0"/>
               <a:t>Heatmap</a:t>
             </a:r>
             <a:r>
-              <a:rPr lang="ja-JP" altLang="en-US" sz="4000" dirty="0" smtClean="0"/>
+              <a:rPr lang="ja-JP" altLang="en-US" sz="3600" dirty="0" smtClean="0"/>
               <a:t>：月と時間帯</a:t>
             </a:r>
-            <a:endParaRPr lang="en-US" sz="4000" dirty="0"/>
+            <a:endParaRPr lang="en-US" sz="3600" dirty="0"/>
           </a:p>
         </p:txBody>
       </p:sp>
@@ -6393,7 +6417,7 @@
           <a:p>
             <a:r>
               <a:rPr lang="ja-JP" altLang="en-US" dirty="0" smtClean="0"/>
-              <a:t>秋の事故原因の分析</a:t>
+              <a:t>秋の事故要因の分析</a:t>
             </a:r>
             <a:endParaRPr lang="en-US" dirty="0"/>
           </a:p>
@@ -6423,7 +6447,7 @@
           <a:p>
             <a:r>
               <a:rPr lang="ja-JP" altLang="en-US" sz="2400" dirty="0" smtClean="0"/>
-              <a:t>考えられる原因</a:t>
+              <a:t>考えられる理由</a:t>
             </a:r>
             <a:endParaRPr lang="en-US" sz="2400" dirty="0"/>
           </a:p>
@@ -6524,9 +6548,55 @@
           <p:nvPr/>
         </p:nvSpPr>
         <p:spPr>
-          <a:xfrm rot="19187634">
-            <a:off x="28252" y="3451518"/>
-            <a:ext cx="2133600" cy="609600"/>
+          <a:xfrm rot="18992945">
+            <a:off x="-6513" y="3479233"/>
+            <a:ext cx="2133600" cy="501892"/>
+          </a:xfrm>
+          <a:prstGeom prst="ellipse">
+            <a:avLst/>
+          </a:prstGeom>
+          <a:noFill/>
+          <a:ln>
+            <a:solidFill>
+              <a:srgbClr val="FF0000"/>
+            </a:solidFill>
+          </a:ln>
+        </p:spPr>
+        <p:style>
+          <a:lnRef idx="2">
+            <a:schemeClr val="accent1">
+              <a:shade val="50000"/>
+            </a:schemeClr>
+          </a:lnRef>
+          <a:fillRef idx="1">
+            <a:schemeClr val="accent1"/>
+          </a:fillRef>
+          <a:effectRef idx="0">
+            <a:schemeClr val="accent1"/>
+          </a:effectRef>
+          <a:fontRef idx="minor">
+            <a:schemeClr val="lt1"/>
+          </a:fontRef>
+        </p:style>
+        <p:txBody>
+          <a:bodyPr rtlCol="0" anchor="ctr"/>
+          <a:lstStyle/>
+          <a:p>
+            <a:pPr algn="ctr"/>
+            <a:endParaRPr lang="en-US"/>
+          </a:p>
+        </p:txBody>
+      </p:sp>
+      <p:sp>
+        <p:nvSpPr>
+          <p:cNvPr id="13" name="Oval 12"/>
+          <p:cNvSpPr/>
+          <p:nvPr/>
+        </p:nvSpPr>
+        <p:spPr>
+          <a:xfrm rot="18992945">
+            <a:off x="697643" y="3596161"/>
+            <a:ext cx="2133600" cy="501892"/>
           </a:xfrm>
           <a:prstGeom prst="ellipse">
             <a:avLst/>
@@ -6746,14 +6816,60 @@
       </p:graphicFrame>
       <p:sp>
         <p:nvSpPr>
-          <p:cNvPr id="11" name="Oval 10"/>
+          <p:cNvPr id="12" name="Oval 11"/>
           <p:cNvSpPr/>
           <p:nvPr/>
         </p:nvSpPr>
         <p:spPr>
-          <a:xfrm rot="19187634">
-            <a:off x="236798" y="3451518"/>
-            <a:ext cx="2133600" cy="609600"/>
+          <a:xfrm rot="18992945">
+            <a:off x="832935" y="3659113"/>
+            <a:ext cx="2133600" cy="501892"/>
+          </a:xfrm>
+          <a:prstGeom prst="ellipse">
+            <a:avLst/>
+          </a:prstGeom>
+          <a:noFill/>
+          <a:ln>
+            <a:solidFill>
+              <a:srgbClr val="FF0000"/>
+            </a:solidFill>
+          </a:ln>
+        </p:spPr>
+        <p:style>
+          <a:lnRef idx="2">
+            <a:schemeClr val="accent1">
+              <a:shade val="50000"/>
+            </a:schemeClr>
+          </a:lnRef>
+          <a:fillRef idx="1">
+            <a:schemeClr val="accent1"/>
+          </a:fillRef>
+          <a:effectRef idx="0">
+            <a:schemeClr val="accent1"/>
+          </a:effectRef>
+          <a:fontRef idx="minor">
+            <a:schemeClr val="lt1"/>
+          </a:fontRef>
+        </p:style>
+        <p:txBody>
+          <a:bodyPr rtlCol="0" anchor="ctr"/>
+          <a:lstStyle/>
+          <a:p>
+            <a:pPr algn="ctr"/>
+            <a:endParaRPr lang="en-US"/>
+          </a:p>
+        </p:txBody>
+      </p:sp>
+      <p:sp>
+        <p:nvSpPr>
+          <p:cNvPr id="13" name="Oval 12"/>
+          <p:cNvSpPr/>
+          <p:nvPr/>
+        </p:nvSpPr>
+        <p:spPr>
+          <a:xfrm rot="18992945">
+            <a:off x="115910" y="3556683"/>
+            <a:ext cx="2133600" cy="501892"/>
           </a:xfrm>
           <a:prstGeom prst="ellipse">
             <a:avLst/>
@@ -7125,7 +7241,7 @@
           <p:nvPr/>
         </p:nvPicPr>
         <p:blipFill>
-          <a:blip r:embed="rId2">
+          <a:blip r:embed="rId3">
             <a:extLst>
               <a:ext uri="{28A0092B-C50C-407E-A947-70E740481C1C}">
                 <a14:useLocalDpi xmlns:a14="http://schemas.microsoft.com/office/drawing/2010/main" val="0"/>
